--- a/High-Performance Python.pptx
+++ b/High-Performance Python.pptx
@@ -8,20 +8,22 @@
     <p:sldId id="256" r:id="rId2"/>
     <p:sldId id="269" r:id="rId3"/>
     <p:sldId id="268" r:id="rId4"/>
-    <p:sldId id="270" r:id="rId5"/>
-    <p:sldId id="259" r:id="rId6"/>
-    <p:sldId id="262" r:id="rId7"/>
-    <p:sldId id="263" r:id="rId8"/>
-    <p:sldId id="265" r:id="rId9"/>
-    <p:sldId id="266" r:id="rId10"/>
-    <p:sldId id="264" r:id="rId11"/>
-    <p:sldId id="267" r:id="rId12"/>
-    <p:sldId id="271" r:id="rId13"/>
-    <p:sldId id="257" r:id="rId14"/>
-    <p:sldId id="272" r:id="rId15"/>
-    <p:sldId id="258" r:id="rId16"/>
-    <p:sldId id="261" r:id="rId17"/>
-    <p:sldId id="260" r:id="rId18"/>
+    <p:sldId id="273" r:id="rId5"/>
+    <p:sldId id="270" r:id="rId6"/>
+    <p:sldId id="259" r:id="rId7"/>
+    <p:sldId id="262" r:id="rId8"/>
+    <p:sldId id="263" r:id="rId9"/>
+    <p:sldId id="265" r:id="rId10"/>
+    <p:sldId id="266" r:id="rId11"/>
+    <p:sldId id="264" r:id="rId12"/>
+    <p:sldId id="267" r:id="rId13"/>
+    <p:sldId id="274" r:id="rId14"/>
+    <p:sldId id="271" r:id="rId15"/>
+    <p:sldId id="257" r:id="rId16"/>
+    <p:sldId id="272" r:id="rId17"/>
+    <p:sldId id="258" r:id="rId18"/>
+    <p:sldId id="261" r:id="rId19"/>
+    <p:sldId id="260" r:id="rId20"/>
   </p:sldIdLst>
   <p:sldSz cx="12192000" cy="6858000"/>
   <p:notesSz cx="6858000" cy="9144000"/>
@@ -120,6 +122,11 @@
       </a:defRPr>
     </a:lvl9pPr>
   </p:defaultTextStyle>
+  <p:extLst>
+    <p:ext uri="{EFAFB233-063F-42B5-8137-9DF3F51BA10A}">
+      <p15:sldGuideLst xmlns:p15="http://schemas.microsoft.com/office/powerpoint/2012/main"/>
+    </p:ext>
+  </p:extLst>
 </p:presentation>
 </file>
 
@@ -4256,7 +4263,7 @@
           <a:p>
             <a:fld id="{909ACC48-6BF7-4BEB-946C-48EB407C9D6A}" type="datetimeFigureOut">
               <a:rPr lang="en-US" smtClean="0"/>
-              <a:t>2018-06-13</a:t>
+              <a:t>2018-06-14</a:t>
             </a:fld>
             <a:endParaRPr lang="en-US"/>
           </a:p>
@@ -4454,7 +4461,7 @@
           <a:p>
             <a:fld id="{909ACC48-6BF7-4BEB-946C-48EB407C9D6A}" type="datetimeFigureOut">
               <a:rPr lang="en-US" smtClean="0"/>
-              <a:t>2018-06-13</a:t>
+              <a:t>2018-06-14</a:t>
             </a:fld>
             <a:endParaRPr lang="en-US"/>
           </a:p>
@@ -4662,7 +4669,7 @@
           <a:p>
             <a:fld id="{909ACC48-6BF7-4BEB-946C-48EB407C9D6A}" type="datetimeFigureOut">
               <a:rPr lang="en-US" smtClean="0"/>
-              <a:t>2018-06-13</a:t>
+              <a:t>2018-06-14</a:t>
             </a:fld>
             <a:endParaRPr lang="en-US"/>
           </a:p>
@@ -4860,7 +4867,7 @@
           <a:p>
             <a:fld id="{909ACC48-6BF7-4BEB-946C-48EB407C9D6A}" type="datetimeFigureOut">
               <a:rPr lang="en-US" smtClean="0"/>
-              <a:t>2018-06-13</a:t>
+              <a:t>2018-06-14</a:t>
             </a:fld>
             <a:endParaRPr lang="en-US"/>
           </a:p>
@@ -5135,7 +5142,7 @@
           <a:p>
             <a:fld id="{909ACC48-6BF7-4BEB-946C-48EB407C9D6A}" type="datetimeFigureOut">
               <a:rPr lang="en-US" smtClean="0"/>
-              <a:t>2018-06-13</a:t>
+              <a:t>2018-06-14</a:t>
             </a:fld>
             <a:endParaRPr lang="en-US"/>
           </a:p>
@@ -5400,7 +5407,7 @@
           <a:p>
             <a:fld id="{909ACC48-6BF7-4BEB-946C-48EB407C9D6A}" type="datetimeFigureOut">
               <a:rPr lang="en-US" smtClean="0"/>
-              <a:t>2018-06-13</a:t>
+              <a:t>2018-06-14</a:t>
             </a:fld>
             <a:endParaRPr lang="en-US"/>
           </a:p>
@@ -5812,7 +5819,7 @@
           <a:p>
             <a:fld id="{909ACC48-6BF7-4BEB-946C-48EB407C9D6A}" type="datetimeFigureOut">
               <a:rPr lang="en-US" smtClean="0"/>
-              <a:t>2018-06-13</a:t>
+              <a:t>2018-06-14</a:t>
             </a:fld>
             <a:endParaRPr lang="en-US"/>
           </a:p>
@@ -5953,7 +5960,7 @@
           <a:p>
             <a:fld id="{909ACC48-6BF7-4BEB-946C-48EB407C9D6A}" type="datetimeFigureOut">
               <a:rPr lang="en-US" smtClean="0"/>
-              <a:t>2018-06-13</a:t>
+              <a:t>2018-06-14</a:t>
             </a:fld>
             <a:endParaRPr lang="en-US"/>
           </a:p>
@@ -6066,7 +6073,7 @@
           <a:p>
             <a:fld id="{909ACC48-6BF7-4BEB-946C-48EB407C9D6A}" type="datetimeFigureOut">
               <a:rPr lang="en-US" smtClean="0"/>
-              <a:t>2018-06-13</a:t>
+              <a:t>2018-06-14</a:t>
             </a:fld>
             <a:endParaRPr lang="en-US"/>
           </a:p>
@@ -6377,7 +6384,7 @@
           <a:p>
             <a:fld id="{909ACC48-6BF7-4BEB-946C-48EB407C9D6A}" type="datetimeFigureOut">
               <a:rPr lang="en-US" smtClean="0"/>
-              <a:t>2018-06-13</a:t>
+              <a:t>2018-06-14</a:t>
             </a:fld>
             <a:endParaRPr lang="en-US"/>
           </a:p>
@@ -6665,7 +6672,7 @@
           <a:p>
             <a:fld id="{909ACC48-6BF7-4BEB-946C-48EB407C9D6A}" type="datetimeFigureOut">
               <a:rPr lang="en-US" smtClean="0"/>
-              <a:t>2018-06-13</a:t>
+              <a:t>2018-06-14</a:t>
             </a:fld>
             <a:endParaRPr lang="en-US"/>
           </a:p>
@@ -6906,7 +6913,7 @@
           <a:p>
             <a:fld id="{909ACC48-6BF7-4BEB-946C-48EB407C9D6A}" type="datetimeFigureOut">
               <a:rPr lang="en-US" smtClean="0"/>
-              <a:t>2018-06-13</a:t>
+              <a:t>2018-06-14</a:t>
             </a:fld>
             <a:endParaRPr lang="en-US"/>
           </a:p>
@@ -7411,6 +7418,1025 @@
       </p:grpSpPr>
       <p:sp>
         <p:nvSpPr>
+          <p:cNvPr id="6" name="Rectangle 5">
+            <a:extLst>
+              <a:ext uri="{FF2B5EF4-FFF2-40B4-BE49-F238E27FC236}">
+                <a16:creationId xmlns:a16="http://schemas.microsoft.com/office/drawing/2014/main" id="{38642486-3E44-4BA5-AAA2-EFF6EF58DEA4}"/>
+              </a:ext>
+            </a:extLst>
+          </p:cNvPr>
+          <p:cNvSpPr/>
+          <p:nvPr/>
+        </p:nvSpPr>
+        <p:spPr>
+          <a:xfrm>
+            <a:off x="1904214" y="1291579"/>
+            <a:ext cx="9379671" cy="5355312"/>
+          </a:xfrm>
+          <a:prstGeom prst="rect">
+            <a:avLst/>
+          </a:prstGeom>
+          <a:solidFill>
+            <a:schemeClr val="tx1"/>
+          </a:solidFill>
+        </p:spPr>
+        <p:txBody>
+          <a:bodyPr wrap="square">
+            <a:spAutoFit/>
+          </a:bodyPr>
+          <a:lstStyle/>
+          <a:p>
+            <a:r>
+              <a:rPr lang="en-US" b="0" dirty="0">
+                <a:solidFill>
+                  <a:srgbClr val="608B4E"/>
+                </a:solidFill>
+                <a:effectLst/>
+                <a:latin typeface="Consolas" panose="020B0609020204030204" pitchFamily="49" charset="0"/>
+              </a:rPr>
+              <a:t>// C++11 &amp; Boost library thread pool</a:t>
+            </a:r>
+            <a:endParaRPr lang="en-US" b="0" dirty="0">
+              <a:solidFill>
+                <a:srgbClr val="D4D4D4"/>
+              </a:solidFill>
+              <a:effectLst/>
+              <a:latin typeface="Consolas" panose="020B0609020204030204" pitchFamily="49" charset="0"/>
+            </a:endParaRPr>
+          </a:p>
+          <a:p>
+            <a:r>
+              <a:rPr lang="en-US" b="0" dirty="0">
+                <a:solidFill>
+                  <a:srgbClr val="C586C0"/>
+                </a:solidFill>
+                <a:effectLst/>
+                <a:latin typeface="Consolas" panose="020B0609020204030204" pitchFamily="49" charset="0"/>
+              </a:rPr>
+              <a:t>#include</a:t>
+            </a:r>
+            <a:r>
+              <a:rPr lang="en-US" b="0" dirty="0">
+                <a:solidFill>
+                  <a:srgbClr val="569CD6"/>
+                </a:solidFill>
+                <a:effectLst/>
+                <a:latin typeface="Consolas" panose="020B0609020204030204" pitchFamily="49" charset="0"/>
+              </a:rPr>
+              <a:t> </a:t>
+            </a:r>
+            <a:r>
+              <a:rPr lang="en-US" b="0" dirty="0">
+                <a:solidFill>
+                  <a:srgbClr val="CE9178"/>
+                </a:solidFill>
+                <a:effectLst/>
+                <a:latin typeface="Consolas" panose="020B0609020204030204" pitchFamily="49" charset="0"/>
+              </a:rPr>
+              <a:t>&lt;</a:t>
+            </a:r>
+            <a:r>
+              <a:rPr lang="en-US" b="0" dirty="0" err="1">
+                <a:solidFill>
+                  <a:srgbClr val="CE9178"/>
+                </a:solidFill>
+                <a:effectLst/>
+                <a:latin typeface="Consolas" panose="020B0609020204030204" pitchFamily="49" charset="0"/>
+              </a:rPr>
+              <a:t>ctpl.h</a:t>
+            </a:r>
+            <a:r>
+              <a:rPr lang="en-US" b="0" dirty="0">
+                <a:solidFill>
+                  <a:srgbClr val="CE9178"/>
+                </a:solidFill>
+                <a:effectLst/>
+                <a:latin typeface="Consolas" panose="020B0609020204030204" pitchFamily="49" charset="0"/>
+              </a:rPr>
+              <a:t>&gt;</a:t>
+            </a:r>
+            <a:r>
+              <a:rPr lang="en-US" b="0" dirty="0">
+                <a:solidFill>
+                  <a:srgbClr val="569CD6"/>
+                </a:solidFill>
+                <a:effectLst/>
+                <a:latin typeface="Consolas" panose="020B0609020204030204" pitchFamily="49" charset="0"/>
+              </a:rPr>
+              <a:t> </a:t>
+            </a:r>
+            <a:endParaRPr lang="en-US" b="0" dirty="0">
+              <a:solidFill>
+                <a:srgbClr val="D4D4D4"/>
+              </a:solidFill>
+              <a:effectLst/>
+              <a:latin typeface="Consolas" panose="020B0609020204030204" pitchFamily="49" charset="0"/>
+            </a:endParaRPr>
+          </a:p>
+          <a:p>
+            <a:r>
+              <a:rPr lang="en-US" b="0" dirty="0">
+                <a:solidFill>
+                  <a:srgbClr val="C586C0"/>
+                </a:solidFill>
+                <a:effectLst/>
+                <a:latin typeface="Consolas" panose="020B0609020204030204" pitchFamily="49" charset="0"/>
+              </a:rPr>
+              <a:t>#define</a:t>
+            </a:r>
+            <a:r>
+              <a:rPr lang="en-US" b="0" dirty="0">
+                <a:solidFill>
+                  <a:srgbClr val="569CD6"/>
+                </a:solidFill>
+                <a:effectLst/>
+                <a:latin typeface="Consolas" panose="020B0609020204030204" pitchFamily="49" charset="0"/>
+              </a:rPr>
+              <a:t> </a:t>
+            </a:r>
+            <a:r>
+              <a:rPr lang="en-US" b="0" dirty="0">
+                <a:solidFill>
+                  <a:srgbClr val="DCDCAA"/>
+                </a:solidFill>
+                <a:effectLst/>
+                <a:latin typeface="Consolas" panose="020B0609020204030204" pitchFamily="49" charset="0"/>
+              </a:rPr>
+              <a:t>N</a:t>
+            </a:r>
+            <a:r>
+              <a:rPr lang="en-US" b="0" dirty="0">
+                <a:solidFill>
+                  <a:srgbClr val="569CD6"/>
+                </a:solidFill>
+                <a:effectLst/>
+                <a:latin typeface="Consolas" panose="020B0609020204030204" pitchFamily="49" charset="0"/>
+              </a:rPr>
+              <a:t> </a:t>
+            </a:r>
+            <a:r>
+              <a:rPr lang="en-US" b="0" dirty="0">
+                <a:solidFill>
+                  <a:srgbClr val="B5CEA8"/>
+                </a:solidFill>
+                <a:effectLst/>
+                <a:latin typeface="Consolas" panose="020B0609020204030204" pitchFamily="49" charset="0"/>
+              </a:rPr>
+              <a:t>64</a:t>
+            </a:r>
+          </a:p>
+          <a:p>
+            <a:endParaRPr lang="en-US" b="0" dirty="0">
+              <a:solidFill>
+                <a:srgbClr val="D4D4D4"/>
+              </a:solidFill>
+              <a:effectLst/>
+              <a:latin typeface="Consolas" panose="020B0609020204030204" pitchFamily="49" charset="0"/>
+            </a:endParaRPr>
+          </a:p>
+          <a:p>
+            <a:r>
+              <a:rPr lang="en-US" b="0" dirty="0" err="1">
+                <a:solidFill>
+                  <a:srgbClr val="D4D4D4"/>
+                </a:solidFill>
+                <a:effectLst/>
+                <a:latin typeface="Consolas" panose="020B0609020204030204" pitchFamily="49" charset="0"/>
+              </a:rPr>
+              <a:t>ctpl</a:t>
+            </a:r>
+            <a:r>
+              <a:rPr lang="en-US" b="0" dirty="0">
+                <a:solidFill>
+                  <a:srgbClr val="D4D4D4"/>
+                </a:solidFill>
+                <a:effectLst/>
+                <a:latin typeface="Consolas" panose="020B0609020204030204" pitchFamily="49" charset="0"/>
+              </a:rPr>
+              <a:t>::</a:t>
+            </a:r>
+            <a:r>
+              <a:rPr lang="en-US" b="0" dirty="0" err="1">
+                <a:solidFill>
+                  <a:srgbClr val="D4D4D4"/>
+                </a:solidFill>
+                <a:effectLst/>
+                <a:latin typeface="Consolas" panose="020B0609020204030204" pitchFamily="49" charset="0"/>
+              </a:rPr>
+              <a:t>thread_pool</a:t>
+            </a:r>
+            <a:r>
+              <a:rPr lang="en-US" b="0" dirty="0">
+                <a:solidFill>
+                  <a:srgbClr val="D4D4D4"/>
+                </a:solidFill>
+                <a:effectLst/>
+                <a:latin typeface="Consolas" panose="020B0609020204030204" pitchFamily="49" charset="0"/>
+              </a:rPr>
+              <a:t> </a:t>
+            </a:r>
+            <a:r>
+              <a:rPr lang="en-US" b="0" dirty="0">
+                <a:solidFill>
+                  <a:srgbClr val="DCDCAA"/>
+                </a:solidFill>
+                <a:effectLst/>
+                <a:latin typeface="Consolas" panose="020B0609020204030204" pitchFamily="49" charset="0"/>
+              </a:rPr>
+              <a:t>p</a:t>
+            </a:r>
+            <a:r>
+              <a:rPr lang="en-US" b="0" dirty="0">
+                <a:solidFill>
+                  <a:srgbClr val="D4D4D4"/>
+                </a:solidFill>
+                <a:effectLst/>
+                <a:latin typeface="Consolas" panose="020B0609020204030204" pitchFamily="49" charset="0"/>
+              </a:rPr>
+              <a:t>(N);</a:t>
+            </a:r>
+          </a:p>
+          <a:p>
+            <a:r>
+              <a:rPr lang="en-US" b="0" dirty="0">
+                <a:solidFill>
+                  <a:srgbClr val="569CD6"/>
+                </a:solidFill>
+                <a:effectLst/>
+                <a:latin typeface="Consolas" panose="020B0609020204030204" pitchFamily="49" charset="0"/>
+              </a:rPr>
+              <a:t>double</a:t>
+            </a:r>
+            <a:r>
+              <a:rPr lang="en-US" b="0" dirty="0">
+                <a:solidFill>
+                  <a:srgbClr val="D4D4D4"/>
+                </a:solidFill>
+                <a:effectLst/>
+                <a:latin typeface="Consolas" panose="020B0609020204030204" pitchFamily="49" charset="0"/>
+              </a:rPr>
+              <a:t> </a:t>
+            </a:r>
+            <a:r>
+              <a:rPr lang="en-US" b="0" dirty="0" err="1">
+                <a:solidFill>
+                  <a:srgbClr val="D4D4D4"/>
+                </a:solidFill>
+                <a:effectLst/>
+                <a:latin typeface="Consolas" panose="020B0609020204030204" pitchFamily="49" charset="0"/>
+              </a:rPr>
+              <a:t>partial_sum</a:t>
+            </a:r>
+            <a:r>
+              <a:rPr lang="en-US" b="0" dirty="0">
+                <a:solidFill>
+                  <a:srgbClr val="D4D4D4"/>
+                </a:solidFill>
+                <a:effectLst/>
+                <a:latin typeface="Consolas" panose="020B0609020204030204" pitchFamily="49" charset="0"/>
+              </a:rPr>
+              <a:t>[N] = {</a:t>
+            </a:r>
+            <a:r>
+              <a:rPr lang="en-US" b="0" dirty="0">
+                <a:solidFill>
+                  <a:srgbClr val="B5CEA8"/>
+                </a:solidFill>
+                <a:effectLst/>
+                <a:latin typeface="Consolas" panose="020B0609020204030204" pitchFamily="49" charset="0"/>
+              </a:rPr>
+              <a:t>0</a:t>
+            </a:r>
+            <a:r>
+              <a:rPr lang="en-US" b="0" dirty="0">
+                <a:solidFill>
+                  <a:srgbClr val="D4D4D4"/>
+                </a:solidFill>
+                <a:effectLst/>
+                <a:latin typeface="Consolas" panose="020B0609020204030204" pitchFamily="49" charset="0"/>
+              </a:rPr>
+              <a:t>};</a:t>
+            </a:r>
+          </a:p>
+          <a:p>
+            <a:r>
+              <a:rPr lang="en-US" b="0" dirty="0">
+                <a:solidFill>
+                  <a:srgbClr val="D4D4D4"/>
+                </a:solidFill>
+                <a:effectLst/>
+                <a:latin typeface="Consolas" panose="020B0609020204030204" pitchFamily="49" charset="0"/>
+              </a:rPr>
+              <a:t>vector&lt;future&lt;</a:t>
+            </a:r>
+            <a:r>
+              <a:rPr lang="en-US" b="0" dirty="0">
+                <a:solidFill>
+                  <a:srgbClr val="569CD6"/>
+                </a:solidFill>
+                <a:effectLst/>
+                <a:latin typeface="Consolas" panose="020B0609020204030204" pitchFamily="49" charset="0"/>
+              </a:rPr>
+              <a:t>void</a:t>
+            </a:r>
+            <a:r>
+              <a:rPr lang="en-US" b="0" dirty="0">
+                <a:solidFill>
+                  <a:srgbClr val="D4D4D4"/>
+                </a:solidFill>
+                <a:effectLst/>
+                <a:latin typeface="Consolas" panose="020B0609020204030204" pitchFamily="49" charset="0"/>
+              </a:rPr>
+              <a:t>&gt;&gt; </a:t>
+            </a:r>
+            <a:r>
+              <a:rPr lang="en-US" b="0" dirty="0">
+                <a:solidFill>
+                  <a:srgbClr val="DCDCAA"/>
+                </a:solidFill>
+                <a:effectLst/>
+                <a:latin typeface="Consolas" panose="020B0609020204030204" pitchFamily="49" charset="0"/>
+              </a:rPr>
+              <a:t>results</a:t>
+            </a:r>
+            <a:r>
+              <a:rPr lang="en-US" b="0" dirty="0">
+                <a:solidFill>
+                  <a:srgbClr val="D4D4D4"/>
+                </a:solidFill>
+                <a:effectLst/>
+                <a:latin typeface="Consolas" panose="020B0609020204030204" pitchFamily="49" charset="0"/>
+              </a:rPr>
+              <a:t>(N);</a:t>
+            </a:r>
+          </a:p>
+          <a:p>
+            <a:br>
+              <a:rPr lang="en-US" b="0" dirty="0">
+                <a:solidFill>
+                  <a:srgbClr val="D4D4D4"/>
+                </a:solidFill>
+                <a:effectLst/>
+                <a:latin typeface="Consolas" panose="020B0609020204030204" pitchFamily="49" charset="0"/>
+              </a:rPr>
+            </a:br>
+            <a:r>
+              <a:rPr lang="en-US" b="0" dirty="0">
+                <a:solidFill>
+                  <a:srgbClr val="608B4E"/>
+                </a:solidFill>
+                <a:effectLst/>
+                <a:latin typeface="Consolas" panose="020B0609020204030204" pitchFamily="49" charset="0"/>
+              </a:rPr>
+              <a:t>/*Launch threads */</a:t>
+            </a:r>
+            <a:endParaRPr lang="en-US" b="0" dirty="0">
+              <a:solidFill>
+                <a:srgbClr val="D4D4D4"/>
+              </a:solidFill>
+              <a:effectLst/>
+              <a:latin typeface="Consolas" panose="020B0609020204030204" pitchFamily="49" charset="0"/>
+            </a:endParaRPr>
+          </a:p>
+          <a:p>
+            <a:r>
+              <a:rPr lang="en-US" b="0" dirty="0">
+                <a:solidFill>
+                  <a:srgbClr val="C586C0"/>
+                </a:solidFill>
+                <a:effectLst/>
+                <a:latin typeface="Consolas" panose="020B0609020204030204" pitchFamily="49" charset="0"/>
+              </a:rPr>
+              <a:t>for</a:t>
+            </a:r>
+            <a:r>
+              <a:rPr lang="en-US" b="0" dirty="0">
+                <a:solidFill>
+                  <a:srgbClr val="D4D4D4"/>
+                </a:solidFill>
+                <a:effectLst/>
+                <a:latin typeface="Consolas" panose="020B0609020204030204" pitchFamily="49" charset="0"/>
+              </a:rPr>
+              <a:t> (</a:t>
+            </a:r>
+            <a:r>
+              <a:rPr lang="en-US" b="0" dirty="0">
+                <a:solidFill>
+                  <a:srgbClr val="569CD6"/>
+                </a:solidFill>
+                <a:effectLst/>
+                <a:latin typeface="Consolas" panose="020B0609020204030204" pitchFamily="49" charset="0"/>
+              </a:rPr>
+              <a:t>int</a:t>
+            </a:r>
+            <a:r>
+              <a:rPr lang="en-US" b="0" dirty="0">
+                <a:solidFill>
+                  <a:srgbClr val="D4D4D4"/>
+                </a:solidFill>
+                <a:effectLst/>
+                <a:latin typeface="Consolas" panose="020B0609020204030204" pitchFamily="49" charset="0"/>
+              </a:rPr>
+              <a:t> j = </a:t>
+            </a:r>
+            <a:r>
+              <a:rPr lang="en-US" b="0" dirty="0">
+                <a:solidFill>
+                  <a:srgbClr val="B5CEA8"/>
+                </a:solidFill>
+                <a:effectLst/>
+                <a:latin typeface="Consolas" panose="020B0609020204030204" pitchFamily="49" charset="0"/>
+              </a:rPr>
+              <a:t>0</a:t>
+            </a:r>
+            <a:r>
+              <a:rPr lang="en-US" b="0" dirty="0">
+                <a:solidFill>
+                  <a:srgbClr val="D4D4D4"/>
+                </a:solidFill>
+                <a:effectLst/>
+                <a:latin typeface="Consolas" panose="020B0609020204030204" pitchFamily="49" charset="0"/>
+              </a:rPr>
+              <a:t>; j &lt; N; ++j)</a:t>
+            </a:r>
+          </a:p>
+          <a:p>
+            <a:r>
+              <a:rPr lang="en-US" b="0" dirty="0">
+                <a:solidFill>
+                  <a:srgbClr val="608B4E"/>
+                </a:solidFill>
+                <a:effectLst/>
+                <a:latin typeface="Consolas" panose="020B0609020204030204" pitchFamily="49" charset="0"/>
+              </a:rPr>
+              <a:t>	/* Partial sum lambda */</a:t>
+            </a:r>
+            <a:endParaRPr lang="en-US" b="0" dirty="0">
+              <a:solidFill>
+                <a:srgbClr val="D4D4D4"/>
+              </a:solidFill>
+              <a:effectLst/>
+              <a:latin typeface="Consolas" panose="020B0609020204030204" pitchFamily="49" charset="0"/>
+            </a:endParaRPr>
+          </a:p>
+          <a:p>
+            <a:r>
+              <a:rPr lang="en-US" b="0" dirty="0">
+                <a:solidFill>
+                  <a:srgbClr val="D4D4D4"/>
+                </a:solidFill>
+                <a:effectLst/>
+                <a:latin typeface="Consolas" panose="020B0609020204030204" pitchFamily="49" charset="0"/>
+              </a:rPr>
+              <a:t>	results[j] = </a:t>
+            </a:r>
+            <a:r>
+              <a:rPr lang="en-US" b="0" dirty="0" err="1">
+                <a:solidFill>
+                  <a:srgbClr val="D4D4D4"/>
+                </a:solidFill>
+                <a:effectLst/>
+                <a:latin typeface="Consolas" panose="020B0609020204030204" pitchFamily="49" charset="0"/>
+              </a:rPr>
+              <a:t>p.</a:t>
+            </a:r>
+            <a:r>
+              <a:rPr lang="en-US" b="0" dirty="0" err="1">
+                <a:solidFill>
+                  <a:srgbClr val="DCDCAA"/>
+                </a:solidFill>
+                <a:effectLst/>
+                <a:latin typeface="Consolas" panose="020B0609020204030204" pitchFamily="49" charset="0"/>
+              </a:rPr>
+              <a:t>push</a:t>
+            </a:r>
+            <a:r>
+              <a:rPr lang="en-US" b="0" dirty="0">
+                <a:solidFill>
+                  <a:srgbClr val="D4D4D4"/>
+                </a:solidFill>
+                <a:effectLst/>
+                <a:latin typeface="Consolas" panose="020B0609020204030204" pitchFamily="49" charset="0"/>
+              </a:rPr>
+              <a:t>([&amp;</a:t>
+            </a:r>
+            <a:r>
+              <a:rPr lang="en-US" b="0" dirty="0" err="1">
+                <a:solidFill>
+                  <a:srgbClr val="D4D4D4"/>
+                </a:solidFill>
+                <a:effectLst/>
+                <a:latin typeface="Consolas" panose="020B0609020204030204" pitchFamily="49" charset="0"/>
+              </a:rPr>
+              <a:t>partial_sum</a:t>
+            </a:r>
+            <a:r>
+              <a:rPr lang="en-US" b="0" dirty="0">
+                <a:solidFill>
+                  <a:srgbClr val="D4D4D4"/>
+                </a:solidFill>
+                <a:effectLst/>
+                <a:latin typeface="Consolas" panose="020B0609020204030204" pitchFamily="49" charset="0"/>
+              </a:rPr>
+              <a:t>, j](</a:t>
+            </a:r>
+            <a:r>
+              <a:rPr lang="en-US" b="0" dirty="0">
+                <a:solidFill>
+                  <a:srgbClr val="569CD6"/>
+                </a:solidFill>
+                <a:effectLst/>
+                <a:latin typeface="Consolas" panose="020B0609020204030204" pitchFamily="49" charset="0"/>
+              </a:rPr>
+              <a:t>int</a:t>
+            </a:r>
+            <a:r>
+              <a:rPr lang="en-US" b="0" dirty="0">
+                <a:solidFill>
+                  <a:srgbClr val="D4D4D4"/>
+                </a:solidFill>
+                <a:effectLst/>
+                <a:latin typeface="Consolas" panose="020B0609020204030204" pitchFamily="49" charset="0"/>
+              </a:rPr>
+              <a:t>){ </a:t>
+            </a:r>
+          </a:p>
+          <a:p>
+            <a:r>
+              <a:rPr lang="en-US" dirty="0">
+                <a:solidFill>
+                  <a:srgbClr val="C586C0"/>
+                </a:solidFill>
+                <a:latin typeface="Consolas" panose="020B0609020204030204" pitchFamily="49" charset="0"/>
+              </a:rPr>
+              <a:t>	</a:t>
+            </a:r>
+            <a:r>
+              <a:rPr lang="en-US" b="0" dirty="0">
+                <a:solidFill>
+                  <a:srgbClr val="C586C0"/>
+                </a:solidFill>
+                <a:effectLst/>
+                <a:latin typeface="Consolas" panose="020B0609020204030204" pitchFamily="49" charset="0"/>
+              </a:rPr>
+              <a:t>for</a:t>
+            </a:r>
+            <a:r>
+              <a:rPr lang="en-US" b="0" dirty="0">
+                <a:solidFill>
+                  <a:srgbClr val="D4D4D4"/>
+                </a:solidFill>
+                <a:effectLst/>
+                <a:latin typeface="Consolas" panose="020B0609020204030204" pitchFamily="49" charset="0"/>
+              </a:rPr>
+              <a:t>(</a:t>
+            </a:r>
+            <a:r>
+              <a:rPr lang="en-US" b="0" dirty="0">
+                <a:solidFill>
+                  <a:srgbClr val="569CD6"/>
+                </a:solidFill>
+                <a:effectLst/>
+                <a:latin typeface="Consolas" panose="020B0609020204030204" pitchFamily="49" charset="0"/>
+              </a:rPr>
+              <a:t>long</a:t>
+            </a:r>
+            <a:r>
+              <a:rPr lang="en-US" b="0" dirty="0">
+                <a:solidFill>
+                  <a:srgbClr val="D4D4D4"/>
+                </a:solidFill>
+                <a:effectLst/>
+                <a:latin typeface="Consolas" panose="020B0609020204030204" pitchFamily="49" charset="0"/>
+              </a:rPr>
+              <a:t> </a:t>
+            </a:r>
+            <a:r>
+              <a:rPr lang="en-US" b="0" dirty="0" err="1">
+                <a:solidFill>
+                  <a:srgbClr val="569CD6"/>
+                </a:solidFill>
+                <a:effectLst/>
+                <a:latin typeface="Consolas" panose="020B0609020204030204" pitchFamily="49" charset="0"/>
+              </a:rPr>
+              <a:t>long</a:t>
+            </a:r>
+            <a:r>
+              <a:rPr lang="en-US" b="0" dirty="0">
+                <a:solidFill>
+                  <a:srgbClr val="D4D4D4"/>
+                </a:solidFill>
+                <a:effectLst/>
+                <a:latin typeface="Consolas" panose="020B0609020204030204" pitchFamily="49" charset="0"/>
+              </a:rPr>
+              <a:t> k=j*WORKLOAD; k&lt;(j+</a:t>
+            </a:r>
+            <a:r>
+              <a:rPr lang="en-US" b="0" dirty="0">
+                <a:solidFill>
+                  <a:srgbClr val="B5CEA8"/>
+                </a:solidFill>
+                <a:effectLst/>
+                <a:latin typeface="Consolas" panose="020B0609020204030204" pitchFamily="49" charset="0"/>
+              </a:rPr>
+              <a:t>1</a:t>
+            </a:r>
+            <a:r>
+              <a:rPr lang="en-US" b="0" dirty="0">
+                <a:solidFill>
+                  <a:srgbClr val="D4D4D4"/>
+                </a:solidFill>
+                <a:effectLst/>
+                <a:latin typeface="Consolas" panose="020B0609020204030204" pitchFamily="49" charset="0"/>
+              </a:rPr>
+              <a:t>)*WORKLOAD*; ++k)</a:t>
+            </a:r>
+          </a:p>
+          <a:p>
+            <a:pPr lvl="2"/>
+            <a:r>
+              <a:rPr lang="en-US" b="0" dirty="0">
+                <a:solidFill>
+                  <a:srgbClr val="D4D4D4"/>
+                </a:solidFill>
+                <a:effectLst/>
+                <a:latin typeface="Consolas" panose="020B0609020204030204" pitchFamily="49" charset="0"/>
+              </a:rPr>
+              <a:t>	</a:t>
+            </a:r>
+            <a:r>
+              <a:rPr lang="en-US" b="0" dirty="0" err="1">
+                <a:solidFill>
+                  <a:srgbClr val="D4D4D4"/>
+                </a:solidFill>
+                <a:effectLst/>
+                <a:latin typeface="Consolas" panose="020B0609020204030204" pitchFamily="49" charset="0"/>
+              </a:rPr>
+              <a:t>partial_sum</a:t>
+            </a:r>
+            <a:r>
+              <a:rPr lang="en-US" b="0" dirty="0">
+                <a:solidFill>
+                  <a:srgbClr val="D4D4D4"/>
+                </a:solidFill>
+                <a:effectLst/>
+                <a:latin typeface="Consolas" panose="020B0609020204030204" pitchFamily="49" charset="0"/>
+              </a:rPr>
+              <a:t>[j]+=(k % </a:t>
+            </a:r>
+            <a:r>
+              <a:rPr lang="en-US" b="0" dirty="0">
+                <a:solidFill>
+                  <a:srgbClr val="B5CEA8"/>
+                </a:solidFill>
+                <a:effectLst/>
+                <a:latin typeface="Consolas" panose="020B0609020204030204" pitchFamily="49" charset="0"/>
+              </a:rPr>
+              <a:t>2</a:t>
+            </a:r>
+            <a:r>
+              <a:rPr lang="en-US" b="0" dirty="0">
+                <a:solidFill>
+                  <a:srgbClr val="D4D4D4"/>
+                </a:solidFill>
+                <a:effectLst/>
+                <a:latin typeface="Consolas" panose="020B0609020204030204" pitchFamily="49" charset="0"/>
+              </a:rPr>
+              <a:t> ? -</a:t>
+            </a:r>
+            <a:r>
+              <a:rPr lang="en-US" b="0" dirty="0">
+                <a:solidFill>
+                  <a:srgbClr val="B5CEA8"/>
+                </a:solidFill>
+                <a:effectLst/>
+                <a:latin typeface="Consolas" panose="020B0609020204030204" pitchFamily="49" charset="0"/>
+              </a:rPr>
+              <a:t>1.0</a:t>
+            </a:r>
+            <a:r>
+              <a:rPr lang="en-US" b="0" dirty="0">
+                <a:solidFill>
+                  <a:srgbClr val="D4D4D4"/>
+                </a:solidFill>
+                <a:effectLst/>
+                <a:latin typeface="Consolas" panose="020B0609020204030204" pitchFamily="49" charset="0"/>
+              </a:rPr>
+              <a:t> : </a:t>
+            </a:r>
+            <a:r>
+              <a:rPr lang="en-US" b="0" dirty="0">
+                <a:solidFill>
+                  <a:srgbClr val="B5CEA8"/>
+                </a:solidFill>
+                <a:effectLst/>
+                <a:latin typeface="Consolas" panose="020B0609020204030204" pitchFamily="49" charset="0"/>
+              </a:rPr>
+              <a:t>1.0</a:t>
+            </a:r>
+            <a:r>
+              <a:rPr lang="en-US" b="0" dirty="0">
+                <a:solidFill>
+                  <a:srgbClr val="D4D4D4"/>
+                </a:solidFill>
+                <a:effectLst/>
+                <a:latin typeface="Consolas" panose="020B0609020204030204" pitchFamily="49" charset="0"/>
+              </a:rPr>
+              <a:t>) / (</a:t>
+            </a:r>
+            <a:r>
+              <a:rPr lang="en-US" b="0" dirty="0">
+                <a:solidFill>
+                  <a:srgbClr val="B5CEA8"/>
+                </a:solidFill>
+                <a:effectLst/>
+                <a:latin typeface="Consolas" panose="020B0609020204030204" pitchFamily="49" charset="0"/>
+              </a:rPr>
+              <a:t>2.0</a:t>
+            </a:r>
+            <a:r>
+              <a:rPr lang="en-US" b="0" dirty="0">
+                <a:solidFill>
+                  <a:srgbClr val="D4D4D4"/>
+                </a:solidFill>
+                <a:effectLst/>
+                <a:latin typeface="Consolas" panose="020B0609020204030204" pitchFamily="49" charset="0"/>
+              </a:rPr>
+              <a:t> * k + </a:t>
+            </a:r>
+            <a:r>
+              <a:rPr lang="en-US" b="0" dirty="0">
+                <a:solidFill>
+                  <a:srgbClr val="B5CEA8"/>
+                </a:solidFill>
+                <a:effectLst/>
+                <a:latin typeface="Consolas" panose="020B0609020204030204" pitchFamily="49" charset="0"/>
+              </a:rPr>
+              <a:t>1.0</a:t>
+            </a:r>
+            <a:r>
+              <a:rPr lang="en-US" b="0" dirty="0">
+                <a:solidFill>
+                  <a:srgbClr val="D4D4D4"/>
+                </a:solidFill>
+                <a:effectLst/>
+                <a:latin typeface="Consolas" panose="020B0609020204030204" pitchFamily="49" charset="0"/>
+              </a:rPr>
+              <a:t>);</a:t>
+            </a:r>
+            <a:endParaRPr lang="en-US" dirty="0">
+              <a:solidFill>
+                <a:srgbClr val="D4D4D4"/>
+              </a:solidFill>
+              <a:latin typeface="Consolas" panose="020B0609020204030204" pitchFamily="49" charset="0"/>
+            </a:endParaRPr>
+          </a:p>
+          <a:p>
+            <a:pPr lvl="2"/>
+            <a:r>
+              <a:rPr lang="en-US" b="0" dirty="0">
+                <a:solidFill>
+                  <a:srgbClr val="D4D4D4"/>
+                </a:solidFill>
+                <a:effectLst/>
+                <a:latin typeface="Consolas" panose="020B0609020204030204" pitchFamily="49" charset="0"/>
+              </a:rPr>
+              <a:t>});</a:t>
+            </a:r>
+          </a:p>
+          <a:p>
+            <a:pPr lvl="2"/>
+            <a:endParaRPr lang="en-US" b="0" dirty="0">
+              <a:solidFill>
+                <a:srgbClr val="D4D4D4"/>
+              </a:solidFill>
+              <a:effectLst/>
+              <a:latin typeface="Consolas" panose="020B0609020204030204" pitchFamily="49" charset="0"/>
+            </a:endParaRPr>
+          </a:p>
+          <a:p>
+            <a:r>
+              <a:rPr lang="en-US" b="0" dirty="0">
+                <a:solidFill>
+                  <a:srgbClr val="569CD6"/>
+                </a:solidFill>
+                <a:effectLst/>
+                <a:latin typeface="Consolas" panose="020B0609020204030204" pitchFamily="49" charset="0"/>
+              </a:rPr>
+              <a:t>double</a:t>
+            </a:r>
+            <a:r>
+              <a:rPr lang="en-US" b="0" dirty="0">
+                <a:solidFill>
+                  <a:srgbClr val="D4D4D4"/>
+                </a:solidFill>
+                <a:effectLst/>
+                <a:latin typeface="Consolas" panose="020B0609020204030204" pitchFamily="49" charset="0"/>
+              </a:rPr>
+              <a:t> </a:t>
+            </a:r>
+            <a:r>
+              <a:rPr lang="en-US" b="0" dirty="0" err="1">
+                <a:solidFill>
+                  <a:srgbClr val="D4D4D4"/>
+                </a:solidFill>
+                <a:effectLst/>
+                <a:latin typeface="Consolas" panose="020B0609020204030204" pitchFamily="49" charset="0"/>
+              </a:rPr>
+              <a:t>final_result</a:t>
+            </a:r>
+            <a:r>
+              <a:rPr lang="en-US" b="0" dirty="0">
+                <a:solidFill>
+                  <a:srgbClr val="D4D4D4"/>
+                </a:solidFill>
+                <a:effectLst/>
+                <a:latin typeface="Consolas" panose="020B0609020204030204" pitchFamily="49" charset="0"/>
+              </a:rPr>
+              <a:t> = 0.0;</a:t>
+            </a:r>
+          </a:p>
+          <a:p>
+            <a:r>
+              <a:rPr lang="en-US" b="0" dirty="0">
+                <a:solidFill>
+                  <a:srgbClr val="C586C0"/>
+                </a:solidFill>
+                <a:effectLst/>
+                <a:latin typeface="Consolas" panose="020B0609020204030204" pitchFamily="49" charset="0"/>
+              </a:rPr>
+              <a:t>for</a:t>
+            </a:r>
+            <a:r>
+              <a:rPr lang="en-US" b="0" dirty="0">
+                <a:solidFill>
+                  <a:srgbClr val="D4D4D4"/>
+                </a:solidFill>
+                <a:effectLst/>
+                <a:latin typeface="Consolas" panose="020B0609020204030204" pitchFamily="49" charset="0"/>
+              </a:rPr>
+              <a:t> (</a:t>
+            </a:r>
+            <a:r>
+              <a:rPr lang="en-US" b="0" dirty="0">
+                <a:solidFill>
+                  <a:srgbClr val="569CD6"/>
+                </a:solidFill>
+                <a:effectLst/>
+                <a:latin typeface="Consolas" panose="020B0609020204030204" pitchFamily="49" charset="0"/>
+              </a:rPr>
+              <a:t>int</a:t>
+            </a:r>
+            <a:r>
+              <a:rPr lang="en-US" b="0" dirty="0">
+                <a:solidFill>
+                  <a:srgbClr val="D4D4D4"/>
+                </a:solidFill>
+                <a:effectLst/>
+                <a:latin typeface="Consolas" panose="020B0609020204030204" pitchFamily="49" charset="0"/>
+              </a:rPr>
+              <a:t> j = </a:t>
+            </a:r>
+            <a:r>
+              <a:rPr lang="en-US" b="0" dirty="0">
+                <a:solidFill>
+                  <a:srgbClr val="B5CEA8"/>
+                </a:solidFill>
+                <a:effectLst/>
+                <a:latin typeface="Consolas" panose="020B0609020204030204" pitchFamily="49" charset="0"/>
+              </a:rPr>
+              <a:t>0</a:t>
+            </a:r>
+            <a:r>
+              <a:rPr lang="en-US" b="0" dirty="0">
+                <a:solidFill>
+                  <a:srgbClr val="D4D4D4"/>
+                </a:solidFill>
+                <a:effectLst/>
+                <a:latin typeface="Consolas" panose="020B0609020204030204" pitchFamily="49" charset="0"/>
+              </a:rPr>
+              <a:t>; j &lt; N; ++j) </a:t>
+            </a:r>
+          </a:p>
+          <a:p>
+            <a:r>
+              <a:rPr lang="en-US" b="0" dirty="0">
+                <a:solidFill>
+                  <a:srgbClr val="D4D4D4"/>
+                </a:solidFill>
+                <a:effectLst/>
+                <a:latin typeface="Consolas" panose="020B0609020204030204" pitchFamily="49" charset="0"/>
+              </a:rPr>
+              <a:t>	</a:t>
+            </a:r>
+            <a:r>
+              <a:rPr lang="en-US" b="0" dirty="0" err="1">
+                <a:solidFill>
+                  <a:srgbClr val="D4D4D4"/>
+                </a:solidFill>
+                <a:effectLst/>
+                <a:latin typeface="Consolas" panose="020B0609020204030204" pitchFamily="49" charset="0"/>
+              </a:rPr>
+              <a:t>final_result</a:t>
+            </a:r>
+            <a:r>
+              <a:rPr lang="en-US" b="0" dirty="0">
+                <a:solidFill>
+                  <a:srgbClr val="D4D4D4"/>
+                </a:solidFill>
+                <a:effectLst/>
+                <a:latin typeface="Consolas" panose="020B0609020204030204" pitchFamily="49" charset="0"/>
+              </a:rPr>
+              <a:t>+=results[j].</a:t>
+            </a:r>
+            <a:r>
+              <a:rPr lang="en-US" b="0" dirty="0">
+                <a:solidFill>
+                  <a:srgbClr val="DCDCAA"/>
+                </a:solidFill>
+                <a:effectLst/>
+                <a:latin typeface="Consolas" panose="020B0609020204030204" pitchFamily="49" charset="0"/>
+              </a:rPr>
+              <a:t>get</a:t>
+            </a:r>
+            <a:r>
+              <a:rPr lang="en-US" b="0" dirty="0">
+                <a:solidFill>
+                  <a:srgbClr val="D4D4D4"/>
+                </a:solidFill>
+                <a:effectLst/>
+                <a:latin typeface="Consolas" panose="020B0609020204030204" pitchFamily="49" charset="0"/>
+              </a:rPr>
+              <a:t>();</a:t>
+            </a:r>
+          </a:p>
+        </p:txBody>
+      </p:sp>
+      <p:sp>
+        <p:nvSpPr>
+          <p:cNvPr id="7" name="Title 1">
+            <a:extLst>
+              <a:ext uri="{FF2B5EF4-FFF2-40B4-BE49-F238E27FC236}">
+                <a16:creationId xmlns:a16="http://schemas.microsoft.com/office/drawing/2014/main" id="{A195129C-FC9A-4418-BD7C-156ADC3CA8D2}"/>
+              </a:ext>
+            </a:extLst>
+          </p:cNvPr>
+          <p:cNvSpPr>
+            <a:spLocks noGrp="1"/>
+          </p:cNvSpPr>
+          <p:nvPr>
+            <p:ph type="title"/>
+          </p:nvPr>
+        </p:nvSpPr>
+        <p:spPr>
+          <a:xfrm>
+            <a:off x="838200" y="365125"/>
+            <a:ext cx="10515600" cy="1325563"/>
+          </a:xfrm>
+        </p:spPr>
+        <p:txBody>
+          <a:bodyPr/>
+          <a:lstStyle/>
+          <a:p>
+            <a:r>
+              <a:rPr lang="en-US" dirty="0"/>
+              <a:t>Pythonic or Magical?</a:t>
+            </a:r>
+          </a:p>
+        </p:txBody>
+      </p:sp>
+    </p:spTree>
+    <p:extLst>
+      <p:ext uri="{BB962C8B-B14F-4D97-AF65-F5344CB8AC3E}">
+        <p14:creationId xmlns:p14="http://schemas.microsoft.com/office/powerpoint/2010/main" val="3388655371"/>
+      </p:ext>
+    </p:extLst>
+  </p:cSld>
+  <p:clrMapOvr>
+    <a:masterClrMapping/>
+  </p:clrMapOvr>
+</p:sld>
+</file>
+
+<file path=ppt/slides/slide11.xml><?xml version="1.0" encoding="utf-8"?>
+<p:sld xmlns:a="http://schemas.openxmlformats.org/drawingml/2006/main" xmlns:r="http://schemas.openxmlformats.org/officeDocument/2006/relationships" xmlns:p="http://schemas.openxmlformats.org/presentationml/2006/main">
+  <p:cSld>
+    <p:spTree>
+      <p:nvGrpSpPr>
+        <p:cNvPr id="1" name=""/>
+        <p:cNvGrpSpPr/>
+        <p:nvPr/>
+      </p:nvGrpSpPr>
+      <p:grpSpPr>
+        <a:xfrm>
+          <a:off x="0" y="0"/>
+          <a:ext cx="0" cy="0"/>
+          <a:chOff x="0" y="0"/>
+          <a:chExt cx="0" cy="0"/>
+        </a:xfrm>
+      </p:grpSpPr>
+      <p:sp>
+        <p:nvSpPr>
           <p:cNvPr id="2" name="Title 1">
             <a:extLst>
               <a:ext uri="{FF2B5EF4-FFF2-40B4-BE49-F238E27FC236}">
@@ -8171,7 +9197,7 @@
 </p:sld>
 </file>
 
-<file path=ppt/slides/slide11.xml><?xml version="1.0" encoding="utf-8"?>
+<file path=ppt/slides/slide12.xml><?xml version="1.0" encoding="utf-8"?>
 <p:sld xmlns:a="http://schemas.openxmlformats.org/drawingml/2006/main" xmlns:r="http://schemas.openxmlformats.org/officeDocument/2006/relationships" xmlns:p="http://schemas.openxmlformats.org/presentationml/2006/main">
   <p:cSld>
     <p:spTree>
@@ -8290,7 +9316,1107 @@
 </p:sld>
 </file>
 
-<file path=ppt/slides/slide12.xml><?xml version="1.0" encoding="utf-8"?>
+<file path=ppt/slides/slide13.xml><?xml version="1.0" encoding="utf-8"?>
+<p:sld xmlns:a="http://schemas.openxmlformats.org/drawingml/2006/main" xmlns:r="http://schemas.openxmlformats.org/officeDocument/2006/relationships" xmlns:p="http://schemas.openxmlformats.org/presentationml/2006/main">
+  <p:cSld>
+    <p:spTree>
+      <p:nvGrpSpPr>
+        <p:cNvPr id="1" name=""/>
+        <p:cNvGrpSpPr/>
+        <p:nvPr/>
+      </p:nvGrpSpPr>
+      <p:grpSpPr>
+        <a:xfrm>
+          <a:off x="0" y="0"/>
+          <a:ext cx="0" cy="0"/>
+          <a:chOff x="0" y="0"/>
+          <a:chExt cx="0" cy="0"/>
+        </a:xfrm>
+      </p:grpSpPr>
+      <p:cxnSp>
+        <p:nvCxnSpPr>
+          <p:cNvPr id="11" name="Straight Arrow Connector 10">
+            <a:extLst>
+              <a:ext uri="{FF2B5EF4-FFF2-40B4-BE49-F238E27FC236}">
+                <a16:creationId xmlns:a16="http://schemas.microsoft.com/office/drawing/2014/main" id="{50035D52-44BA-489C-AD28-F482FABCD5BF}"/>
+              </a:ext>
+            </a:extLst>
+          </p:cNvPr>
+          <p:cNvCxnSpPr/>
+          <p:nvPr/>
+        </p:nvCxnSpPr>
+        <p:spPr>
+          <a:xfrm>
+            <a:off x="2215299" y="5354425"/>
+            <a:ext cx="8012783" cy="0"/>
+          </a:xfrm>
+          <a:prstGeom prst="straightConnector1">
+            <a:avLst/>
+          </a:prstGeom>
+          <a:ln w="28575">
+            <a:solidFill>
+              <a:schemeClr val="tx1"/>
+            </a:solidFill>
+            <a:tailEnd type="triangle"/>
+          </a:ln>
+        </p:spPr>
+        <p:style>
+          <a:lnRef idx="1">
+            <a:schemeClr val="accent1"/>
+          </a:lnRef>
+          <a:fillRef idx="0">
+            <a:schemeClr val="accent1"/>
+          </a:fillRef>
+          <a:effectRef idx="0">
+            <a:schemeClr val="accent1"/>
+          </a:effectRef>
+          <a:fontRef idx="minor">
+            <a:schemeClr val="tx1"/>
+          </a:fontRef>
+        </p:style>
+      </p:cxnSp>
+      <p:cxnSp>
+        <p:nvCxnSpPr>
+          <p:cNvPr id="13" name="Straight Arrow Connector 12">
+            <a:extLst>
+              <a:ext uri="{FF2B5EF4-FFF2-40B4-BE49-F238E27FC236}">
+                <a16:creationId xmlns:a16="http://schemas.microsoft.com/office/drawing/2014/main" id="{AE38E082-BB5D-4693-B2DA-9BC6F0D1E42B}"/>
+              </a:ext>
+            </a:extLst>
+          </p:cNvPr>
+          <p:cNvCxnSpPr/>
+          <p:nvPr/>
+        </p:nvCxnSpPr>
+        <p:spPr>
+          <a:xfrm flipV="1">
+            <a:off x="2743200" y="386499"/>
+            <a:ext cx="0" cy="5722070"/>
+          </a:xfrm>
+          <a:prstGeom prst="straightConnector1">
+            <a:avLst/>
+          </a:prstGeom>
+          <a:ln w="28575">
+            <a:solidFill>
+              <a:schemeClr val="tx1"/>
+            </a:solidFill>
+            <a:tailEnd type="triangle"/>
+          </a:ln>
+        </p:spPr>
+        <p:style>
+          <a:lnRef idx="1">
+            <a:schemeClr val="accent1"/>
+          </a:lnRef>
+          <a:fillRef idx="0">
+            <a:schemeClr val="accent1"/>
+          </a:fillRef>
+          <a:effectRef idx="0">
+            <a:schemeClr val="accent1"/>
+          </a:effectRef>
+          <a:fontRef idx="minor">
+            <a:schemeClr val="tx1"/>
+          </a:fontRef>
+        </p:style>
+      </p:cxnSp>
+      <p:sp>
+        <p:nvSpPr>
+          <p:cNvPr id="14" name="TextBox 13">
+            <a:extLst>
+              <a:ext uri="{FF2B5EF4-FFF2-40B4-BE49-F238E27FC236}">
+                <a16:creationId xmlns:a16="http://schemas.microsoft.com/office/drawing/2014/main" id="{035ACAD8-D56E-425C-B644-FA93B70A86B2}"/>
+              </a:ext>
+            </a:extLst>
+          </p:cNvPr>
+          <p:cNvSpPr txBox="1"/>
+          <p:nvPr/>
+        </p:nvSpPr>
+        <p:spPr>
+          <a:xfrm>
+            <a:off x="9238268" y="5476973"/>
+            <a:ext cx="1826141" cy="461665"/>
+          </a:xfrm>
+          <a:prstGeom prst="rect">
+            <a:avLst/>
+          </a:prstGeom>
+          <a:noFill/>
+        </p:spPr>
+        <p:txBody>
+          <a:bodyPr wrap="none" rtlCol="0">
+            <a:spAutoFit/>
+          </a:bodyPr>
+          <a:lstStyle/>
+          <a:p>
+            <a:r>
+              <a:rPr lang="en-US" sz="2400" b="1" dirty="0"/>
+              <a:t>Performance</a:t>
+            </a:r>
+          </a:p>
+        </p:txBody>
+      </p:sp>
+      <p:sp>
+        <p:nvSpPr>
+          <p:cNvPr id="15" name="TextBox 14">
+            <a:extLst>
+              <a:ext uri="{FF2B5EF4-FFF2-40B4-BE49-F238E27FC236}">
+                <a16:creationId xmlns:a16="http://schemas.microsoft.com/office/drawing/2014/main" id="{6948B32E-2672-4492-965D-6B8FF72C8710}"/>
+              </a:ext>
+            </a:extLst>
+          </p:cNvPr>
+          <p:cNvSpPr txBox="1"/>
+          <p:nvPr/>
+        </p:nvSpPr>
+        <p:spPr>
+          <a:xfrm>
+            <a:off x="1660688" y="0"/>
+            <a:ext cx="1871538" cy="461665"/>
+          </a:xfrm>
+          <a:prstGeom prst="rect">
+            <a:avLst/>
+          </a:prstGeom>
+          <a:noFill/>
+        </p:spPr>
+        <p:txBody>
+          <a:bodyPr wrap="none" rtlCol="0">
+            <a:spAutoFit/>
+          </a:bodyPr>
+          <a:lstStyle/>
+          <a:p>
+            <a:r>
+              <a:rPr lang="en-US" sz="2400" b="1" dirty="0" err="1"/>
+              <a:t>Pythonicness</a:t>
+            </a:r>
+            <a:endParaRPr lang="en-US" sz="2400" b="1" dirty="0"/>
+          </a:p>
+        </p:txBody>
+      </p:sp>
+      <p:pic>
+        <p:nvPicPr>
+          <p:cNvPr id="2050" name="Picture 2" descr="Sanic">
+            <a:extLst>
+              <a:ext uri="{FF2B5EF4-FFF2-40B4-BE49-F238E27FC236}">
+                <a16:creationId xmlns:a16="http://schemas.microsoft.com/office/drawing/2014/main" id="{824F3E6D-F4D3-4B2C-B024-A479E3128916}"/>
+              </a:ext>
+            </a:extLst>
+          </p:cNvPr>
+          <p:cNvPicPr>
+            <a:picLocks noChangeAspect="1" noChangeArrowheads="1"/>
+          </p:cNvPicPr>
+          <p:nvPr/>
+        </p:nvPicPr>
+        <p:blipFill>
+          <a:blip r:embed="rId2">
+            <a:extLst>
+              <a:ext uri="{28A0092B-C50C-407E-A947-70E740481C1C}">
+                <a14:useLocalDpi xmlns:a14="http://schemas.microsoft.com/office/drawing/2010/main" val="0"/>
+              </a:ext>
+            </a:extLst>
+          </a:blip>
+          <a:srcRect/>
+          <a:stretch>
+            <a:fillRect/>
+          </a:stretch>
+        </p:blipFill>
+        <p:spPr bwMode="auto">
+          <a:xfrm>
+            <a:off x="9688397" y="5750351"/>
+            <a:ext cx="1079369" cy="1079369"/>
+          </a:xfrm>
+          <a:prstGeom prst="rect">
+            <a:avLst/>
+          </a:prstGeom>
+          <a:noFill/>
+          <a:extLst>
+            <a:ext uri="{909E8E84-426E-40DD-AFC4-6F175D3DCCD1}">
+              <a14:hiddenFill xmlns:a14="http://schemas.microsoft.com/office/drawing/2010/main">
+                <a:solidFill>
+                  <a:srgbClr val="FFFFFF"/>
+                </a:solidFill>
+              </a14:hiddenFill>
+            </a:ext>
+          </a:extLst>
+        </p:spPr>
+      </p:pic>
+      <p:pic>
+        <p:nvPicPr>
+          <p:cNvPr id="2052" name="Picture 4" descr="How to Draw a Cartoon Snake | Easy Step by Step Drawing Guides">
+            <a:extLst>
+              <a:ext uri="{FF2B5EF4-FFF2-40B4-BE49-F238E27FC236}">
+                <a16:creationId xmlns:a16="http://schemas.microsoft.com/office/drawing/2014/main" id="{EFA9896F-02DC-4152-9F41-512D178DEA19}"/>
+              </a:ext>
+            </a:extLst>
+          </p:cNvPr>
+          <p:cNvPicPr>
+            <a:picLocks noChangeAspect="1" noChangeArrowheads="1"/>
+          </p:cNvPicPr>
+          <p:nvPr/>
+        </p:nvPicPr>
+        <p:blipFill>
+          <a:blip r:embed="rId3">
+            <a:extLst>
+              <a:ext uri="{28A0092B-C50C-407E-A947-70E740481C1C}">
+                <a14:useLocalDpi xmlns:a14="http://schemas.microsoft.com/office/drawing/2010/main" val="0"/>
+              </a:ext>
+            </a:extLst>
+          </a:blip>
+          <a:srcRect/>
+          <a:stretch>
+            <a:fillRect/>
+          </a:stretch>
+        </p:blipFill>
+        <p:spPr bwMode="auto">
+          <a:xfrm>
+            <a:off x="1757916" y="433723"/>
+            <a:ext cx="914766" cy="809527"/>
+          </a:xfrm>
+          <a:prstGeom prst="rect">
+            <a:avLst/>
+          </a:prstGeom>
+          <a:noFill/>
+          <a:extLst>
+            <a:ext uri="{909E8E84-426E-40DD-AFC4-6F175D3DCCD1}">
+              <a14:hiddenFill xmlns:a14="http://schemas.microsoft.com/office/drawing/2010/main">
+                <a:solidFill>
+                  <a:srgbClr val="FFFFFF"/>
+                </a:solidFill>
+              </a14:hiddenFill>
+            </a:ext>
+          </a:extLst>
+        </p:spPr>
+      </p:pic>
+      <p:cxnSp>
+        <p:nvCxnSpPr>
+          <p:cNvPr id="17" name="Straight Connector 16">
+            <a:extLst>
+              <a:ext uri="{FF2B5EF4-FFF2-40B4-BE49-F238E27FC236}">
+                <a16:creationId xmlns:a16="http://schemas.microsoft.com/office/drawing/2014/main" id="{CF9D7A7A-C287-4447-AA75-386CCA6E7D4B}"/>
+              </a:ext>
+            </a:extLst>
+          </p:cNvPr>
+          <p:cNvCxnSpPr/>
+          <p:nvPr/>
+        </p:nvCxnSpPr>
+        <p:spPr>
+          <a:xfrm>
+            <a:off x="3532226" y="715622"/>
+            <a:ext cx="6504495" cy="3715249"/>
+          </a:xfrm>
+          <a:prstGeom prst="line">
+            <a:avLst/>
+          </a:prstGeom>
+          <a:ln w="57150">
+            <a:headEnd type="none" w="med" len="med"/>
+            <a:tailEnd type="triangle" w="med" len="med"/>
+          </a:ln>
+        </p:spPr>
+        <p:style>
+          <a:lnRef idx="1">
+            <a:schemeClr val="accent1"/>
+          </a:lnRef>
+          <a:fillRef idx="0">
+            <a:schemeClr val="accent1"/>
+          </a:fillRef>
+          <a:effectRef idx="0">
+            <a:schemeClr val="accent1"/>
+          </a:effectRef>
+          <a:fontRef idx="minor">
+            <a:schemeClr val="tx1"/>
+          </a:fontRef>
+        </p:style>
+      </p:cxnSp>
+      <p:sp>
+        <p:nvSpPr>
+          <p:cNvPr id="18" name="Oval 17">
+            <a:extLst>
+              <a:ext uri="{FF2B5EF4-FFF2-40B4-BE49-F238E27FC236}">
+                <a16:creationId xmlns:a16="http://schemas.microsoft.com/office/drawing/2014/main" id="{C7382D79-FD1B-43A5-AAC2-EBC96D52A7BA}"/>
+              </a:ext>
+            </a:extLst>
+          </p:cNvPr>
+          <p:cNvSpPr/>
+          <p:nvPr/>
+        </p:nvSpPr>
+        <p:spPr>
+          <a:xfrm>
+            <a:off x="2154026" y="5825767"/>
+            <a:ext cx="141400" cy="141400"/>
+          </a:xfrm>
+          <a:prstGeom prst="ellipse">
+            <a:avLst/>
+          </a:prstGeom>
+        </p:spPr>
+        <p:style>
+          <a:lnRef idx="2">
+            <a:schemeClr val="accent1">
+              <a:shade val="50000"/>
+            </a:schemeClr>
+          </a:lnRef>
+          <a:fillRef idx="1">
+            <a:schemeClr val="accent1"/>
+          </a:fillRef>
+          <a:effectRef idx="0">
+            <a:schemeClr val="accent1"/>
+          </a:effectRef>
+          <a:fontRef idx="minor">
+            <a:schemeClr val="lt1"/>
+          </a:fontRef>
+        </p:style>
+        <p:txBody>
+          <a:bodyPr rtlCol="0" anchor="ctr"/>
+          <a:lstStyle/>
+          <a:p>
+            <a:pPr algn="ctr"/>
+            <a:endParaRPr lang="en-US"/>
+          </a:p>
+        </p:txBody>
+      </p:sp>
+      <p:sp>
+        <p:nvSpPr>
+          <p:cNvPr id="19" name="TextBox 18">
+            <a:extLst>
+              <a:ext uri="{FF2B5EF4-FFF2-40B4-BE49-F238E27FC236}">
+                <a16:creationId xmlns:a16="http://schemas.microsoft.com/office/drawing/2014/main" id="{A4D31464-3E88-41F5-BB81-D2C369E6C3F2}"/>
+              </a:ext>
+            </a:extLst>
+          </p:cNvPr>
+          <p:cNvSpPr txBox="1"/>
+          <p:nvPr/>
+        </p:nvSpPr>
+        <p:spPr>
+          <a:xfrm>
+            <a:off x="2200768" y="5437581"/>
+            <a:ext cx="559769" cy="261610"/>
+          </a:xfrm>
+          <a:prstGeom prst="rect">
+            <a:avLst/>
+          </a:prstGeom>
+          <a:noFill/>
+        </p:spPr>
+        <p:txBody>
+          <a:bodyPr wrap="none" rtlCol="0">
+            <a:spAutoFit/>
+          </a:bodyPr>
+          <a:lstStyle/>
+          <a:p>
+            <a:r>
+              <a:rPr lang="en-US" sz="1100" dirty="0">
+                <a:latin typeface="Comic Sans MS" panose="030F0702030302020204" pitchFamily="66" charset="0"/>
+              </a:rPr>
+              <a:t>Pro*C</a:t>
+            </a:r>
+          </a:p>
+        </p:txBody>
+      </p:sp>
+      <p:pic>
+        <p:nvPicPr>
+          <p:cNvPr id="2054" name="Picture 6" descr="Numba Ã¢ÂÂ Numba">
+            <a:extLst>
+              <a:ext uri="{FF2B5EF4-FFF2-40B4-BE49-F238E27FC236}">
+                <a16:creationId xmlns:a16="http://schemas.microsoft.com/office/drawing/2014/main" id="{0D49761E-FA13-4A19-A897-AEFEDFF462A0}"/>
+              </a:ext>
+            </a:extLst>
+          </p:cNvPr>
+          <p:cNvPicPr>
+            <a:picLocks noChangeAspect="1" noChangeArrowheads="1"/>
+          </p:cNvPicPr>
+          <p:nvPr/>
+        </p:nvPicPr>
+        <p:blipFill>
+          <a:blip r:embed="rId4">
+            <a:extLst>
+              <a:ext uri="{28A0092B-C50C-407E-A947-70E740481C1C}">
+                <a14:useLocalDpi xmlns:a14="http://schemas.microsoft.com/office/drawing/2010/main" val="0"/>
+              </a:ext>
+            </a:extLst>
+          </a:blip>
+          <a:srcRect/>
+          <a:stretch>
+            <a:fillRect/>
+          </a:stretch>
+        </p:blipFill>
+        <p:spPr bwMode="auto">
+          <a:xfrm>
+            <a:off x="5779621" y="2582945"/>
+            <a:ext cx="697286" cy="697286"/>
+          </a:xfrm>
+          <a:prstGeom prst="rect">
+            <a:avLst/>
+          </a:prstGeom>
+          <a:noFill/>
+          <a:extLst>
+            <a:ext uri="{909E8E84-426E-40DD-AFC4-6F175D3DCCD1}">
+              <a14:hiddenFill xmlns:a14="http://schemas.microsoft.com/office/drawing/2010/main">
+                <a:solidFill>
+                  <a:srgbClr val="FFFFFF"/>
+                </a:solidFill>
+              </a14:hiddenFill>
+            </a:ext>
+          </a:extLst>
+        </p:spPr>
+      </p:pic>
+      <p:sp>
+        <p:nvSpPr>
+          <p:cNvPr id="20" name="Freeform: Shape 19">
+            <a:extLst>
+              <a:ext uri="{FF2B5EF4-FFF2-40B4-BE49-F238E27FC236}">
+                <a16:creationId xmlns:a16="http://schemas.microsoft.com/office/drawing/2014/main" id="{BE3D14AC-62F9-4262-9FF7-2F16B1846DA1}"/>
+              </a:ext>
+            </a:extLst>
+          </p:cNvPr>
+          <p:cNvSpPr/>
+          <p:nvPr/>
+        </p:nvSpPr>
+        <p:spPr>
+          <a:xfrm>
+            <a:off x="2271860" y="5656082"/>
+            <a:ext cx="131975" cy="216817"/>
+          </a:xfrm>
+          <a:custGeom>
+            <a:avLst/>
+            <a:gdLst>
+              <a:gd name="connsiteX0" fmla="*/ 131975 w 131975"/>
+              <a:gd name="connsiteY0" fmla="*/ 0 h 216817"/>
+              <a:gd name="connsiteX1" fmla="*/ 84841 w 131975"/>
+              <a:gd name="connsiteY1" fmla="*/ 18854 h 216817"/>
+              <a:gd name="connsiteX2" fmla="*/ 47134 w 131975"/>
+              <a:gd name="connsiteY2" fmla="*/ 75415 h 216817"/>
+              <a:gd name="connsiteX3" fmla="*/ 37707 w 131975"/>
+              <a:gd name="connsiteY3" fmla="*/ 122549 h 216817"/>
+              <a:gd name="connsiteX4" fmla="*/ 18853 w 131975"/>
+              <a:gd name="connsiteY4" fmla="*/ 150829 h 216817"/>
+              <a:gd name="connsiteX5" fmla="*/ 9427 w 131975"/>
+              <a:gd name="connsiteY5" fmla="*/ 179110 h 216817"/>
+              <a:gd name="connsiteX6" fmla="*/ 0 w 131975"/>
+              <a:gd name="connsiteY6" fmla="*/ 216817 h 216817"/>
+            </a:gdLst>
+            <a:ahLst/>
+            <a:cxnLst>
+              <a:cxn ang="0">
+                <a:pos x="connsiteX0" y="connsiteY0"/>
+              </a:cxn>
+              <a:cxn ang="0">
+                <a:pos x="connsiteX1" y="connsiteY1"/>
+              </a:cxn>
+              <a:cxn ang="0">
+                <a:pos x="connsiteX2" y="connsiteY2"/>
+              </a:cxn>
+              <a:cxn ang="0">
+                <a:pos x="connsiteX3" y="connsiteY3"/>
+              </a:cxn>
+              <a:cxn ang="0">
+                <a:pos x="connsiteX4" y="connsiteY4"/>
+              </a:cxn>
+              <a:cxn ang="0">
+                <a:pos x="connsiteX5" y="connsiteY5"/>
+              </a:cxn>
+              <a:cxn ang="0">
+                <a:pos x="connsiteX6" y="connsiteY6"/>
+              </a:cxn>
+            </a:cxnLst>
+            <a:rect l="l" t="t" r="r" b="b"/>
+            <a:pathLst>
+              <a:path w="131975" h="216817">
+                <a:moveTo>
+                  <a:pt x="131975" y="0"/>
+                </a:moveTo>
+                <a:cubicBezTo>
+                  <a:pt x="116264" y="6285"/>
+                  <a:pt x="97488" y="7612"/>
+                  <a:pt x="84841" y="18854"/>
+                </a:cubicBezTo>
+                <a:cubicBezTo>
+                  <a:pt x="67905" y="33908"/>
+                  <a:pt x="47134" y="75415"/>
+                  <a:pt x="47134" y="75415"/>
+                </a:cubicBezTo>
+                <a:cubicBezTo>
+                  <a:pt x="43992" y="91126"/>
+                  <a:pt x="43333" y="107547"/>
+                  <a:pt x="37707" y="122549"/>
+                </a:cubicBezTo>
+                <a:cubicBezTo>
+                  <a:pt x="33729" y="133157"/>
+                  <a:pt x="23920" y="140695"/>
+                  <a:pt x="18853" y="150829"/>
+                </a:cubicBezTo>
+                <a:cubicBezTo>
+                  <a:pt x="14409" y="159717"/>
+                  <a:pt x="12157" y="169555"/>
+                  <a:pt x="9427" y="179110"/>
+                </a:cubicBezTo>
+                <a:cubicBezTo>
+                  <a:pt x="5868" y="191567"/>
+                  <a:pt x="0" y="216817"/>
+                  <a:pt x="0" y="216817"/>
+                </a:cubicBezTo>
+              </a:path>
+            </a:pathLst>
+          </a:custGeom>
+          <a:noFill/>
+        </p:spPr>
+        <p:style>
+          <a:lnRef idx="2">
+            <a:schemeClr val="accent1">
+              <a:shade val="50000"/>
+            </a:schemeClr>
+          </a:lnRef>
+          <a:fillRef idx="1">
+            <a:schemeClr val="accent1"/>
+          </a:fillRef>
+          <a:effectRef idx="0">
+            <a:schemeClr val="accent1"/>
+          </a:effectRef>
+          <a:fontRef idx="minor">
+            <a:schemeClr val="lt1"/>
+          </a:fontRef>
+        </p:style>
+        <p:txBody>
+          <a:bodyPr rtlCol="0" anchor="ctr"/>
+          <a:lstStyle/>
+          <a:p>
+            <a:pPr algn="ctr"/>
+            <a:endParaRPr lang="en-US"/>
+          </a:p>
+        </p:txBody>
+      </p:sp>
+      <p:sp>
+        <p:nvSpPr>
+          <p:cNvPr id="21" name="Freeform: Shape 20">
+            <a:extLst>
+              <a:ext uri="{FF2B5EF4-FFF2-40B4-BE49-F238E27FC236}">
+                <a16:creationId xmlns:a16="http://schemas.microsoft.com/office/drawing/2014/main" id="{9D775849-5C48-4089-99A6-5D299254CC64}"/>
+              </a:ext>
+            </a:extLst>
+          </p:cNvPr>
+          <p:cNvSpPr/>
+          <p:nvPr/>
+        </p:nvSpPr>
+        <p:spPr>
+          <a:xfrm>
+            <a:off x="2262433" y="5759777"/>
+            <a:ext cx="131975" cy="131976"/>
+          </a:xfrm>
+          <a:custGeom>
+            <a:avLst/>
+            <a:gdLst>
+              <a:gd name="connsiteX0" fmla="*/ 0 w 131975"/>
+              <a:gd name="connsiteY0" fmla="*/ 0 h 131976"/>
+              <a:gd name="connsiteX1" fmla="*/ 28280 w 131975"/>
+              <a:gd name="connsiteY1" fmla="*/ 103695 h 131976"/>
+              <a:gd name="connsiteX2" fmla="*/ 47134 w 131975"/>
+              <a:gd name="connsiteY2" fmla="*/ 131976 h 131976"/>
+              <a:gd name="connsiteX3" fmla="*/ 84841 w 131975"/>
+              <a:gd name="connsiteY3" fmla="*/ 122549 h 131976"/>
+              <a:gd name="connsiteX4" fmla="*/ 113122 w 131975"/>
+              <a:gd name="connsiteY4" fmla="*/ 113122 h 131976"/>
+              <a:gd name="connsiteX5" fmla="*/ 131975 w 131975"/>
+              <a:gd name="connsiteY5" fmla="*/ 113122 h 131976"/>
+            </a:gdLst>
+            <a:ahLst/>
+            <a:cxnLst>
+              <a:cxn ang="0">
+                <a:pos x="connsiteX0" y="connsiteY0"/>
+              </a:cxn>
+              <a:cxn ang="0">
+                <a:pos x="connsiteX1" y="connsiteY1"/>
+              </a:cxn>
+              <a:cxn ang="0">
+                <a:pos x="connsiteX2" y="connsiteY2"/>
+              </a:cxn>
+              <a:cxn ang="0">
+                <a:pos x="connsiteX3" y="connsiteY3"/>
+              </a:cxn>
+              <a:cxn ang="0">
+                <a:pos x="connsiteX4" y="connsiteY4"/>
+              </a:cxn>
+              <a:cxn ang="0">
+                <a:pos x="connsiteX5" y="connsiteY5"/>
+              </a:cxn>
+            </a:cxnLst>
+            <a:rect l="l" t="t" r="r" b="b"/>
+            <a:pathLst>
+              <a:path w="131975" h="131976">
+                <a:moveTo>
+                  <a:pt x="0" y="0"/>
+                </a:moveTo>
+                <a:cubicBezTo>
+                  <a:pt x="5059" y="25294"/>
+                  <a:pt x="14613" y="83194"/>
+                  <a:pt x="28280" y="103695"/>
+                </a:cubicBezTo>
+                <a:lnTo>
+                  <a:pt x="47134" y="131976"/>
+                </a:lnTo>
+                <a:cubicBezTo>
+                  <a:pt x="59703" y="128834"/>
+                  <a:pt x="72384" y="126108"/>
+                  <a:pt x="84841" y="122549"/>
+                </a:cubicBezTo>
+                <a:cubicBezTo>
+                  <a:pt x="94396" y="119819"/>
+                  <a:pt x="103378" y="115071"/>
+                  <a:pt x="113122" y="113122"/>
+                </a:cubicBezTo>
+                <a:cubicBezTo>
+                  <a:pt x="119284" y="111890"/>
+                  <a:pt x="125691" y="113122"/>
+                  <a:pt x="131975" y="113122"/>
+                </a:cubicBezTo>
+              </a:path>
+            </a:pathLst>
+          </a:custGeom>
+          <a:noFill/>
+        </p:spPr>
+        <p:style>
+          <a:lnRef idx="2">
+            <a:schemeClr val="accent1">
+              <a:shade val="50000"/>
+            </a:schemeClr>
+          </a:lnRef>
+          <a:fillRef idx="1">
+            <a:schemeClr val="accent1"/>
+          </a:fillRef>
+          <a:effectRef idx="0">
+            <a:schemeClr val="accent1"/>
+          </a:effectRef>
+          <a:fontRef idx="minor">
+            <a:schemeClr val="lt1"/>
+          </a:fontRef>
+        </p:style>
+        <p:txBody>
+          <a:bodyPr rtlCol="0" anchor="ctr"/>
+          <a:lstStyle/>
+          <a:p>
+            <a:pPr algn="ctr"/>
+            <a:endParaRPr lang="en-US"/>
+          </a:p>
+        </p:txBody>
+      </p:sp>
+      <p:sp>
+        <p:nvSpPr>
+          <p:cNvPr id="25" name="TextBox 24">
+            <a:extLst>
+              <a:ext uri="{FF2B5EF4-FFF2-40B4-BE49-F238E27FC236}">
+                <a16:creationId xmlns:a16="http://schemas.microsoft.com/office/drawing/2014/main" id="{4E1F158E-D6C3-40BA-B3F7-B4D475DFC1CC}"/>
+              </a:ext>
+            </a:extLst>
+          </p:cNvPr>
+          <p:cNvSpPr txBox="1"/>
+          <p:nvPr/>
+        </p:nvSpPr>
+        <p:spPr>
+          <a:xfrm>
+            <a:off x="5719918" y="3137985"/>
+            <a:ext cx="872355" cy="369332"/>
+          </a:xfrm>
+          <a:prstGeom prst="rect">
+            <a:avLst/>
+          </a:prstGeom>
+          <a:noFill/>
+        </p:spPr>
+        <p:txBody>
+          <a:bodyPr wrap="none" rtlCol="0">
+            <a:spAutoFit/>
+          </a:bodyPr>
+          <a:lstStyle/>
+          <a:p>
+            <a:r>
+              <a:rPr lang="en-US" dirty="0" err="1"/>
+              <a:t>Numba</a:t>
+            </a:r>
+            <a:endParaRPr lang="en-US" dirty="0"/>
+          </a:p>
+        </p:txBody>
+      </p:sp>
+      <p:pic>
+        <p:nvPicPr>
+          <p:cNvPr id="2056" name="Picture 8" descr="python - matplotlib: changing a single voxel face color ...">
+            <a:extLst>
+              <a:ext uri="{FF2B5EF4-FFF2-40B4-BE49-F238E27FC236}">
+                <a16:creationId xmlns:a16="http://schemas.microsoft.com/office/drawing/2014/main" id="{67A3EA83-415C-45C1-A25E-2EDF8FD83C7B}"/>
+              </a:ext>
+            </a:extLst>
+          </p:cNvPr>
+          <p:cNvPicPr>
+            <a:picLocks noChangeAspect="1" noChangeArrowheads="1"/>
+          </p:cNvPicPr>
+          <p:nvPr/>
+        </p:nvPicPr>
+        <p:blipFill>
+          <a:blip r:embed="rId5">
+            <a:extLst>
+              <a:ext uri="{28A0092B-C50C-407E-A947-70E740481C1C}">
+                <a14:useLocalDpi xmlns:a14="http://schemas.microsoft.com/office/drawing/2010/main" val="0"/>
+              </a:ext>
+            </a:extLst>
+          </a:blip>
+          <a:srcRect/>
+          <a:stretch>
+            <a:fillRect/>
+          </a:stretch>
+        </p:blipFill>
+        <p:spPr bwMode="auto">
+          <a:xfrm>
+            <a:off x="8061958" y="1383644"/>
+            <a:ext cx="1162443" cy="1162443"/>
+          </a:xfrm>
+          <a:prstGeom prst="rect">
+            <a:avLst/>
+          </a:prstGeom>
+          <a:noFill/>
+          <a:extLst>
+            <a:ext uri="{909E8E84-426E-40DD-AFC4-6F175D3DCCD1}">
+              <a14:hiddenFill xmlns:a14="http://schemas.microsoft.com/office/drawing/2010/main">
+                <a:solidFill>
+                  <a:srgbClr val="FFFFFF"/>
+                </a:solidFill>
+              </a14:hiddenFill>
+            </a:ext>
+          </a:extLst>
+        </p:spPr>
+      </p:pic>
+      <p:sp>
+        <p:nvSpPr>
+          <p:cNvPr id="27" name="TextBox 26">
+            <a:extLst>
+              <a:ext uri="{FF2B5EF4-FFF2-40B4-BE49-F238E27FC236}">
+                <a16:creationId xmlns:a16="http://schemas.microsoft.com/office/drawing/2014/main" id="{9D81EC28-B34E-455B-9410-8AAB948358AB}"/>
+              </a:ext>
+            </a:extLst>
+          </p:cNvPr>
+          <p:cNvSpPr txBox="1"/>
+          <p:nvPr/>
+        </p:nvSpPr>
+        <p:spPr>
+          <a:xfrm>
+            <a:off x="8196310" y="2232522"/>
+            <a:ext cx="864789" cy="369332"/>
+          </a:xfrm>
+          <a:prstGeom prst="rect">
+            <a:avLst/>
+          </a:prstGeom>
+          <a:noFill/>
+        </p:spPr>
+        <p:txBody>
+          <a:bodyPr wrap="none" rtlCol="0">
+            <a:spAutoFit/>
+          </a:bodyPr>
+          <a:lstStyle/>
+          <a:p>
+            <a:r>
+              <a:rPr lang="en-US" dirty="0" err="1"/>
+              <a:t>Numpy</a:t>
+            </a:r>
+            <a:endParaRPr lang="en-US" dirty="0"/>
+          </a:p>
+        </p:txBody>
+      </p:sp>
+      <p:pic>
+        <p:nvPicPr>
+          <p:cNvPr id="2058" name="Picture 10" descr="File:Python.svg - Wikimedia Commons">
+            <a:extLst>
+              <a:ext uri="{FF2B5EF4-FFF2-40B4-BE49-F238E27FC236}">
+                <a16:creationId xmlns:a16="http://schemas.microsoft.com/office/drawing/2014/main" id="{E6D77708-7CB2-4571-BFC7-F6A7EBD4AA9D}"/>
+              </a:ext>
+            </a:extLst>
+          </p:cNvPr>
+          <p:cNvPicPr>
+            <a:picLocks noChangeAspect="1" noChangeArrowheads="1"/>
+          </p:cNvPicPr>
+          <p:nvPr/>
+        </p:nvPicPr>
+        <p:blipFill>
+          <a:blip r:embed="rId6">
+            <a:extLst>
+              <a:ext uri="{28A0092B-C50C-407E-A947-70E740481C1C}">
+                <a14:useLocalDpi xmlns:a14="http://schemas.microsoft.com/office/drawing/2010/main" val="0"/>
+              </a:ext>
+            </a:extLst>
+          </a:blip>
+          <a:srcRect/>
+          <a:stretch>
+            <a:fillRect/>
+          </a:stretch>
+        </p:blipFill>
+        <p:spPr bwMode="auto">
+          <a:xfrm>
+            <a:off x="2916711" y="942682"/>
+            <a:ext cx="737843" cy="737843"/>
+          </a:xfrm>
+          <a:prstGeom prst="rect">
+            <a:avLst/>
+          </a:prstGeom>
+          <a:noFill/>
+          <a:extLst>
+            <a:ext uri="{909E8E84-426E-40DD-AFC4-6F175D3DCCD1}">
+              <a14:hiddenFill xmlns:a14="http://schemas.microsoft.com/office/drawing/2010/main">
+                <a:solidFill>
+                  <a:srgbClr val="FFFFFF"/>
+                </a:solidFill>
+              </a14:hiddenFill>
+            </a:ext>
+          </a:extLst>
+        </p:spPr>
+      </p:pic>
+      <p:sp>
+        <p:nvSpPr>
+          <p:cNvPr id="29" name="TextBox 28">
+            <a:extLst>
+              <a:ext uri="{FF2B5EF4-FFF2-40B4-BE49-F238E27FC236}">
+                <a16:creationId xmlns:a16="http://schemas.microsoft.com/office/drawing/2014/main" id="{303D080E-BF45-4774-B644-41F86EB9AAC7}"/>
+              </a:ext>
+            </a:extLst>
+          </p:cNvPr>
+          <p:cNvSpPr txBox="1"/>
+          <p:nvPr/>
+        </p:nvSpPr>
+        <p:spPr>
+          <a:xfrm>
+            <a:off x="2859425" y="1554902"/>
+            <a:ext cx="1028743" cy="369332"/>
+          </a:xfrm>
+          <a:prstGeom prst="rect">
+            <a:avLst/>
+          </a:prstGeom>
+          <a:noFill/>
+        </p:spPr>
+        <p:txBody>
+          <a:bodyPr wrap="none" rtlCol="0">
+            <a:spAutoFit/>
+          </a:bodyPr>
+          <a:lstStyle/>
+          <a:p>
+            <a:r>
+              <a:rPr lang="en-US" dirty="0"/>
+              <a:t>C Python</a:t>
+            </a:r>
+          </a:p>
+        </p:txBody>
+      </p:sp>
+      <p:pic>
+        <p:nvPicPr>
+          <p:cNvPr id="2060" name="Picture 12" descr="import this - der Python Podcast">
+            <a:extLst>
+              <a:ext uri="{FF2B5EF4-FFF2-40B4-BE49-F238E27FC236}">
+                <a16:creationId xmlns:a16="http://schemas.microsoft.com/office/drawing/2014/main" id="{6AFBC132-5225-4D00-B93D-A75231979BD1}"/>
+              </a:ext>
+            </a:extLst>
+          </p:cNvPr>
+          <p:cNvPicPr>
+            <a:picLocks noChangeAspect="1" noChangeArrowheads="1"/>
+          </p:cNvPicPr>
+          <p:nvPr/>
+        </p:nvPicPr>
+        <p:blipFill>
+          <a:blip r:embed="rId7">
+            <a:extLst>
+              <a:ext uri="{28A0092B-C50C-407E-A947-70E740481C1C}">
+                <a14:useLocalDpi xmlns:a14="http://schemas.microsoft.com/office/drawing/2010/main" val="0"/>
+              </a:ext>
+            </a:extLst>
+          </a:blip>
+          <a:srcRect/>
+          <a:stretch>
+            <a:fillRect/>
+          </a:stretch>
+        </p:blipFill>
+        <p:spPr bwMode="auto">
+          <a:xfrm>
+            <a:off x="5984693" y="837897"/>
+            <a:ext cx="1171170" cy="1171170"/>
+          </a:xfrm>
+          <a:prstGeom prst="rect">
+            <a:avLst/>
+          </a:prstGeom>
+          <a:noFill/>
+          <a:extLst>
+            <a:ext uri="{909E8E84-426E-40DD-AFC4-6F175D3DCCD1}">
+              <a14:hiddenFill xmlns:a14="http://schemas.microsoft.com/office/drawing/2010/main">
+                <a:solidFill>
+                  <a:srgbClr val="FFFFFF"/>
+                </a:solidFill>
+              </a14:hiddenFill>
+            </a:ext>
+          </a:extLst>
+        </p:spPr>
+      </p:pic>
+      <p:pic>
+        <p:nvPicPr>
+          <p:cNvPr id="2062" name="Picture 14" descr="cython ÃÂ· GitHub">
+            <a:extLst>
+              <a:ext uri="{FF2B5EF4-FFF2-40B4-BE49-F238E27FC236}">
+                <a16:creationId xmlns:a16="http://schemas.microsoft.com/office/drawing/2014/main" id="{E19E35D5-64B1-423D-8120-83A0715D3E04}"/>
+              </a:ext>
+            </a:extLst>
+          </p:cNvPr>
+          <p:cNvPicPr>
+            <a:picLocks noChangeAspect="1" noChangeArrowheads="1"/>
+          </p:cNvPicPr>
+          <p:nvPr/>
+        </p:nvPicPr>
+        <p:blipFill>
+          <a:blip r:embed="rId8">
+            <a:extLst>
+              <a:ext uri="{28A0092B-C50C-407E-A947-70E740481C1C}">
+                <a14:useLocalDpi xmlns:a14="http://schemas.microsoft.com/office/drawing/2010/main" val="0"/>
+              </a:ext>
+            </a:extLst>
+          </a:blip>
+          <a:srcRect/>
+          <a:stretch>
+            <a:fillRect/>
+          </a:stretch>
+        </p:blipFill>
+        <p:spPr bwMode="auto">
+          <a:xfrm>
+            <a:off x="8589901" y="4067763"/>
+            <a:ext cx="791159" cy="791159"/>
+          </a:xfrm>
+          <a:prstGeom prst="rect">
+            <a:avLst/>
+          </a:prstGeom>
+          <a:noFill/>
+          <a:extLst>
+            <a:ext uri="{909E8E84-426E-40DD-AFC4-6F175D3DCCD1}">
+              <a14:hiddenFill xmlns:a14="http://schemas.microsoft.com/office/drawing/2010/main">
+                <a:solidFill>
+                  <a:srgbClr val="FFFFFF"/>
+                </a:solidFill>
+              </a14:hiddenFill>
+            </a:ext>
+          </a:extLst>
+        </p:spPr>
+      </p:pic>
+      <p:sp>
+        <p:nvSpPr>
+          <p:cNvPr id="32" name="TextBox 31">
+            <a:extLst>
+              <a:ext uri="{FF2B5EF4-FFF2-40B4-BE49-F238E27FC236}">
+                <a16:creationId xmlns:a16="http://schemas.microsoft.com/office/drawing/2014/main" id="{8116756E-4ECE-4D7D-BABF-D82EC0E9804C}"/>
+              </a:ext>
+            </a:extLst>
+          </p:cNvPr>
+          <p:cNvSpPr txBox="1"/>
+          <p:nvPr/>
+        </p:nvSpPr>
+        <p:spPr>
+          <a:xfrm>
+            <a:off x="8592925" y="4842006"/>
+            <a:ext cx="855875" cy="369332"/>
+          </a:xfrm>
+          <a:prstGeom prst="rect">
+            <a:avLst/>
+          </a:prstGeom>
+          <a:noFill/>
+        </p:spPr>
+        <p:txBody>
+          <a:bodyPr wrap="none" rtlCol="0">
+            <a:spAutoFit/>
+          </a:bodyPr>
+          <a:lstStyle/>
+          <a:p>
+            <a:r>
+              <a:rPr lang="en-US" dirty="0" err="1"/>
+              <a:t>Cython</a:t>
+            </a:r>
+            <a:endParaRPr lang="en-US" dirty="0"/>
+          </a:p>
+        </p:txBody>
+      </p:sp>
+      <p:pic>
+        <p:nvPicPr>
+          <p:cNvPr id="2064" name="Picture 16" descr="C++ - Wikipedia">
+            <a:extLst>
+              <a:ext uri="{FF2B5EF4-FFF2-40B4-BE49-F238E27FC236}">
+                <a16:creationId xmlns:a16="http://schemas.microsoft.com/office/drawing/2014/main" id="{76E769CB-20BD-4DC3-9EC8-1B44389ABB5B}"/>
+              </a:ext>
+            </a:extLst>
+          </p:cNvPr>
+          <p:cNvPicPr>
+            <a:picLocks noChangeAspect="1" noChangeArrowheads="1"/>
+          </p:cNvPicPr>
+          <p:nvPr/>
+        </p:nvPicPr>
+        <p:blipFill>
+          <a:blip r:embed="rId9">
+            <a:extLst>
+              <a:ext uri="{28A0092B-C50C-407E-A947-70E740481C1C}">
+                <a14:useLocalDpi xmlns:a14="http://schemas.microsoft.com/office/drawing/2010/main" val="0"/>
+              </a:ext>
+            </a:extLst>
+          </a:blip>
+          <a:srcRect/>
+          <a:stretch>
+            <a:fillRect/>
+          </a:stretch>
+        </p:blipFill>
+        <p:spPr bwMode="auto">
+          <a:xfrm>
+            <a:off x="10557988" y="4463342"/>
+            <a:ext cx="636605" cy="715622"/>
+          </a:xfrm>
+          <a:prstGeom prst="rect">
+            <a:avLst/>
+          </a:prstGeom>
+          <a:noFill/>
+          <a:extLst>
+            <a:ext uri="{909E8E84-426E-40DD-AFC4-6F175D3DCCD1}">
+              <a14:hiddenFill xmlns:a14="http://schemas.microsoft.com/office/drawing/2010/main">
+                <a:solidFill>
+                  <a:srgbClr val="FFFFFF"/>
+                </a:solidFill>
+              </a14:hiddenFill>
+            </a:ext>
+          </a:extLst>
+        </p:spPr>
+      </p:pic>
+      <p:sp>
+        <p:nvSpPr>
+          <p:cNvPr id="34" name="TextBox 33">
+            <a:extLst>
+              <a:ext uri="{FF2B5EF4-FFF2-40B4-BE49-F238E27FC236}">
+                <a16:creationId xmlns:a16="http://schemas.microsoft.com/office/drawing/2014/main" id="{02CD713B-E6C6-4605-8D70-8BF53FA9C9BF}"/>
+              </a:ext>
+            </a:extLst>
+          </p:cNvPr>
+          <p:cNvSpPr txBox="1"/>
+          <p:nvPr/>
+        </p:nvSpPr>
+        <p:spPr>
+          <a:xfrm>
+            <a:off x="10369876" y="5107641"/>
+            <a:ext cx="1261243" cy="369332"/>
+          </a:xfrm>
+          <a:prstGeom prst="rect">
+            <a:avLst/>
+          </a:prstGeom>
+          <a:noFill/>
+        </p:spPr>
+        <p:txBody>
+          <a:bodyPr wrap="none" rtlCol="0">
+            <a:spAutoFit/>
+          </a:bodyPr>
+          <a:lstStyle/>
+          <a:p>
+            <a:r>
+              <a:rPr lang="en-US" dirty="0"/>
+              <a:t>Python C++</a:t>
+            </a:r>
+          </a:p>
+        </p:txBody>
+      </p:sp>
+    </p:spTree>
+    <p:extLst>
+      <p:ext uri="{BB962C8B-B14F-4D97-AF65-F5344CB8AC3E}">
+        <p14:creationId xmlns:p14="http://schemas.microsoft.com/office/powerpoint/2010/main" val="225728988"/>
+      </p:ext>
+    </p:extLst>
+  </p:cSld>
+  <p:clrMapOvr>
+    <a:masterClrMapping/>
+  </p:clrMapOvr>
+</p:sld>
+</file>
+
+<file path=ppt/slides/slide14.xml><?xml version="1.0" encoding="utf-8"?>
 <p:sld xmlns:a="http://schemas.openxmlformats.org/drawingml/2006/main" xmlns:r="http://schemas.openxmlformats.org/officeDocument/2006/relationships" xmlns:p="http://schemas.openxmlformats.org/presentationml/2006/main">
   <p:cSld>
     <p:spTree>
@@ -8395,7 +10521,7 @@
 </p:sld>
 </file>
 
-<file path=ppt/slides/slide13.xml><?xml version="1.0" encoding="utf-8"?>
+<file path=ppt/slides/slide15.xml><?xml version="1.0" encoding="utf-8"?>
 <p:sld xmlns:a="http://schemas.openxmlformats.org/drawingml/2006/main" xmlns:r="http://schemas.openxmlformats.org/officeDocument/2006/relationships" xmlns:p="http://schemas.openxmlformats.org/presentationml/2006/main">
   <p:cSld>
     <p:spTree>
@@ -8517,7 +10643,7 @@
 </p:sld>
 </file>
 
-<file path=ppt/slides/slide14.xml><?xml version="1.0" encoding="utf-8"?>
+<file path=ppt/slides/slide16.xml><?xml version="1.0" encoding="utf-8"?>
 <p:sld xmlns:a="http://schemas.openxmlformats.org/drawingml/2006/main" xmlns:r="http://schemas.openxmlformats.org/officeDocument/2006/relationships" xmlns:p="http://schemas.openxmlformats.org/presentationml/2006/main">
   <p:cSld>
     <p:spTree>
@@ -8713,7 +10839,7 @@
 </p:sld>
 </file>
 
-<file path=ppt/slides/slide15.xml><?xml version="1.0" encoding="utf-8"?>
+<file path=ppt/slides/slide17.xml><?xml version="1.0" encoding="utf-8"?>
 <p:sld xmlns:a="http://schemas.openxmlformats.org/drawingml/2006/main" xmlns:r="http://schemas.openxmlformats.org/officeDocument/2006/relationships" xmlns:p="http://schemas.openxmlformats.org/presentationml/2006/main">
   <p:cSld>
     <p:spTree>
@@ -8833,7 +10959,7 @@
 </p:sld>
 </file>
 
-<file path=ppt/slides/slide16.xml><?xml version="1.0" encoding="utf-8"?>
+<file path=ppt/slides/slide18.xml><?xml version="1.0" encoding="utf-8"?>
 <p:sld xmlns:a="http://schemas.openxmlformats.org/drawingml/2006/main" xmlns:r="http://schemas.openxmlformats.org/officeDocument/2006/relationships" xmlns:p="http://schemas.openxmlformats.org/presentationml/2006/main">
   <p:cSld>
     <p:spTree>
@@ -8937,7 +11063,7 @@
 </p:sld>
 </file>
 
-<file path=ppt/slides/slide17.xml><?xml version="1.0" encoding="utf-8"?>
+<file path=ppt/slides/slide19.xml><?xml version="1.0" encoding="utf-8"?>
 <p:sld xmlns:a="http://schemas.openxmlformats.org/drawingml/2006/main" xmlns:r="http://schemas.openxmlformats.org/officeDocument/2006/relationships" xmlns:p="http://schemas.openxmlformats.org/presentationml/2006/main">
   <p:cSld>
     <p:spTree>
@@ -11416,7 +13542,7 @@
         <p:spPr>
           <a:xfrm>
             <a:off x="6438507" y="6483031"/>
-            <a:ext cx="2302746" cy="523220"/>
+            <a:ext cx="2796471" cy="523220"/>
           </a:xfrm>
           <a:prstGeom prst="rect">
             <a:avLst/>
@@ -11435,7 +13561,7 @@
                   <a:schemeClr val="bg1"/>
                 </a:solidFill>
               </a:rPr>
-              <a:t>In the 2000’s…</a:t>
+              <a:t>The early 2000’s…</a:t>
             </a:r>
           </a:p>
         </p:txBody>
@@ -11501,6 +13627,511 @@
 </file>
 
 <file path=ppt/slides/slide4.xml><?xml version="1.0" encoding="utf-8"?>
+<p:sld xmlns:a="http://schemas.openxmlformats.org/drawingml/2006/main" xmlns:r="http://schemas.openxmlformats.org/officeDocument/2006/relationships" xmlns:p="http://schemas.openxmlformats.org/presentationml/2006/main">
+  <p:cSld>
+    <p:spTree>
+      <p:nvGrpSpPr>
+        <p:cNvPr id="1" name=""/>
+        <p:cNvGrpSpPr/>
+        <p:nvPr/>
+      </p:nvGrpSpPr>
+      <p:grpSpPr>
+        <a:xfrm>
+          <a:off x="0" y="0"/>
+          <a:ext cx="0" cy="0"/>
+          <a:chOff x="0" y="0"/>
+          <a:chExt cx="0" cy="0"/>
+        </a:xfrm>
+      </p:grpSpPr>
+      <p:pic>
+        <p:nvPicPr>
+          <p:cNvPr id="1026" name="Picture 2" descr="Smash Keyboard GIFs - Find &amp; Share on GIPHY">
+            <a:extLst>
+              <a:ext uri="{FF2B5EF4-FFF2-40B4-BE49-F238E27FC236}">
+                <a16:creationId xmlns:a16="http://schemas.microsoft.com/office/drawing/2014/main" id="{FE7128A9-D2DA-44E6-88B3-8FB382E84055}"/>
+              </a:ext>
+            </a:extLst>
+          </p:cNvPr>
+          <p:cNvPicPr>
+            <a:picLocks noChangeAspect="1" noChangeArrowheads="1" noCrop="1"/>
+          </p:cNvPicPr>
+          <p:nvPr/>
+        </p:nvPicPr>
+        <p:blipFill>
+          <a:blip r:embed="rId2">
+            <a:extLst>
+              <a:ext uri="{28A0092B-C50C-407E-A947-70E740481C1C}">
+                <a14:useLocalDpi xmlns:a14="http://schemas.microsoft.com/office/drawing/2010/main" val="0"/>
+              </a:ext>
+            </a:extLst>
+          </a:blip>
+          <a:srcRect/>
+          <a:stretch>
+            <a:fillRect/>
+          </a:stretch>
+        </p:blipFill>
+        <p:spPr bwMode="auto">
+          <a:xfrm>
+            <a:off x="4905375" y="1248463"/>
+            <a:ext cx="2381250" cy="1885950"/>
+          </a:xfrm>
+          <a:prstGeom prst="rect">
+            <a:avLst/>
+          </a:prstGeom>
+          <a:noFill/>
+          <a:extLst>
+            <a:ext uri="{909E8E84-426E-40DD-AFC4-6F175D3DCCD1}">
+              <a14:hiddenFill xmlns:a14="http://schemas.microsoft.com/office/drawing/2010/main">
+                <a:solidFill>
+                  <a:srgbClr val="FFFFFF"/>
+                </a:solidFill>
+              </a14:hiddenFill>
+            </a:ext>
+          </a:extLst>
+        </p:spPr>
+      </p:pic>
+      <p:sp>
+        <p:nvSpPr>
+          <p:cNvPr id="5" name="Title 1">
+            <a:extLst>
+              <a:ext uri="{FF2B5EF4-FFF2-40B4-BE49-F238E27FC236}">
+                <a16:creationId xmlns:a16="http://schemas.microsoft.com/office/drawing/2014/main" id="{B7370C27-4D77-458E-982B-720BFB0F3C21}"/>
+              </a:ext>
+            </a:extLst>
+          </p:cNvPr>
+          <p:cNvSpPr>
+            <a:spLocks noGrp="1"/>
+          </p:cNvSpPr>
+          <p:nvPr>
+            <p:ph type="title"/>
+          </p:nvPr>
+        </p:nvSpPr>
+        <p:spPr>
+          <a:xfrm>
+            <a:off x="838200" y="0"/>
+            <a:ext cx="10515600" cy="1325563"/>
+          </a:xfrm>
+        </p:spPr>
+        <p:txBody>
+          <a:bodyPr/>
+          <a:lstStyle/>
+          <a:p>
+            <a:pPr algn="ctr"/>
+            <a:r>
+              <a:rPr lang="en-US" dirty="0"/>
+              <a:t>Late 2000’s …</a:t>
+            </a:r>
+          </a:p>
+        </p:txBody>
+      </p:sp>
+      <p:sp>
+        <p:nvSpPr>
+          <p:cNvPr id="4" name="Rectangle 3">
+            <a:extLst>
+              <a:ext uri="{FF2B5EF4-FFF2-40B4-BE49-F238E27FC236}">
+                <a16:creationId xmlns:a16="http://schemas.microsoft.com/office/drawing/2014/main" id="{29E2C5A2-4CC7-4CAA-AC55-9AB59F314AC9}"/>
+              </a:ext>
+            </a:extLst>
+          </p:cNvPr>
+          <p:cNvSpPr/>
+          <p:nvPr/>
+        </p:nvSpPr>
+        <p:spPr>
+          <a:xfrm>
+            <a:off x="2309568" y="3563921"/>
+            <a:ext cx="7861954" cy="2677656"/>
+          </a:xfrm>
+          <a:prstGeom prst="rect">
+            <a:avLst/>
+          </a:prstGeom>
+          <a:solidFill>
+            <a:schemeClr val="tx1"/>
+          </a:solidFill>
+        </p:spPr>
+        <p:txBody>
+          <a:bodyPr wrap="square">
+            <a:spAutoFit/>
+          </a:bodyPr>
+          <a:lstStyle/>
+          <a:p>
+            <a:r>
+              <a:rPr lang="en-US" sz="2400" dirty="0">
+                <a:solidFill>
+                  <a:srgbClr val="D4D4D4"/>
+                </a:solidFill>
+                <a:latin typeface="Consolas" panose="020B0609020204030204" pitchFamily="49" charset="0"/>
+              </a:rPr>
+              <a:t>[</a:t>
+            </a:r>
+            <a:r>
+              <a:rPr lang="en-US" sz="2400" dirty="0">
+                <a:solidFill>
+                  <a:srgbClr val="B5CEA8"/>
+                </a:solidFill>
+                <a:latin typeface="Consolas" panose="020B0609020204030204" pitchFamily="49" charset="0"/>
+              </a:rPr>
+              <a:t>1</a:t>
+            </a:r>
+            <a:r>
+              <a:rPr lang="en-US" sz="2400" dirty="0">
+                <a:solidFill>
+                  <a:srgbClr val="D4D4D4"/>
+                </a:solidFill>
+                <a:latin typeface="Consolas" panose="020B0609020204030204" pitchFamily="49" charset="0"/>
+              </a:rPr>
+              <a:t>,</a:t>
+            </a:r>
+            <a:r>
+              <a:rPr lang="en-US" sz="2400" dirty="0">
+                <a:solidFill>
+                  <a:srgbClr val="B5CEA8"/>
+                </a:solidFill>
+                <a:latin typeface="Consolas" panose="020B0609020204030204" pitchFamily="49" charset="0"/>
+              </a:rPr>
+              <a:t>2</a:t>
+            </a:r>
+            <a:r>
+              <a:rPr lang="en-US" sz="2400" dirty="0">
+                <a:solidFill>
+                  <a:srgbClr val="D4D4D4"/>
+                </a:solidFill>
+                <a:latin typeface="Consolas" panose="020B0609020204030204" pitchFamily="49" charset="0"/>
+              </a:rPr>
+              <a:t>] + [</a:t>
+            </a:r>
+            <a:r>
+              <a:rPr lang="en-US" sz="2400" dirty="0">
+                <a:solidFill>
+                  <a:srgbClr val="B5CEA8"/>
+                </a:solidFill>
+                <a:latin typeface="Consolas" panose="020B0609020204030204" pitchFamily="49" charset="0"/>
+              </a:rPr>
+              <a:t>3</a:t>
+            </a:r>
+            <a:r>
+              <a:rPr lang="en-US" sz="2400" dirty="0">
+                <a:solidFill>
+                  <a:srgbClr val="D4D4D4"/>
+                </a:solidFill>
+                <a:latin typeface="Consolas" panose="020B0609020204030204" pitchFamily="49" charset="0"/>
+              </a:rPr>
+              <a:t>,</a:t>
+            </a:r>
+            <a:r>
+              <a:rPr lang="en-US" sz="2400" dirty="0">
+                <a:solidFill>
+                  <a:srgbClr val="B5CEA8"/>
+                </a:solidFill>
+                <a:latin typeface="Consolas" panose="020B0609020204030204" pitchFamily="49" charset="0"/>
+              </a:rPr>
+              <a:t>4</a:t>
+            </a:r>
+            <a:r>
+              <a:rPr lang="en-US" sz="2400" dirty="0">
+                <a:solidFill>
+                  <a:srgbClr val="D4D4D4"/>
+                </a:solidFill>
+                <a:latin typeface="Consolas" panose="020B0609020204030204" pitchFamily="49" charset="0"/>
+              </a:rPr>
+              <a:t>] </a:t>
+            </a:r>
+          </a:p>
+          <a:p>
+            <a:r>
+              <a:rPr lang="en-US" sz="2400" dirty="0">
+                <a:solidFill>
+                  <a:srgbClr val="D4D4D4"/>
+                </a:solidFill>
+                <a:latin typeface="Consolas" panose="020B0609020204030204" pitchFamily="49" charset="0"/>
+              </a:rPr>
+              <a:t>&gt; </a:t>
+            </a:r>
+            <a:r>
+              <a:rPr lang="en-US" sz="2400" dirty="0">
+                <a:solidFill>
+                  <a:srgbClr val="CE9178"/>
+                </a:solidFill>
+                <a:latin typeface="Consolas" panose="020B0609020204030204" pitchFamily="49" charset="0"/>
+              </a:rPr>
+              <a:t>"1,23,4"</a:t>
+            </a:r>
+            <a:endParaRPr lang="en-US" sz="2400" dirty="0">
+              <a:solidFill>
+                <a:srgbClr val="D4D4D4"/>
+              </a:solidFill>
+              <a:latin typeface="Consolas" panose="020B0609020204030204" pitchFamily="49" charset="0"/>
+            </a:endParaRPr>
+          </a:p>
+          <a:p>
+            <a:br>
+              <a:rPr lang="en-US" sz="2400" dirty="0">
+                <a:solidFill>
+                  <a:srgbClr val="D4D4D4"/>
+                </a:solidFill>
+                <a:latin typeface="Consolas" panose="020B0609020204030204" pitchFamily="49" charset="0"/>
+              </a:rPr>
+            </a:br>
+            <a:r>
+              <a:rPr lang="en-US" sz="2400" dirty="0">
+                <a:solidFill>
+                  <a:srgbClr val="C586C0"/>
+                </a:solidFill>
+                <a:latin typeface="Consolas" panose="020B0609020204030204" pitchFamily="49" charset="0"/>
+              </a:rPr>
+              <a:t>if</a:t>
+            </a:r>
+            <a:r>
+              <a:rPr lang="en-US" sz="2400" dirty="0">
+                <a:solidFill>
+                  <a:srgbClr val="D4D4D4"/>
+                </a:solidFill>
+                <a:latin typeface="Consolas" panose="020B0609020204030204" pitchFamily="49" charset="0"/>
+              </a:rPr>
+              <a:t>((</a:t>
+            </a:r>
+            <a:r>
+              <a:rPr lang="en-US" sz="2400" dirty="0">
+                <a:solidFill>
+                  <a:srgbClr val="9CDCFE"/>
+                </a:solidFill>
+                <a:latin typeface="Consolas" panose="020B0609020204030204" pitchFamily="49" charset="0"/>
+              </a:rPr>
+              <a:t>A</a:t>
+            </a:r>
+            <a:r>
+              <a:rPr lang="en-US" sz="2400" dirty="0">
+                <a:solidFill>
+                  <a:srgbClr val="D4D4D4"/>
+                </a:solidFill>
+                <a:latin typeface="Consolas" panose="020B0609020204030204" pitchFamily="49" charset="0"/>
+              </a:rPr>
+              <a:t> == </a:t>
+            </a:r>
+            <a:r>
+              <a:rPr lang="en-US" sz="2400" dirty="0">
+                <a:solidFill>
+                  <a:srgbClr val="9CDCFE"/>
+                </a:solidFill>
+                <a:latin typeface="Consolas" panose="020B0609020204030204" pitchFamily="49" charset="0"/>
+              </a:rPr>
+              <a:t>B</a:t>
+            </a:r>
+            <a:r>
+              <a:rPr lang="en-US" sz="2400" dirty="0">
+                <a:solidFill>
+                  <a:srgbClr val="D4D4D4"/>
+                </a:solidFill>
+                <a:latin typeface="Consolas" panose="020B0609020204030204" pitchFamily="49" charset="0"/>
+              </a:rPr>
+              <a:t>) &amp;&amp; (</a:t>
+            </a:r>
+            <a:r>
+              <a:rPr lang="en-US" sz="2400" dirty="0">
+                <a:solidFill>
+                  <a:srgbClr val="9CDCFE"/>
+                </a:solidFill>
+                <a:latin typeface="Consolas" panose="020B0609020204030204" pitchFamily="49" charset="0"/>
+              </a:rPr>
+              <a:t>A</a:t>
+            </a:r>
+            <a:r>
+              <a:rPr lang="en-US" sz="2400" dirty="0">
+                <a:solidFill>
+                  <a:srgbClr val="D4D4D4"/>
+                </a:solidFill>
+                <a:latin typeface="Consolas" panose="020B0609020204030204" pitchFamily="49" charset="0"/>
+              </a:rPr>
+              <a:t> != </a:t>
+            </a:r>
+            <a:r>
+              <a:rPr lang="en-US" sz="2400" dirty="0">
+                <a:solidFill>
+                  <a:srgbClr val="9CDCFE"/>
+                </a:solidFill>
+                <a:latin typeface="Consolas" panose="020B0609020204030204" pitchFamily="49" charset="0"/>
+              </a:rPr>
+              <a:t>B</a:t>
+            </a:r>
+            <a:r>
+              <a:rPr lang="en-US" sz="2400" dirty="0">
+                <a:solidFill>
+                  <a:srgbClr val="D4D4D4"/>
+                </a:solidFill>
+                <a:latin typeface="Consolas" panose="020B0609020204030204" pitchFamily="49" charset="0"/>
+              </a:rPr>
+              <a:t>))</a:t>
+            </a:r>
+          </a:p>
+          <a:p>
+            <a:r>
+              <a:rPr lang="en-US" sz="2400" dirty="0">
+                <a:solidFill>
+                  <a:srgbClr val="4EC9B0"/>
+                </a:solidFill>
+                <a:latin typeface="Consolas" panose="020B0609020204030204" pitchFamily="49" charset="0"/>
+              </a:rPr>
+              <a:t>	console</a:t>
+            </a:r>
+            <a:r>
+              <a:rPr lang="en-US" sz="2400" dirty="0">
+                <a:solidFill>
+                  <a:srgbClr val="D4D4D4"/>
+                </a:solidFill>
+                <a:latin typeface="Consolas" panose="020B0609020204030204" pitchFamily="49" charset="0"/>
+              </a:rPr>
+              <a:t>.</a:t>
+            </a:r>
+            <a:r>
+              <a:rPr lang="en-US" sz="2400" dirty="0">
+                <a:solidFill>
+                  <a:srgbClr val="DCDCAA"/>
+                </a:solidFill>
+                <a:latin typeface="Consolas" panose="020B0609020204030204" pitchFamily="49" charset="0"/>
+              </a:rPr>
+              <a:t>log</a:t>
+            </a:r>
+            <a:r>
+              <a:rPr lang="en-US" sz="2400" dirty="0">
+                <a:solidFill>
+                  <a:srgbClr val="D4D4D4"/>
+                </a:solidFill>
+                <a:latin typeface="Consolas" panose="020B0609020204030204" pitchFamily="49" charset="0"/>
+              </a:rPr>
+              <a:t>(</a:t>
+            </a:r>
+            <a:r>
+              <a:rPr lang="en-US" sz="2400" dirty="0">
+                <a:solidFill>
+                  <a:srgbClr val="CE9178"/>
+                </a:solidFill>
+                <a:latin typeface="Consolas" panose="020B0609020204030204" pitchFamily="49" charset="0"/>
+              </a:rPr>
+              <a:t>"</a:t>
+            </a:r>
+            <a:r>
+              <a:rPr lang="en-US" sz="2400" dirty="0" err="1">
+                <a:solidFill>
+                  <a:srgbClr val="CE9178"/>
+                </a:solidFill>
+                <a:latin typeface="Consolas" panose="020B0609020204030204" pitchFamily="49" charset="0"/>
+              </a:rPr>
+              <a:t>Javascript</a:t>
+            </a:r>
+            <a:r>
+              <a:rPr lang="en-US" sz="2400" dirty="0">
+                <a:solidFill>
+                  <a:srgbClr val="CE9178"/>
+                </a:solidFill>
+                <a:latin typeface="Consolas" panose="020B0609020204030204" pitchFamily="49" charset="0"/>
+              </a:rPr>
+              <a:t> nonsense"</a:t>
+            </a:r>
+            <a:r>
+              <a:rPr lang="en-US" sz="2400" dirty="0">
+                <a:solidFill>
+                  <a:srgbClr val="D4D4D4"/>
+                </a:solidFill>
+                <a:latin typeface="Consolas" panose="020B0609020204030204" pitchFamily="49" charset="0"/>
+              </a:rPr>
+              <a:t>);</a:t>
+            </a:r>
+          </a:p>
+          <a:p>
+            <a:r>
+              <a:rPr lang="en-US" sz="2400" dirty="0">
+                <a:solidFill>
+                  <a:srgbClr val="C586C0"/>
+                </a:solidFill>
+                <a:latin typeface="Consolas" panose="020B0609020204030204" pitchFamily="49" charset="0"/>
+              </a:rPr>
+              <a:t>else</a:t>
+            </a:r>
+            <a:endParaRPr lang="en-US" sz="2400" dirty="0">
+              <a:solidFill>
+                <a:srgbClr val="D4D4D4"/>
+              </a:solidFill>
+              <a:latin typeface="Consolas" panose="020B0609020204030204" pitchFamily="49" charset="0"/>
+            </a:endParaRPr>
+          </a:p>
+          <a:p>
+            <a:r>
+              <a:rPr lang="en-US" sz="2400" dirty="0">
+                <a:solidFill>
+                  <a:srgbClr val="4EC9B0"/>
+                </a:solidFill>
+                <a:latin typeface="Consolas" panose="020B0609020204030204" pitchFamily="49" charset="0"/>
+              </a:rPr>
+              <a:t>	console</a:t>
+            </a:r>
+            <a:r>
+              <a:rPr lang="en-US" sz="2400" dirty="0">
+                <a:solidFill>
+                  <a:srgbClr val="D4D4D4"/>
+                </a:solidFill>
+                <a:latin typeface="Consolas" panose="020B0609020204030204" pitchFamily="49" charset="0"/>
+              </a:rPr>
+              <a:t>.</a:t>
+            </a:r>
+            <a:r>
+              <a:rPr lang="en-US" sz="2400" dirty="0">
+                <a:solidFill>
+                  <a:srgbClr val="DCDCAA"/>
+                </a:solidFill>
+                <a:latin typeface="Consolas" panose="020B0609020204030204" pitchFamily="49" charset="0"/>
+              </a:rPr>
+              <a:t>log</a:t>
+            </a:r>
+            <a:r>
+              <a:rPr lang="en-US" sz="2400" dirty="0">
+                <a:solidFill>
+                  <a:srgbClr val="D4D4D4"/>
+                </a:solidFill>
+                <a:latin typeface="Consolas" panose="020B0609020204030204" pitchFamily="49" charset="0"/>
+              </a:rPr>
+              <a:t>(</a:t>
+            </a:r>
+            <a:r>
+              <a:rPr lang="en-US" sz="2400" dirty="0">
+                <a:solidFill>
+                  <a:srgbClr val="CE9178"/>
+                </a:solidFill>
+                <a:latin typeface="Consolas" panose="020B0609020204030204" pitchFamily="49" charset="0"/>
+              </a:rPr>
+              <a:t>"What you would expect"</a:t>
+            </a:r>
+            <a:r>
+              <a:rPr lang="en-US" sz="2400" dirty="0">
+                <a:solidFill>
+                  <a:srgbClr val="D4D4D4"/>
+                </a:solidFill>
+                <a:latin typeface="Consolas" panose="020B0609020204030204" pitchFamily="49" charset="0"/>
+              </a:rPr>
+              <a:t>);</a:t>
+            </a:r>
+            <a:endParaRPr lang="en-US" sz="2400" b="0" dirty="0">
+              <a:solidFill>
+                <a:srgbClr val="D4D4D4"/>
+              </a:solidFill>
+              <a:effectLst/>
+              <a:latin typeface="Consolas" panose="020B0609020204030204" pitchFamily="49" charset="0"/>
+            </a:endParaRPr>
+          </a:p>
+        </p:txBody>
+      </p:sp>
+    </p:spTree>
+    <p:extLst>
+      <p:ext uri="{BB962C8B-B14F-4D97-AF65-F5344CB8AC3E}">
+        <p14:creationId xmlns:p14="http://schemas.microsoft.com/office/powerpoint/2010/main" val="2517676161"/>
+      </p:ext>
+    </p:extLst>
+  </p:cSld>
+  <p:clrMapOvr>
+    <a:masterClrMapping/>
+  </p:clrMapOvr>
+</p:sld>
+</file>
+
+<file path=ppt/slides/slide5.xml><?xml version="1.0" encoding="utf-8"?>
 <p:sld xmlns:a="http://schemas.openxmlformats.org/drawingml/2006/main" xmlns:r="http://schemas.openxmlformats.org/officeDocument/2006/relationships" xmlns:p="http://schemas.openxmlformats.org/presentationml/2006/main">
   <p:cSld>
     <p:spTree>
@@ -11714,10 +14345,88 @@
   <p:clrMapOvr>
     <a:masterClrMapping/>
   </p:clrMapOvr>
+  <p:timing>
+    <p:tnLst>
+      <p:par>
+        <p:cTn id="1" dur="indefinite" restart="never" nodeType="tmRoot">
+          <p:childTnLst>
+            <p:seq concurrent="1" nextAc="seek">
+              <p:cTn id="2" dur="indefinite" nodeType="mainSeq">
+                <p:childTnLst>
+                  <p:par>
+                    <p:cTn id="3" fill="hold">
+                      <p:stCondLst>
+                        <p:cond delay="indefinite"/>
+                      </p:stCondLst>
+                      <p:childTnLst>
+                        <p:par>
+                          <p:cTn id="4" fill="hold">
+                            <p:stCondLst>
+                              <p:cond delay="0"/>
+                            </p:stCondLst>
+                            <p:childTnLst>
+                              <p:par>
+                                <p:cTn id="5" presetID="1" presetClass="entr" presetSubtype="0" fill="hold" grpId="0" nodeType="clickEffect">
+                                  <p:stCondLst>
+                                    <p:cond delay="0"/>
+                                  </p:stCondLst>
+                                  <p:childTnLst>
+                                    <p:set>
+                                      <p:cBhvr>
+                                        <p:cTn id="6" dur="1" fill="hold">
+                                          <p:stCondLst>
+                                            <p:cond delay="0"/>
+                                          </p:stCondLst>
+                                        </p:cTn>
+                                        <p:tgtEl>
+                                          <p:spTgt spid="6"/>
+                                        </p:tgtEl>
+                                        <p:attrNameLst>
+                                          <p:attrName>style.visibility</p:attrName>
+                                        </p:attrNameLst>
+                                      </p:cBhvr>
+                                      <p:to>
+                                        <p:strVal val="visible"/>
+                                      </p:to>
+                                    </p:set>
+                                  </p:childTnLst>
+                                </p:cTn>
+                              </p:par>
+                            </p:childTnLst>
+                          </p:cTn>
+                        </p:par>
+                      </p:childTnLst>
+                    </p:cTn>
+                  </p:par>
+                </p:childTnLst>
+              </p:cTn>
+              <p:prevCondLst>
+                <p:cond evt="onPrev" delay="0">
+                  <p:tgtEl>
+                    <p:sldTgt/>
+                  </p:tgtEl>
+                </p:cond>
+              </p:prevCondLst>
+              <p:nextCondLst>
+                <p:cond evt="onNext" delay="0">
+                  <p:tgtEl>
+                    <p:sldTgt/>
+                  </p:tgtEl>
+                </p:cond>
+              </p:nextCondLst>
+            </p:seq>
+          </p:childTnLst>
+        </p:cTn>
+      </p:par>
+    </p:tnLst>
+    <p:bldLst>
+      <p:bldP spid="6" grpId="0"/>
+    </p:bldLst>
+  </p:timing>
 </p:sld>
 </file>
 
-<file path=ppt/slides/slide5.xml><?xml version="1.0" encoding="utf-8"?>
+<file path=ppt/slides/slide6.xml><?xml version="1.0" encoding="utf-8"?>
 <p:sld xmlns:a="http://schemas.openxmlformats.org/drawingml/2006/main" xmlns:r="http://schemas.openxmlformats.org/officeDocument/2006/relationships" xmlns:p="http://schemas.openxmlformats.org/presentationml/2006/main">
   <p:cSld>
     <p:spTree>
@@ -11832,1148 +14541,6 @@
 </p:sld>
 </file>
 
-<file path=ppt/slides/slide6.xml><?xml version="1.0" encoding="utf-8"?>
-<p:sld xmlns:a="http://schemas.openxmlformats.org/drawingml/2006/main" xmlns:r="http://schemas.openxmlformats.org/officeDocument/2006/relationships" xmlns:p="http://schemas.openxmlformats.org/presentationml/2006/main">
-  <p:cSld>
-    <p:spTree>
-      <p:nvGrpSpPr>
-        <p:cNvPr id="1" name=""/>
-        <p:cNvGrpSpPr/>
-        <p:nvPr/>
-      </p:nvGrpSpPr>
-      <p:grpSpPr>
-        <a:xfrm>
-          <a:off x="0" y="0"/>
-          <a:ext cx="0" cy="0"/>
-          <a:chOff x="0" y="0"/>
-          <a:chExt cx="0" cy="0"/>
-        </a:xfrm>
-      </p:grpSpPr>
-      <p:sp>
-        <p:nvSpPr>
-          <p:cNvPr id="2" name="Title 1">
-            <a:extLst>
-              <a:ext uri="{FF2B5EF4-FFF2-40B4-BE49-F238E27FC236}">
-                <a16:creationId xmlns:a16="http://schemas.microsoft.com/office/drawing/2014/main" id="{773ADA71-BE00-487C-A565-26ADE9D040C6}"/>
-              </a:ext>
-            </a:extLst>
-          </p:cNvPr>
-          <p:cNvSpPr>
-            <a:spLocks noGrp="1"/>
-          </p:cNvSpPr>
-          <p:nvPr>
-            <p:ph type="title"/>
-          </p:nvPr>
-        </p:nvSpPr>
-        <p:spPr>
-          <a:xfrm>
-            <a:off x="838200" y="365125"/>
-            <a:ext cx="10515600" cy="1325563"/>
-          </a:xfrm>
-        </p:spPr>
-        <p:txBody>
-          <a:bodyPr/>
-          <a:lstStyle/>
-          <a:p>
-            <a:r>
-              <a:rPr lang="en-US"/>
-              <a:t>What is Pythonic?</a:t>
-            </a:r>
-            <a:endParaRPr lang="en-US" dirty="0"/>
-          </a:p>
-        </p:txBody>
-      </p:sp>
-      <p:sp>
-        <p:nvSpPr>
-          <p:cNvPr id="6" name="Rectangle 5">
-            <a:extLst>
-              <a:ext uri="{FF2B5EF4-FFF2-40B4-BE49-F238E27FC236}">
-                <a16:creationId xmlns:a16="http://schemas.microsoft.com/office/drawing/2014/main" id="{4933B25F-4A4D-4849-9312-91F46A46737D}"/>
-              </a:ext>
-            </a:extLst>
-          </p:cNvPr>
-          <p:cNvSpPr/>
-          <p:nvPr/>
-        </p:nvSpPr>
-        <p:spPr>
-          <a:xfrm>
-            <a:off x="1720687" y="1414562"/>
-            <a:ext cx="8586951" cy="5355312"/>
-          </a:xfrm>
-          <a:prstGeom prst="rect">
-            <a:avLst/>
-          </a:prstGeom>
-          <a:solidFill>
-            <a:schemeClr val="tx1"/>
-          </a:solidFill>
-        </p:spPr>
-        <p:txBody>
-          <a:bodyPr wrap="square">
-            <a:spAutoFit/>
-          </a:bodyPr>
-          <a:lstStyle/>
-          <a:p>
-            <a:r>
-              <a:rPr lang="en-US" b="0" dirty="0">
-                <a:solidFill>
-                  <a:srgbClr val="608B4E"/>
-                </a:solidFill>
-                <a:effectLst/>
-                <a:latin typeface="Consolas" panose="020B0609020204030204" pitchFamily="49" charset="0"/>
-              </a:rPr>
-              <a:t>/* ANSI C */</a:t>
-            </a:r>
-            <a:endParaRPr lang="en-US" b="0" dirty="0">
-              <a:solidFill>
-                <a:srgbClr val="D4D4D4"/>
-              </a:solidFill>
-              <a:effectLst/>
-              <a:latin typeface="Consolas" panose="020B0609020204030204" pitchFamily="49" charset="0"/>
-            </a:endParaRPr>
-          </a:p>
-          <a:p>
-            <a:r>
-              <a:rPr lang="en-US" b="0" dirty="0">
-                <a:solidFill>
-                  <a:srgbClr val="569CD6"/>
-                </a:solidFill>
-                <a:effectLst/>
-                <a:latin typeface="Consolas" panose="020B0609020204030204" pitchFamily="49" charset="0"/>
-              </a:rPr>
-              <a:t>typedef</a:t>
-            </a:r>
-            <a:r>
-              <a:rPr lang="en-US" b="0" dirty="0">
-                <a:solidFill>
-                  <a:srgbClr val="D4D4D4"/>
-                </a:solidFill>
-                <a:effectLst/>
-                <a:latin typeface="Consolas" panose="020B0609020204030204" pitchFamily="49" charset="0"/>
-              </a:rPr>
-              <a:t> </a:t>
-            </a:r>
-            <a:r>
-              <a:rPr lang="en-US" b="0" dirty="0">
-                <a:solidFill>
-                  <a:srgbClr val="569CD6"/>
-                </a:solidFill>
-                <a:effectLst/>
-                <a:latin typeface="Consolas" panose="020B0609020204030204" pitchFamily="49" charset="0"/>
-              </a:rPr>
-              <a:t>struct</a:t>
-            </a:r>
-            <a:r>
-              <a:rPr lang="en-US" b="0" dirty="0">
-                <a:solidFill>
-                  <a:srgbClr val="D4D4D4"/>
-                </a:solidFill>
-                <a:effectLst/>
-                <a:latin typeface="Consolas" panose="020B0609020204030204" pitchFamily="49" charset="0"/>
-              </a:rPr>
-              <a:t> </a:t>
-            </a:r>
-            <a:r>
-              <a:rPr lang="en-US" b="0" dirty="0" err="1">
-                <a:solidFill>
-                  <a:srgbClr val="4EC9B0"/>
-                </a:solidFill>
-                <a:effectLst/>
-                <a:latin typeface="Consolas" panose="020B0609020204030204" pitchFamily="49" charset="0"/>
-              </a:rPr>
-              <a:t>Pixel_t</a:t>
-            </a:r>
-            <a:r>
-              <a:rPr lang="en-US" b="0" dirty="0">
-                <a:solidFill>
-                  <a:srgbClr val="D4D4D4"/>
-                </a:solidFill>
-                <a:effectLst/>
-                <a:latin typeface="Consolas" panose="020B0609020204030204" pitchFamily="49" charset="0"/>
-              </a:rPr>
-              <a:t>{</a:t>
-            </a:r>
-          </a:p>
-          <a:p>
-            <a:pPr lvl="1"/>
-            <a:r>
-              <a:rPr lang="en-US" b="0" dirty="0">
-                <a:solidFill>
-                  <a:srgbClr val="569CD6"/>
-                </a:solidFill>
-                <a:effectLst/>
-                <a:latin typeface="Consolas" panose="020B0609020204030204" pitchFamily="49" charset="0"/>
-              </a:rPr>
-              <a:t>unsigned</a:t>
-            </a:r>
-            <a:r>
-              <a:rPr lang="en-US" b="0" dirty="0">
-                <a:solidFill>
-                  <a:srgbClr val="D4D4D4"/>
-                </a:solidFill>
-                <a:effectLst/>
-                <a:latin typeface="Consolas" panose="020B0609020204030204" pitchFamily="49" charset="0"/>
-              </a:rPr>
-              <a:t> </a:t>
-            </a:r>
-            <a:r>
-              <a:rPr lang="en-US" b="0" dirty="0">
-                <a:solidFill>
-                  <a:srgbClr val="569CD6"/>
-                </a:solidFill>
-                <a:effectLst/>
-                <a:latin typeface="Consolas" panose="020B0609020204030204" pitchFamily="49" charset="0"/>
-              </a:rPr>
-              <a:t>char</a:t>
-            </a:r>
-            <a:r>
-              <a:rPr lang="en-US" b="0" dirty="0">
-                <a:solidFill>
-                  <a:srgbClr val="D4D4D4"/>
-                </a:solidFill>
-                <a:effectLst/>
-                <a:latin typeface="Consolas" panose="020B0609020204030204" pitchFamily="49" charset="0"/>
-              </a:rPr>
-              <a:t> r;</a:t>
-            </a:r>
-          </a:p>
-          <a:p>
-            <a:pPr lvl="1"/>
-            <a:r>
-              <a:rPr lang="en-US" b="0" dirty="0">
-                <a:solidFill>
-                  <a:srgbClr val="569CD6"/>
-                </a:solidFill>
-                <a:effectLst/>
-                <a:latin typeface="Consolas" panose="020B0609020204030204" pitchFamily="49" charset="0"/>
-              </a:rPr>
-              <a:t>unsigned</a:t>
-            </a:r>
-            <a:r>
-              <a:rPr lang="en-US" b="0" dirty="0">
-                <a:solidFill>
-                  <a:srgbClr val="D4D4D4"/>
-                </a:solidFill>
-                <a:effectLst/>
-                <a:latin typeface="Consolas" panose="020B0609020204030204" pitchFamily="49" charset="0"/>
-              </a:rPr>
-              <a:t> </a:t>
-            </a:r>
-            <a:r>
-              <a:rPr lang="en-US" b="0" dirty="0">
-                <a:solidFill>
-                  <a:srgbClr val="569CD6"/>
-                </a:solidFill>
-                <a:effectLst/>
-                <a:latin typeface="Consolas" panose="020B0609020204030204" pitchFamily="49" charset="0"/>
-              </a:rPr>
-              <a:t>char</a:t>
-            </a:r>
-            <a:r>
-              <a:rPr lang="en-US" b="0" dirty="0">
-                <a:solidFill>
-                  <a:srgbClr val="D4D4D4"/>
-                </a:solidFill>
-                <a:effectLst/>
-                <a:latin typeface="Consolas" panose="020B0609020204030204" pitchFamily="49" charset="0"/>
-              </a:rPr>
-              <a:t> g;</a:t>
-            </a:r>
-          </a:p>
-          <a:p>
-            <a:pPr lvl="1"/>
-            <a:r>
-              <a:rPr lang="en-US" b="0" dirty="0">
-                <a:solidFill>
-                  <a:srgbClr val="569CD6"/>
-                </a:solidFill>
-                <a:effectLst/>
-                <a:latin typeface="Consolas" panose="020B0609020204030204" pitchFamily="49" charset="0"/>
-              </a:rPr>
-              <a:t>unsigned</a:t>
-            </a:r>
-            <a:r>
-              <a:rPr lang="en-US" b="0" dirty="0">
-                <a:solidFill>
-                  <a:srgbClr val="D4D4D4"/>
-                </a:solidFill>
-                <a:effectLst/>
-                <a:latin typeface="Consolas" panose="020B0609020204030204" pitchFamily="49" charset="0"/>
-              </a:rPr>
-              <a:t> </a:t>
-            </a:r>
-            <a:r>
-              <a:rPr lang="en-US" b="0" dirty="0">
-                <a:solidFill>
-                  <a:srgbClr val="569CD6"/>
-                </a:solidFill>
-                <a:effectLst/>
-                <a:latin typeface="Consolas" panose="020B0609020204030204" pitchFamily="49" charset="0"/>
-              </a:rPr>
-              <a:t>char</a:t>
-            </a:r>
-            <a:r>
-              <a:rPr lang="en-US" b="0" dirty="0">
-                <a:solidFill>
-                  <a:srgbClr val="D4D4D4"/>
-                </a:solidFill>
-                <a:effectLst/>
-                <a:latin typeface="Consolas" panose="020B0609020204030204" pitchFamily="49" charset="0"/>
-              </a:rPr>
-              <a:t> b;</a:t>
-            </a:r>
-          </a:p>
-          <a:p>
-            <a:r>
-              <a:rPr lang="en-US" b="0" dirty="0">
-                <a:solidFill>
-                  <a:srgbClr val="D4D4D4"/>
-                </a:solidFill>
-                <a:effectLst/>
-                <a:latin typeface="Consolas" panose="020B0609020204030204" pitchFamily="49" charset="0"/>
-              </a:rPr>
-              <a:t>} </a:t>
-            </a:r>
-            <a:r>
-              <a:rPr lang="en-US" b="0" dirty="0" err="1">
-                <a:solidFill>
-                  <a:srgbClr val="4EC9B0"/>
-                </a:solidFill>
-                <a:effectLst/>
-                <a:latin typeface="Consolas" panose="020B0609020204030204" pitchFamily="49" charset="0"/>
-              </a:rPr>
-              <a:t>Pixel_t</a:t>
-            </a:r>
-            <a:r>
-              <a:rPr lang="en-US" b="0" dirty="0">
-                <a:solidFill>
-                  <a:srgbClr val="D4D4D4"/>
-                </a:solidFill>
-                <a:effectLst/>
-                <a:latin typeface="Consolas" panose="020B0609020204030204" pitchFamily="49" charset="0"/>
-              </a:rPr>
-              <a:t>;</a:t>
-            </a:r>
-          </a:p>
-          <a:p>
-            <a:br>
-              <a:rPr lang="en-US" b="0" dirty="0">
-                <a:solidFill>
-                  <a:srgbClr val="D4D4D4"/>
-                </a:solidFill>
-                <a:effectLst/>
-                <a:latin typeface="Consolas" panose="020B0609020204030204" pitchFamily="49" charset="0"/>
-              </a:rPr>
-            </a:br>
-            <a:r>
-              <a:rPr lang="en-US" b="0" dirty="0">
-                <a:solidFill>
-                  <a:srgbClr val="C586C0"/>
-                </a:solidFill>
-                <a:effectLst/>
-                <a:latin typeface="Consolas" panose="020B0609020204030204" pitchFamily="49" charset="0"/>
-              </a:rPr>
-              <a:t>#pragma</a:t>
-            </a:r>
-            <a:r>
-              <a:rPr lang="en-US" b="0" dirty="0">
-                <a:solidFill>
-                  <a:srgbClr val="569CD6"/>
-                </a:solidFill>
-                <a:effectLst/>
-                <a:latin typeface="Consolas" panose="020B0609020204030204" pitchFamily="49" charset="0"/>
-              </a:rPr>
-              <a:t> </a:t>
-            </a:r>
-            <a:r>
-              <a:rPr lang="en-US" b="0" dirty="0">
-                <a:solidFill>
-                  <a:srgbClr val="9CDCFE"/>
-                </a:solidFill>
-                <a:effectLst/>
-                <a:latin typeface="Consolas" panose="020B0609020204030204" pitchFamily="49" charset="0"/>
-              </a:rPr>
-              <a:t>alias</a:t>
-            </a:r>
-            <a:r>
-              <a:rPr lang="en-US" b="0" dirty="0">
-                <a:solidFill>
-                  <a:srgbClr val="569CD6"/>
-                </a:solidFill>
-                <a:effectLst/>
-                <a:latin typeface="Consolas" panose="020B0609020204030204" pitchFamily="49" charset="0"/>
-              </a:rPr>
-              <a:t>(</a:t>
-            </a:r>
-            <a:r>
-              <a:rPr lang="en-US" b="0" dirty="0" err="1">
-                <a:solidFill>
-                  <a:srgbClr val="9CDCFE"/>
-                </a:solidFill>
-                <a:effectLst/>
-                <a:latin typeface="Consolas" panose="020B0609020204030204" pitchFamily="49" charset="0"/>
-              </a:rPr>
-              <a:t>image</a:t>
-            </a:r>
-            <a:r>
-              <a:rPr lang="en-US" b="0" dirty="0" err="1">
-                <a:solidFill>
-                  <a:srgbClr val="569CD6"/>
-                </a:solidFill>
-                <a:effectLst/>
-                <a:latin typeface="Consolas" panose="020B0609020204030204" pitchFamily="49" charset="0"/>
-              </a:rPr>
-              <a:t>,</a:t>
-            </a:r>
-            <a:r>
-              <a:rPr lang="en-US" b="0" dirty="0" err="1">
-                <a:solidFill>
-                  <a:srgbClr val="9CDCFE"/>
-                </a:solidFill>
-                <a:effectLst/>
-                <a:latin typeface="Consolas" panose="020B0609020204030204" pitchFamily="49" charset="0"/>
-              </a:rPr>
-              <a:t>img_ptr</a:t>
-            </a:r>
-            <a:r>
-              <a:rPr lang="en-US" b="0" dirty="0">
-                <a:solidFill>
-                  <a:srgbClr val="569CD6"/>
-                </a:solidFill>
-                <a:effectLst/>
-                <a:latin typeface="Consolas" panose="020B0609020204030204" pitchFamily="49" charset="0"/>
-              </a:rPr>
-              <a:t>)</a:t>
-            </a:r>
-            <a:endParaRPr lang="en-US" b="0" dirty="0">
-              <a:solidFill>
-                <a:srgbClr val="D4D4D4"/>
-              </a:solidFill>
-              <a:effectLst/>
-              <a:latin typeface="Consolas" panose="020B0609020204030204" pitchFamily="49" charset="0"/>
-            </a:endParaRPr>
-          </a:p>
-          <a:p>
-            <a:r>
-              <a:rPr lang="en-US" b="0" dirty="0">
-                <a:solidFill>
-                  <a:srgbClr val="569CD6"/>
-                </a:solidFill>
-                <a:effectLst/>
-                <a:latin typeface="Consolas" panose="020B0609020204030204" pitchFamily="49" charset="0"/>
-              </a:rPr>
-              <a:t>register</a:t>
-            </a:r>
-            <a:r>
-              <a:rPr lang="en-US" b="0" dirty="0">
-                <a:solidFill>
-                  <a:srgbClr val="D4D4D4"/>
-                </a:solidFill>
-                <a:effectLst/>
-                <a:latin typeface="Consolas" panose="020B0609020204030204" pitchFamily="49" charset="0"/>
-              </a:rPr>
-              <a:t> </a:t>
-            </a:r>
-            <a:r>
-              <a:rPr lang="en-US" b="0" dirty="0" err="1">
-                <a:solidFill>
-                  <a:srgbClr val="4EC9B0"/>
-                </a:solidFill>
-                <a:effectLst/>
-                <a:latin typeface="Consolas" panose="020B0609020204030204" pitchFamily="49" charset="0"/>
-              </a:rPr>
-              <a:t>Pixel_t</a:t>
-            </a:r>
-            <a:r>
-              <a:rPr lang="en-US" b="0" dirty="0">
-                <a:solidFill>
-                  <a:srgbClr val="D4D4D4"/>
-                </a:solidFill>
-                <a:effectLst/>
-                <a:latin typeface="Consolas" panose="020B0609020204030204" pitchFamily="49" charset="0"/>
-              </a:rPr>
-              <a:t> * _Restrict </a:t>
-            </a:r>
-            <a:r>
-              <a:rPr lang="en-US" b="0" dirty="0" err="1">
-                <a:solidFill>
-                  <a:srgbClr val="D4D4D4"/>
-                </a:solidFill>
-                <a:effectLst/>
-                <a:latin typeface="Consolas" panose="020B0609020204030204" pitchFamily="49" charset="0"/>
-              </a:rPr>
-              <a:t>img_ptr</a:t>
-            </a:r>
-            <a:r>
-              <a:rPr lang="en-US" b="0" dirty="0">
-                <a:solidFill>
-                  <a:srgbClr val="D4D4D4"/>
-                </a:solidFill>
-                <a:effectLst/>
-                <a:latin typeface="Consolas" panose="020B0609020204030204" pitchFamily="49" charset="0"/>
-              </a:rPr>
-              <a:t> = &amp;image;</a:t>
-            </a:r>
-          </a:p>
-          <a:p>
-            <a:r>
-              <a:rPr lang="en-US" b="0" dirty="0">
-                <a:solidFill>
-                  <a:srgbClr val="C586C0"/>
-                </a:solidFill>
-                <a:effectLst/>
-                <a:latin typeface="Consolas" panose="020B0609020204030204" pitchFamily="49" charset="0"/>
-              </a:rPr>
-              <a:t>for</a:t>
-            </a:r>
-            <a:r>
-              <a:rPr lang="en-US" b="0" dirty="0">
-                <a:solidFill>
-                  <a:srgbClr val="D4D4D4"/>
-                </a:solidFill>
-                <a:effectLst/>
-                <a:latin typeface="Consolas" panose="020B0609020204030204" pitchFamily="49" charset="0"/>
-              </a:rPr>
-              <a:t> (</a:t>
-            </a:r>
-            <a:r>
-              <a:rPr lang="en-US" b="0" dirty="0">
-                <a:solidFill>
-                  <a:srgbClr val="4EC9B0"/>
-                </a:solidFill>
-                <a:effectLst/>
-                <a:latin typeface="Consolas" panose="020B0609020204030204" pitchFamily="49" charset="0"/>
-              </a:rPr>
-              <a:t>uint32fast_t</a:t>
-            </a:r>
-            <a:r>
-              <a:rPr lang="en-US" b="0" dirty="0">
-                <a:solidFill>
-                  <a:srgbClr val="D4D4D4"/>
-                </a:solidFill>
-                <a:effectLst/>
-                <a:latin typeface="Consolas" panose="020B0609020204030204" pitchFamily="49" charset="0"/>
-              </a:rPr>
-              <a:t> </a:t>
-            </a:r>
-            <a:r>
-              <a:rPr lang="en-US" b="0" dirty="0" err="1">
-                <a:solidFill>
-                  <a:srgbClr val="D4D4D4"/>
-                </a:solidFill>
-                <a:effectLst/>
-                <a:latin typeface="Consolas" panose="020B0609020204030204" pitchFamily="49" charset="0"/>
-              </a:rPr>
-              <a:t>i</a:t>
-            </a:r>
-            <a:r>
-              <a:rPr lang="en-US" b="0" dirty="0">
-                <a:solidFill>
-                  <a:srgbClr val="D4D4D4"/>
-                </a:solidFill>
-                <a:effectLst/>
-                <a:latin typeface="Consolas" panose="020B0609020204030204" pitchFamily="49" charset="0"/>
-              </a:rPr>
-              <a:t> = </a:t>
-            </a:r>
-            <a:r>
-              <a:rPr lang="en-US" b="0" dirty="0">
-                <a:solidFill>
-                  <a:srgbClr val="B5CEA8"/>
-                </a:solidFill>
-                <a:effectLst/>
-                <a:latin typeface="Consolas" panose="020B0609020204030204" pitchFamily="49" charset="0"/>
-              </a:rPr>
-              <a:t>0</a:t>
-            </a:r>
-            <a:r>
-              <a:rPr lang="en-US" b="0" dirty="0">
-                <a:solidFill>
-                  <a:srgbClr val="D4D4D4"/>
-                </a:solidFill>
-                <a:effectLst/>
-                <a:latin typeface="Consolas" panose="020B0609020204030204" pitchFamily="49" charset="0"/>
-              </a:rPr>
-              <a:t>; </a:t>
-            </a:r>
-            <a:r>
-              <a:rPr lang="en-US" b="0" dirty="0" err="1">
-                <a:solidFill>
-                  <a:srgbClr val="D4D4D4"/>
-                </a:solidFill>
-                <a:effectLst/>
-                <a:latin typeface="Consolas" panose="020B0609020204030204" pitchFamily="49" charset="0"/>
-              </a:rPr>
-              <a:t>i</a:t>
-            </a:r>
-            <a:r>
-              <a:rPr lang="en-US" b="0" dirty="0">
-                <a:solidFill>
-                  <a:srgbClr val="D4D4D4"/>
-                </a:solidFill>
-                <a:effectLst/>
-                <a:latin typeface="Consolas" panose="020B0609020204030204" pitchFamily="49" charset="0"/>
-              </a:rPr>
-              <a:t> &lt; </a:t>
-            </a:r>
-            <a:r>
-              <a:rPr lang="en-US" b="0" dirty="0" err="1">
-                <a:solidFill>
-                  <a:srgbClr val="D4D4D4"/>
-                </a:solidFill>
-                <a:effectLst/>
-                <a:latin typeface="Consolas" panose="020B0609020204030204" pitchFamily="49" charset="0"/>
-              </a:rPr>
-              <a:t>descriptor.height</a:t>
-            </a:r>
-            <a:r>
-              <a:rPr lang="en-US" b="0" dirty="0">
-                <a:solidFill>
-                  <a:srgbClr val="D4D4D4"/>
-                </a:solidFill>
-                <a:effectLst/>
-                <a:latin typeface="Consolas" panose="020B0609020204030204" pitchFamily="49" charset="0"/>
-              </a:rPr>
-              <a:t>; ++</a:t>
-            </a:r>
-            <a:r>
-              <a:rPr lang="en-US" b="0" dirty="0" err="1">
-                <a:solidFill>
-                  <a:srgbClr val="D4D4D4"/>
-                </a:solidFill>
-                <a:effectLst/>
-                <a:latin typeface="Consolas" panose="020B0609020204030204" pitchFamily="49" charset="0"/>
-              </a:rPr>
-              <a:t>i</a:t>
-            </a:r>
-            <a:r>
-              <a:rPr lang="en-US" b="0" dirty="0">
-                <a:solidFill>
-                  <a:srgbClr val="D4D4D4"/>
-                </a:solidFill>
-                <a:effectLst/>
-                <a:latin typeface="Consolas" panose="020B0609020204030204" pitchFamily="49" charset="0"/>
-              </a:rPr>
-              <a:t>) {</a:t>
-            </a:r>
-          </a:p>
-          <a:p>
-            <a:pPr lvl="1"/>
-            <a:r>
-              <a:rPr lang="en-US" b="0" dirty="0">
-                <a:solidFill>
-                  <a:srgbClr val="C586C0"/>
-                </a:solidFill>
-                <a:effectLst/>
-                <a:latin typeface="Consolas" panose="020B0609020204030204" pitchFamily="49" charset="0"/>
-              </a:rPr>
-              <a:t>for</a:t>
-            </a:r>
-            <a:r>
-              <a:rPr lang="en-US" b="0" dirty="0">
-                <a:solidFill>
-                  <a:srgbClr val="D4D4D4"/>
-                </a:solidFill>
-                <a:effectLst/>
-                <a:latin typeface="Consolas" panose="020B0609020204030204" pitchFamily="49" charset="0"/>
-              </a:rPr>
-              <a:t> (</a:t>
-            </a:r>
-            <a:r>
-              <a:rPr lang="en-US" b="0" dirty="0">
-                <a:solidFill>
-                  <a:srgbClr val="4EC9B0"/>
-                </a:solidFill>
-                <a:effectLst/>
-                <a:latin typeface="Consolas" panose="020B0609020204030204" pitchFamily="49" charset="0"/>
-              </a:rPr>
-              <a:t>uint32fast_t</a:t>
-            </a:r>
-            <a:r>
-              <a:rPr lang="en-US" b="0" dirty="0">
-                <a:solidFill>
-                  <a:srgbClr val="D4D4D4"/>
-                </a:solidFill>
-                <a:effectLst/>
-                <a:latin typeface="Consolas" panose="020B0609020204030204" pitchFamily="49" charset="0"/>
-              </a:rPr>
-              <a:t> j = </a:t>
-            </a:r>
-            <a:r>
-              <a:rPr lang="en-US" b="0" dirty="0">
-                <a:solidFill>
-                  <a:srgbClr val="B5CEA8"/>
-                </a:solidFill>
-                <a:effectLst/>
-                <a:latin typeface="Consolas" panose="020B0609020204030204" pitchFamily="49" charset="0"/>
-              </a:rPr>
-              <a:t>0</a:t>
-            </a:r>
-            <a:r>
-              <a:rPr lang="en-US" b="0" dirty="0">
-                <a:solidFill>
-                  <a:srgbClr val="D4D4D4"/>
-                </a:solidFill>
-                <a:effectLst/>
-                <a:latin typeface="Consolas" panose="020B0609020204030204" pitchFamily="49" charset="0"/>
-              </a:rPr>
-              <a:t>; j &lt; </a:t>
-            </a:r>
-            <a:r>
-              <a:rPr lang="en-US" b="0" dirty="0" err="1">
-                <a:solidFill>
-                  <a:srgbClr val="D4D4D4"/>
-                </a:solidFill>
-                <a:effectLst/>
-                <a:latin typeface="Consolas" panose="020B0609020204030204" pitchFamily="49" charset="0"/>
-              </a:rPr>
-              <a:t>descriptor.</a:t>
-            </a:r>
-            <a:r>
-              <a:rPr lang="en-US" b="0" dirty="0" err="1">
-                <a:solidFill>
-                  <a:srgbClr val="9CDCFE"/>
-                </a:solidFill>
-                <a:effectLst/>
-                <a:latin typeface="Consolas" panose="020B0609020204030204" pitchFamily="49" charset="0"/>
-              </a:rPr>
-              <a:t>width</a:t>
-            </a:r>
-            <a:r>
-              <a:rPr lang="en-US" b="0" dirty="0">
-                <a:solidFill>
-                  <a:srgbClr val="D4D4D4"/>
-                </a:solidFill>
-                <a:effectLst/>
-                <a:latin typeface="Consolas" panose="020B0609020204030204" pitchFamily="49" charset="0"/>
-              </a:rPr>
-              <a:t>; ++j) {</a:t>
-            </a:r>
-          </a:p>
-          <a:p>
-            <a:pPr lvl="2"/>
-            <a:r>
-              <a:rPr lang="en-US" b="0" dirty="0" err="1">
-                <a:solidFill>
-                  <a:srgbClr val="D4D4D4"/>
-                </a:solidFill>
-                <a:effectLst/>
-                <a:latin typeface="Consolas" panose="020B0609020204030204" pitchFamily="49" charset="0"/>
-              </a:rPr>
-              <a:t>img_ptr</a:t>
-            </a:r>
-            <a:r>
-              <a:rPr lang="en-US" b="0" dirty="0">
-                <a:solidFill>
-                  <a:srgbClr val="D4D4D4"/>
-                </a:solidFill>
-                <a:effectLst/>
-                <a:latin typeface="Consolas" panose="020B0609020204030204" pitchFamily="49" charset="0"/>
-              </a:rPr>
-              <a:t> = image[</a:t>
-            </a:r>
-            <a:r>
-              <a:rPr lang="en-US" b="0" dirty="0" err="1">
-                <a:solidFill>
-                  <a:srgbClr val="D4D4D4"/>
-                </a:solidFill>
-                <a:effectLst/>
-                <a:latin typeface="Consolas" panose="020B0609020204030204" pitchFamily="49" charset="0"/>
-              </a:rPr>
-              <a:t>i</a:t>
-            </a:r>
-            <a:r>
-              <a:rPr lang="en-US" b="0" dirty="0">
-                <a:solidFill>
-                  <a:srgbClr val="D4D4D4"/>
-                </a:solidFill>
-                <a:effectLst/>
-                <a:latin typeface="Consolas" panose="020B0609020204030204" pitchFamily="49" charset="0"/>
-              </a:rPr>
-              <a:t>*</a:t>
-            </a:r>
-            <a:r>
-              <a:rPr lang="en-US" b="0" dirty="0" err="1">
-                <a:solidFill>
-                  <a:srgbClr val="D4D4D4"/>
-                </a:solidFill>
-                <a:effectLst/>
-                <a:latin typeface="Consolas" panose="020B0609020204030204" pitchFamily="49" charset="0"/>
-              </a:rPr>
-              <a:t>descriptor.</a:t>
-            </a:r>
-            <a:r>
-              <a:rPr lang="en-US" b="0" dirty="0" err="1">
-                <a:solidFill>
-                  <a:srgbClr val="9CDCFE"/>
-                </a:solidFill>
-                <a:effectLst/>
-                <a:latin typeface="Consolas" panose="020B0609020204030204" pitchFamily="49" charset="0"/>
-              </a:rPr>
-              <a:t>width</a:t>
-            </a:r>
-            <a:r>
-              <a:rPr lang="en-US" b="0" dirty="0" err="1">
-                <a:solidFill>
-                  <a:srgbClr val="D4D4D4"/>
-                </a:solidFill>
-                <a:effectLst/>
-                <a:latin typeface="Consolas" panose="020B0609020204030204" pitchFamily="49" charset="0"/>
-              </a:rPr>
-              <a:t>+j</a:t>
-            </a:r>
-            <a:r>
-              <a:rPr lang="en-US" b="0" dirty="0">
-                <a:solidFill>
-                  <a:srgbClr val="D4D4D4"/>
-                </a:solidFill>
-                <a:effectLst/>
-                <a:latin typeface="Consolas" panose="020B0609020204030204" pitchFamily="49" charset="0"/>
-              </a:rPr>
-              <a:t>] ;</a:t>
-            </a:r>
-          </a:p>
-          <a:p>
-            <a:pPr lvl="2"/>
-            <a:r>
-              <a:rPr lang="en-US" b="0" dirty="0">
-                <a:solidFill>
-                  <a:srgbClr val="569CD6"/>
-                </a:solidFill>
-                <a:effectLst/>
-                <a:latin typeface="Consolas" panose="020B0609020204030204" pitchFamily="49" charset="0"/>
-              </a:rPr>
-              <a:t>register</a:t>
-            </a:r>
-            <a:r>
-              <a:rPr lang="en-US" b="0" dirty="0">
-                <a:solidFill>
-                  <a:srgbClr val="D4D4D4"/>
-                </a:solidFill>
-                <a:effectLst/>
-                <a:latin typeface="Consolas" panose="020B0609020204030204" pitchFamily="49" charset="0"/>
-              </a:rPr>
-              <a:t> avg = (</a:t>
-            </a:r>
-            <a:r>
-              <a:rPr lang="en-US" b="0" dirty="0" err="1">
-                <a:solidFill>
-                  <a:srgbClr val="D4D4D4"/>
-                </a:solidFill>
-                <a:effectLst/>
-                <a:latin typeface="Consolas" panose="020B0609020204030204" pitchFamily="49" charset="0"/>
-              </a:rPr>
-              <a:t>img_ptr</a:t>
-            </a:r>
-            <a:r>
-              <a:rPr lang="en-US" b="0" dirty="0">
-                <a:solidFill>
-                  <a:srgbClr val="D4D4D4"/>
-                </a:solidFill>
-                <a:effectLst/>
-                <a:latin typeface="Consolas" panose="020B0609020204030204" pitchFamily="49" charset="0"/>
-              </a:rPr>
-              <a:t>-&gt;</a:t>
-            </a:r>
-            <a:r>
-              <a:rPr lang="en-US" b="0" dirty="0">
-                <a:solidFill>
-                  <a:srgbClr val="9CDCFE"/>
-                </a:solidFill>
-                <a:effectLst/>
-                <a:latin typeface="Consolas" panose="020B0609020204030204" pitchFamily="49" charset="0"/>
-              </a:rPr>
-              <a:t>r</a:t>
-            </a:r>
-            <a:r>
-              <a:rPr lang="en-US" b="0" dirty="0">
-                <a:solidFill>
-                  <a:srgbClr val="D4D4D4"/>
-                </a:solidFill>
-                <a:effectLst/>
-                <a:latin typeface="Consolas" panose="020B0609020204030204" pitchFamily="49" charset="0"/>
-              </a:rPr>
-              <a:t> + </a:t>
-            </a:r>
-            <a:r>
-              <a:rPr lang="en-US" b="0" dirty="0" err="1">
-                <a:solidFill>
-                  <a:srgbClr val="D4D4D4"/>
-                </a:solidFill>
-                <a:effectLst/>
-                <a:latin typeface="Consolas" panose="020B0609020204030204" pitchFamily="49" charset="0"/>
-              </a:rPr>
-              <a:t>img_ptr</a:t>
-            </a:r>
-            <a:r>
-              <a:rPr lang="en-US" b="0" dirty="0">
-                <a:solidFill>
-                  <a:srgbClr val="D4D4D4"/>
-                </a:solidFill>
-                <a:effectLst/>
-                <a:latin typeface="Consolas" panose="020B0609020204030204" pitchFamily="49" charset="0"/>
-              </a:rPr>
-              <a:t>-&gt;</a:t>
-            </a:r>
-            <a:r>
-              <a:rPr lang="en-US" b="0" dirty="0">
-                <a:solidFill>
-                  <a:srgbClr val="9CDCFE"/>
-                </a:solidFill>
-                <a:effectLst/>
-                <a:latin typeface="Consolas" panose="020B0609020204030204" pitchFamily="49" charset="0"/>
-              </a:rPr>
-              <a:t>g</a:t>
-            </a:r>
-            <a:r>
-              <a:rPr lang="en-US" b="0" dirty="0">
-                <a:solidFill>
-                  <a:srgbClr val="D4D4D4"/>
-                </a:solidFill>
-                <a:effectLst/>
-                <a:latin typeface="Consolas" panose="020B0609020204030204" pitchFamily="49" charset="0"/>
-              </a:rPr>
-              <a:t> + </a:t>
-            </a:r>
-            <a:r>
-              <a:rPr lang="en-US" b="0" dirty="0" err="1">
-                <a:solidFill>
-                  <a:srgbClr val="D4D4D4"/>
-                </a:solidFill>
-                <a:effectLst/>
-                <a:latin typeface="Consolas" panose="020B0609020204030204" pitchFamily="49" charset="0"/>
-              </a:rPr>
-              <a:t>img_ptr</a:t>
-            </a:r>
-            <a:r>
-              <a:rPr lang="en-US" b="0" dirty="0">
-                <a:solidFill>
-                  <a:srgbClr val="D4D4D4"/>
-                </a:solidFill>
-                <a:effectLst/>
-                <a:latin typeface="Consolas" panose="020B0609020204030204" pitchFamily="49" charset="0"/>
-              </a:rPr>
-              <a:t>-&gt;</a:t>
-            </a:r>
-            <a:r>
-              <a:rPr lang="en-US" b="0" dirty="0">
-                <a:solidFill>
-                  <a:srgbClr val="9CDCFE"/>
-                </a:solidFill>
-                <a:effectLst/>
-                <a:latin typeface="Consolas" panose="020B0609020204030204" pitchFamily="49" charset="0"/>
-              </a:rPr>
-              <a:t>b</a:t>
-            </a:r>
-            <a:r>
-              <a:rPr lang="en-US" b="0" dirty="0">
-                <a:solidFill>
-                  <a:srgbClr val="D4D4D4"/>
-                </a:solidFill>
-                <a:effectLst/>
-                <a:latin typeface="Consolas" panose="020B0609020204030204" pitchFamily="49" charset="0"/>
-              </a:rPr>
-              <a:t>)/</a:t>
-            </a:r>
-            <a:r>
-              <a:rPr lang="en-US" b="0" dirty="0">
-                <a:solidFill>
-                  <a:srgbClr val="B5CEA8"/>
-                </a:solidFill>
-                <a:effectLst/>
-                <a:latin typeface="Consolas" panose="020B0609020204030204" pitchFamily="49" charset="0"/>
-              </a:rPr>
-              <a:t>3</a:t>
-            </a:r>
-            <a:r>
-              <a:rPr lang="en-US" b="0" dirty="0">
-                <a:solidFill>
-                  <a:srgbClr val="D4D4D4"/>
-                </a:solidFill>
-                <a:effectLst/>
-                <a:latin typeface="Consolas" panose="020B0609020204030204" pitchFamily="49" charset="0"/>
-              </a:rPr>
-              <a:t>;</a:t>
-            </a:r>
-          </a:p>
-          <a:p>
-            <a:pPr lvl="2"/>
-            <a:endParaRPr lang="en-US" b="0" dirty="0">
-              <a:solidFill>
-                <a:srgbClr val="D4D4D4"/>
-              </a:solidFill>
-              <a:effectLst/>
-              <a:latin typeface="Consolas" panose="020B0609020204030204" pitchFamily="49" charset="0"/>
-            </a:endParaRPr>
-          </a:p>
-          <a:p>
-            <a:pPr lvl="2"/>
-            <a:r>
-              <a:rPr lang="en-US" b="0" dirty="0" err="1">
-                <a:solidFill>
-                  <a:srgbClr val="D4D4D4"/>
-                </a:solidFill>
-                <a:effectLst/>
-                <a:latin typeface="Consolas" panose="020B0609020204030204" pitchFamily="49" charset="0"/>
-              </a:rPr>
-              <a:t>img_ptr</a:t>
-            </a:r>
-            <a:r>
-              <a:rPr lang="en-US" b="0" dirty="0">
-                <a:solidFill>
-                  <a:srgbClr val="D4D4D4"/>
-                </a:solidFill>
-                <a:effectLst/>
-                <a:latin typeface="Consolas" panose="020B0609020204030204" pitchFamily="49" charset="0"/>
-              </a:rPr>
-              <a:t>-&gt;</a:t>
-            </a:r>
-            <a:r>
-              <a:rPr lang="en-US" b="0" dirty="0">
-                <a:solidFill>
-                  <a:srgbClr val="9CDCFE"/>
-                </a:solidFill>
-                <a:effectLst/>
-                <a:latin typeface="Consolas" panose="020B0609020204030204" pitchFamily="49" charset="0"/>
-              </a:rPr>
-              <a:t>r</a:t>
-            </a:r>
-            <a:r>
-              <a:rPr lang="en-US" b="0" dirty="0">
-                <a:solidFill>
-                  <a:srgbClr val="D4D4D4"/>
-                </a:solidFill>
-                <a:effectLst/>
-                <a:latin typeface="Consolas" panose="020B0609020204030204" pitchFamily="49" charset="0"/>
-              </a:rPr>
-              <a:t> = avg;</a:t>
-            </a:r>
-          </a:p>
-          <a:p>
-            <a:pPr lvl="2"/>
-            <a:r>
-              <a:rPr lang="en-US" b="0" dirty="0" err="1">
-                <a:solidFill>
-                  <a:srgbClr val="D4D4D4"/>
-                </a:solidFill>
-                <a:effectLst/>
-                <a:latin typeface="Consolas" panose="020B0609020204030204" pitchFamily="49" charset="0"/>
-              </a:rPr>
-              <a:t>img_ptr</a:t>
-            </a:r>
-            <a:r>
-              <a:rPr lang="en-US" b="0" dirty="0">
-                <a:solidFill>
-                  <a:srgbClr val="D4D4D4"/>
-                </a:solidFill>
-                <a:effectLst/>
-                <a:latin typeface="Consolas" panose="020B0609020204030204" pitchFamily="49" charset="0"/>
-              </a:rPr>
-              <a:t>-&gt;</a:t>
-            </a:r>
-            <a:r>
-              <a:rPr lang="en-US" b="0" dirty="0">
-                <a:solidFill>
-                  <a:srgbClr val="9CDCFE"/>
-                </a:solidFill>
-                <a:effectLst/>
-                <a:latin typeface="Consolas" panose="020B0609020204030204" pitchFamily="49" charset="0"/>
-              </a:rPr>
-              <a:t>g</a:t>
-            </a:r>
-            <a:r>
-              <a:rPr lang="en-US" b="0" dirty="0">
-                <a:solidFill>
-                  <a:srgbClr val="D4D4D4"/>
-                </a:solidFill>
-                <a:effectLst/>
-                <a:latin typeface="Consolas" panose="020B0609020204030204" pitchFamily="49" charset="0"/>
-              </a:rPr>
-              <a:t> = avg;</a:t>
-            </a:r>
-          </a:p>
-          <a:p>
-            <a:pPr lvl="2"/>
-            <a:r>
-              <a:rPr lang="en-US" b="0" dirty="0" err="1">
-                <a:solidFill>
-                  <a:srgbClr val="D4D4D4"/>
-                </a:solidFill>
-                <a:effectLst/>
-                <a:latin typeface="Consolas" panose="020B0609020204030204" pitchFamily="49" charset="0"/>
-              </a:rPr>
-              <a:t>img_ptr</a:t>
-            </a:r>
-            <a:r>
-              <a:rPr lang="en-US" b="0" dirty="0">
-                <a:solidFill>
-                  <a:srgbClr val="D4D4D4"/>
-                </a:solidFill>
-                <a:effectLst/>
-                <a:latin typeface="Consolas" panose="020B0609020204030204" pitchFamily="49" charset="0"/>
-              </a:rPr>
-              <a:t>-&gt;</a:t>
-            </a:r>
-            <a:r>
-              <a:rPr lang="en-US" b="0" dirty="0">
-                <a:solidFill>
-                  <a:srgbClr val="9CDCFE"/>
-                </a:solidFill>
-                <a:effectLst/>
-                <a:latin typeface="Consolas" panose="020B0609020204030204" pitchFamily="49" charset="0"/>
-              </a:rPr>
-              <a:t>b</a:t>
-            </a:r>
-            <a:r>
-              <a:rPr lang="en-US" b="0" dirty="0">
-                <a:solidFill>
-                  <a:srgbClr val="D4D4D4"/>
-                </a:solidFill>
-                <a:effectLst/>
-                <a:latin typeface="Consolas" panose="020B0609020204030204" pitchFamily="49" charset="0"/>
-              </a:rPr>
-              <a:t> = avg;</a:t>
-            </a:r>
-          </a:p>
-          <a:p>
-            <a:pPr lvl="1"/>
-            <a:r>
-              <a:rPr lang="en-US" b="0" dirty="0">
-                <a:solidFill>
-                  <a:srgbClr val="D4D4D4"/>
-                </a:solidFill>
-                <a:effectLst/>
-                <a:latin typeface="Consolas" panose="020B0609020204030204" pitchFamily="49" charset="0"/>
-              </a:rPr>
-              <a:t>}</a:t>
-            </a:r>
-          </a:p>
-          <a:p>
-            <a:r>
-              <a:rPr lang="en-US" b="0" dirty="0">
-                <a:solidFill>
-                  <a:srgbClr val="D4D4D4"/>
-                </a:solidFill>
-                <a:effectLst/>
-                <a:latin typeface="Consolas" panose="020B0609020204030204" pitchFamily="49" charset="0"/>
-              </a:rPr>
-              <a:t>}</a:t>
-            </a:r>
-          </a:p>
-        </p:txBody>
-      </p:sp>
-    </p:spTree>
-    <p:extLst>
-      <p:ext uri="{BB962C8B-B14F-4D97-AF65-F5344CB8AC3E}">
-        <p14:creationId xmlns:p14="http://schemas.microsoft.com/office/powerpoint/2010/main" val="1573913475"/>
-      </p:ext>
-    </p:extLst>
-  </p:cSld>
-  <p:clrMapOvr>
-    <a:masterClrMapping/>
-  </p:clrMapOvr>
-</p:sld>
-</file>
-
 <file path=ppt/slides/slide7.xml><?xml version="1.0" encoding="utf-8"?>
 <p:sld xmlns:a="http://schemas.openxmlformats.org/drawingml/2006/main" xmlns:r="http://schemas.openxmlformats.org/officeDocument/2006/relationships" xmlns:p="http://schemas.openxmlformats.org/presentationml/2006/main">
   <p:cSld>
@@ -13018,18 +14585,19 @@
           <a:lstStyle/>
           <a:p>
             <a:r>
-              <a:rPr lang="en-US" dirty="0"/>
+              <a:rPr lang="en-US"/>
               <a:t>What is Pythonic?</a:t>
             </a:r>
+            <a:endParaRPr lang="en-US" dirty="0"/>
           </a:p>
         </p:txBody>
       </p:sp>
       <p:sp>
         <p:nvSpPr>
-          <p:cNvPr id="3" name="Rectangle 2">
+          <p:cNvPr id="6" name="Rectangle 5">
             <a:extLst>
               <a:ext uri="{FF2B5EF4-FFF2-40B4-BE49-F238E27FC236}">
-                <a16:creationId xmlns:a16="http://schemas.microsoft.com/office/drawing/2014/main" id="{A9F20ACF-CC0F-40F8-B87A-9BF20AF2D7E5}"/>
+                <a16:creationId xmlns:a16="http://schemas.microsoft.com/office/drawing/2014/main" id="{4933B25F-4A4D-4849-9312-91F46A46737D}"/>
               </a:ext>
             </a:extLst>
           </p:cNvPr>
@@ -13038,8 +14606,8 @@
         </p:nvSpPr>
         <p:spPr>
           <a:xfrm>
-            <a:off x="2362985" y="2736502"/>
-            <a:ext cx="7466029" cy="1384995"/>
+            <a:off x="1720687" y="1414562"/>
+            <a:ext cx="8586951" cy="5355312"/>
           </a:xfrm>
           <a:prstGeom prst="rect">
             <a:avLst/>
@@ -13055,16 +14623,16 @@
           <a:lstStyle/>
           <a:p>
             <a:r>
-              <a:rPr lang="pt-BR" sz="2800" b="0" dirty="0">
+              <a:rPr lang="en-US" b="0" dirty="0">
                 <a:solidFill>
                   <a:srgbClr val="608B4E"/>
                 </a:solidFill>
                 <a:effectLst/>
                 <a:latin typeface="Consolas" panose="020B0609020204030204" pitchFamily="49" charset="0"/>
               </a:rPr>
-              <a:t>// C++17</a:t>
-            </a:r>
-            <a:endParaRPr lang="pt-BR" sz="2800" b="0" dirty="0">
+              <a:t>/* ANSI C */</a:t>
+            </a:r>
+            <a:endParaRPr lang="en-US" b="0" dirty="0">
               <a:solidFill>
                 <a:srgbClr val="D4D4D4"/>
               </a:solidFill>
@@ -13074,17 +14642,400 @@
           </a:p>
           <a:p>
             <a:r>
-              <a:rPr lang="pt-BR" sz="2800" b="0" dirty="0">
+              <a:rPr lang="en-US" b="0" dirty="0">
+                <a:solidFill>
+                  <a:srgbClr val="569CD6"/>
+                </a:solidFill>
+                <a:effectLst/>
+                <a:latin typeface="Consolas" panose="020B0609020204030204" pitchFamily="49" charset="0"/>
+              </a:rPr>
+              <a:t>typedef</a:t>
+            </a:r>
+            <a:r>
+              <a:rPr lang="en-US" b="0" dirty="0">
+                <a:solidFill>
+                  <a:srgbClr val="D4D4D4"/>
+                </a:solidFill>
+                <a:effectLst/>
+                <a:latin typeface="Consolas" panose="020B0609020204030204" pitchFamily="49" charset="0"/>
+              </a:rPr>
+              <a:t> </a:t>
+            </a:r>
+            <a:r>
+              <a:rPr lang="en-US" b="0" dirty="0">
+                <a:solidFill>
+                  <a:srgbClr val="569CD6"/>
+                </a:solidFill>
+                <a:effectLst/>
+                <a:latin typeface="Consolas" panose="020B0609020204030204" pitchFamily="49" charset="0"/>
+              </a:rPr>
+              <a:t>struct</a:t>
+            </a:r>
+            <a:r>
+              <a:rPr lang="en-US" b="0" dirty="0">
+                <a:solidFill>
+                  <a:srgbClr val="D4D4D4"/>
+                </a:solidFill>
+                <a:effectLst/>
+                <a:latin typeface="Consolas" panose="020B0609020204030204" pitchFamily="49" charset="0"/>
+              </a:rPr>
+              <a:t> </a:t>
+            </a:r>
+            <a:r>
+              <a:rPr lang="en-US" b="0" dirty="0" err="1">
+                <a:solidFill>
+                  <a:srgbClr val="4EC9B0"/>
+                </a:solidFill>
+                <a:effectLst/>
+                <a:latin typeface="Consolas" panose="020B0609020204030204" pitchFamily="49" charset="0"/>
+              </a:rPr>
+              <a:t>Pixel_t</a:t>
+            </a:r>
+            <a:r>
+              <a:rPr lang="en-US" b="0" dirty="0">
+                <a:solidFill>
+                  <a:srgbClr val="D4D4D4"/>
+                </a:solidFill>
+                <a:effectLst/>
+                <a:latin typeface="Consolas" panose="020B0609020204030204" pitchFamily="49" charset="0"/>
+              </a:rPr>
+              <a:t>{</a:t>
+            </a:r>
+          </a:p>
+          <a:p>
+            <a:pPr lvl="1"/>
+            <a:r>
+              <a:rPr lang="en-US" b="0" dirty="0">
+                <a:solidFill>
+                  <a:srgbClr val="569CD6"/>
+                </a:solidFill>
+                <a:effectLst/>
+                <a:latin typeface="Consolas" panose="020B0609020204030204" pitchFamily="49" charset="0"/>
+              </a:rPr>
+              <a:t>unsigned</a:t>
+            </a:r>
+            <a:r>
+              <a:rPr lang="en-US" b="0" dirty="0">
+                <a:solidFill>
+                  <a:srgbClr val="D4D4D4"/>
+                </a:solidFill>
+                <a:effectLst/>
+                <a:latin typeface="Consolas" panose="020B0609020204030204" pitchFamily="49" charset="0"/>
+              </a:rPr>
+              <a:t> </a:t>
+            </a:r>
+            <a:r>
+              <a:rPr lang="en-US" b="0" dirty="0">
+                <a:solidFill>
+                  <a:srgbClr val="569CD6"/>
+                </a:solidFill>
+                <a:effectLst/>
+                <a:latin typeface="Consolas" panose="020B0609020204030204" pitchFamily="49" charset="0"/>
+              </a:rPr>
+              <a:t>char</a:t>
+            </a:r>
+            <a:r>
+              <a:rPr lang="en-US" b="0" dirty="0">
+                <a:solidFill>
+                  <a:srgbClr val="D4D4D4"/>
+                </a:solidFill>
+                <a:effectLst/>
+                <a:latin typeface="Consolas" panose="020B0609020204030204" pitchFamily="49" charset="0"/>
+              </a:rPr>
+              <a:t> r;</a:t>
+            </a:r>
+          </a:p>
+          <a:p>
+            <a:pPr lvl="1"/>
+            <a:r>
+              <a:rPr lang="en-US" b="0" dirty="0">
+                <a:solidFill>
+                  <a:srgbClr val="569CD6"/>
+                </a:solidFill>
+                <a:effectLst/>
+                <a:latin typeface="Consolas" panose="020B0609020204030204" pitchFamily="49" charset="0"/>
+              </a:rPr>
+              <a:t>unsigned</a:t>
+            </a:r>
+            <a:r>
+              <a:rPr lang="en-US" b="0" dirty="0">
+                <a:solidFill>
+                  <a:srgbClr val="D4D4D4"/>
+                </a:solidFill>
+                <a:effectLst/>
+                <a:latin typeface="Consolas" panose="020B0609020204030204" pitchFamily="49" charset="0"/>
+              </a:rPr>
+              <a:t> </a:t>
+            </a:r>
+            <a:r>
+              <a:rPr lang="en-US" b="0" dirty="0">
+                <a:solidFill>
+                  <a:srgbClr val="569CD6"/>
+                </a:solidFill>
+                <a:effectLst/>
+                <a:latin typeface="Consolas" panose="020B0609020204030204" pitchFamily="49" charset="0"/>
+              </a:rPr>
+              <a:t>char</a:t>
+            </a:r>
+            <a:r>
+              <a:rPr lang="en-US" b="0" dirty="0">
+                <a:solidFill>
+                  <a:srgbClr val="D4D4D4"/>
+                </a:solidFill>
+                <a:effectLst/>
+                <a:latin typeface="Consolas" panose="020B0609020204030204" pitchFamily="49" charset="0"/>
+              </a:rPr>
+              <a:t> g;</a:t>
+            </a:r>
+          </a:p>
+          <a:p>
+            <a:pPr lvl="1"/>
+            <a:r>
+              <a:rPr lang="en-US" b="0" dirty="0">
+                <a:solidFill>
+                  <a:srgbClr val="569CD6"/>
+                </a:solidFill>
+                <a:effectLst/>
+                <a:latin typeface="Consolas" panose="020B0609020204030204" pitchFamily="49" charset="0"/>
+              </a:rPr>
+              <a:t>unsigned</a:t>
+            </a:r>
+            <a:r>
+              <a:rPr lang="en-US" b="0" dirty="0">
+                <a:solidFill>
+                  <a:srgbClr val="D4D4D4"/>
+                </a:solidFill>
+                <a:effectLst/>
+                <a:latin typeface="Consolas" panose="020B0609020204030204" pitchFamily="49" charset="0"/>
+              </a:rPr>
+              <a:t> </a:t>
+            </a:r>
+            <a:r>
+              <a:rPr lang="en-US" b="0" dirty="0">
+                <a:solidFill>
+                  <a:srgbClr val="569CD6"/>
+                </a:solidFill>
+                <a:effectLst/>
+                <a:latin typeface="Consolas" panose="020B0609020204030204" pitchFamily="49" charset="0"/>
+              </a:rPr>
+              <a:t>char</a:t>
+            </a:r>
+            <a:r>
+              <a:rPr lang="en-US" b="0" dirty="0">
+                <a:solidFill>
+                  <a:srgbClr val="D4D4D4"/>
+                </a:solidFill>
+                <a:effectLst/>
+                <a:latin typeface="Consolas" panose="020B0609020204030204" pitchFamily="49" charset="0"/>
+              </a:rPr>
+              <a:t> b;</a:t>
+            </a:r>
+          </a:p>
+          <a:p>
+            <a:r>
+              <a:rPr lang="en-US" b="0" dirty="0">
+                <a:solidFill>
+                  <a:srgbClr val="D4D4D4"/>
+                </a:solidFill>
+                <a:effectLst/>
+                <a:latin typeface="Consolas" panose="020B0609020204030204" pitchFamily="49" charset="0"/>
+              </a:rPr>
+              <a:t>} </a:t>
+            </a:r>
+            <a:r>
+              <a:rPr lang="en-US" b="0" dirty="0" err="1">
+                <a:solidFill>
+                  <a:srgbClr val="4EC9B0"/>
+                </a:solidFill>
+                <a:effectLst/>
+                <a:latin typeface="Consolas" panose="020B0609020204030204" pitchFamily="49" charset="0"/>
+              </a:rPr>
+              <a:t>Pixel_t</a:t>
+            </a:r>
+            <a:r>
+              <a:rPr lang="en-US" b="0" dirty="0">
+                <a:solidFill>
+                  <a:srgbClr val="D4D4D4"/>
+                </a:solidFill>
+                <a:effectLst/>
+                <a:latin typeface="Consolas" panose="020B0609020204030204" pitchFamily="49" charset="0"/>
+              </a:rPr>
+              <a:t>;</a:t>
+            </a:r>
+          </a:p>
+          <a:p>
+            <a:br>
+              <a:rPr lang="en-US" b="0" dirty="0">
+                <a:solidFill>
+                  <a:srgbClr val="D4D4D4"/>
+                </a:solidFill>
+                <a:effectLst/>
+                <a:latin typeface="Consolas" panose="020B0609020204030204" pitchFamily="49" charset="0"/>
+              </a:rPr>
+            </a:br>
+            <a:r>
+              <a:rPr lang="en-US" b="0" dirty="0">
                 <a:solidFill>
                   <a:srgbClr val="C586C0"/>
                 </a:solidFill>
                 <a:effectLst/>
                 <a:latin typeface="Consolas" panose="020B0609020204030204" pitchFamily="49" charset="0"/>
               </a:rPr>
+              <a:t>#pragma</a:t>
+            </a:r>
+            <a:r>
+              <a:rPr lang="en-US" b="0" dirty="0">
+                <a:solidFill>
+                  <a:srgbClr val="569CD6"/>
+                </a:solidFill>
+                <a:effectLst/>
+                <a:latin typeface="Consolas" panose="020B0609020204030204" pitchFamily="49" charset="0"/>
+              </a:rPr>
+              <a:t> </a:t>
+            </a:r>
+            <a:r>
+              <a:rPr lang="en-US" b="0" dirty="0">
+                <a:solidFill>
+                  <a:srgbClr val="9CDCFE"/>
+                </a:solidFill>
+                <a:effectLst/>
+                <a:latin typeface="Consolas" panose="020B0609020204030204" pitchFamily="49" charset="0"/>
+              </a:rPr>
+              <a:t>alias</a:t>
+            </a:r>
+            <a:r>
+              <a:rPr lang="en-US" b="0" dirty="0">
+                <a:solidFill>
+                  <a:srgbClr val="569CD6"/>
+                </a:solidFill>
+                <a:effectLst/>
+                <a:latin typeface="Consolas" panose="020B0609020204030204" pitchFamily="49" charset="0"/>
+              </a:rPr>
+              <a:t>(</a:t>
+            </a:r>
+            <a:r>
+              <a:rPr lang="en-US" b="0" dirty="0" err="1">
+                <a:solidFill>
+                  <a:srgbClr val="9CDCFE"/>
+                </a:solidFill>
+                <a:effectLst/>
+                <a:latin typeface="Consolas" panose="020B0609020204030204" pitchFamily="49" charset="0"/>
+              </a:rPr>
+              <a:t>image</a:t>
+            </a:r>
+            <a:r>
+              <a:rPr lang="en-US" b="0" dirty="0" err="1">
+                <a:solidFill>
+                  <a:srgbClr val="569CD6"/>
+                </a:solidFill>
+                <a:effectLst/>
+                <a:latin typeface="Consolas" panose="020B0609020204030204" pitchFamily="49" charset="0"/>
+              </a:rPr>
+              <a:t>,</a:t>
+            </a:r>
+            <a:r>
+              <a:rPr lang="en-US" b="0" dirty="0" err="1">
+                <a:solidFill>
+                  <a:srgbClr val="9CDCFE"/>
+                </a:solidFill>
+                <a:effectLst/>
+                <a:latin typeface="Consolas" panose="020B0609020204030204" pitchFamily="49" charset="0"/>
+              </a:rPr>
+              <a:t>img_ptr</a:t>
+            </a:r>
+            <a:r>
+              <a:rPr lang="en-US" b="0" dirty="0">
+                <a:solidFill>
+                  <a:srgbClr val="569CD6"/>
+                </a:solidFill>
+                <a:effectLst/>
+                <a:latin typeface="Consolas" panose="020B0609020204030204" pitchFamily="49" charset="0"/>
+              </a:rPr>
+              <a:t>)</a:t>
+            </a:r>
+            <a:endParaRPr lang="en-US" b="0" dirty="0">
+              <a:solidFill>
+                <a:srgbClr val="D4D4D4"/>
+              </a:solidFill>
+              <a:effectLst/>
+              <a:latin typeface="Consolas" panose="020B0609020204030204" pitchFamily="49" charset="0"/>
+            </a:endParaRPr>
+          </a:p>
+          <a:p>
+            <a:r>
+              <a:rPr lang="en-US" b="0" dirty="0">
+                <a:solidFill>
+                  <a:srgbClr val="569CD6"/>
+                </a:solidFill>
+                <a:effectLst/>
+                <a:latin typeface="Consolas" panose="020B0609020204030204" pitchFamily="49" charset="0"/>
+              </a:rPr>
+              <a:t>register</a:t>
+            </a:r>
+            <a:r>
+              <a:rPr lang="en-US" b="0" dirty="0">
+                <a:solidFill>
+                  <a:srgbClr val="D4D4D4"/>
+                </a:solidFill>
+                <a:effectLst/>
+                <a:latin typeface="Consolas" panose="020B0609020204030204" pitchFamily="49" charset="0"/>
+              </a:rPr>
+              <a:t> </a:t>
+            </a:r>
+            <a:r>
+              <a:rPr lang="en-US" b="0" dirty="0" err="1">
+                <a:solidFill>
+                  <a:srgbClr val="4EC9B0"/>
+                </a:solidFill>
+                <a:effectLst/>
+                <a:latin typeface="Consolas" panose="020B0609020204030204" pitchFamily="49" charset="0"/>
+              </a:rPr>
+              <a:t>Pixel_t</a:t>
+            </a:r>
+            <a:r>
+              <a:rPr lang="en-US" b="0" dirty="0">
+                <a:solidFill>
+                  <a:srgbClr val="D4D4D4"/>
+                </a:solidFill>
+                <a:effectLst/>
+                <a:latin typeface="Consolas" panose="020B0609020204030204" pitchFamily="49" charset="0"/>
+              </a:rPr>
+              <a:t> * _Restrict </a:t>
+            </a:r>
+            <a:r>
+              <a:rPr lang="en-US" b="0" dirty="0" err="1">
+                <a:solidFill>
+                  <a:srgbClr val="D4D4D4"/>
+                </a:solidFill>
+                <a:effectLst/>
+                <a:latin typeface="Consolas" panose="020B0609020204030204" pitchFamily="49" charset="0"/>
+              </a:rPr>
+              <a:t>img_ptr</a:t>
+            </a:r>
+            <a:r>
+              <a:rPr lang="en-US" b="0" dirty="0">
+                <a:solidFill>
+                  <a:srgbClr val="D4D4D4"/>
+                </a:solidFill>
+                <a:effectLst/>
+                <a:latin typeface="Consolas" panose="020B0609020204030204" pitchFamily="49" charset="0"/>
+              </a:rPr>
+              <a:t> = &amp;image;</a:t>
+            </a:r>
+          </a:p>
+          <a:p>
+            <a:r>
+              <a:rPr lang="en-US" b="0" dirty="0">
+                <a:solidFill>
+                  <a:srgbClr val="C586C0"/>
+                </a:solidFill>
+                <a:effectLst/>
+                <a:latin typeface="Consolas" panose="020B0609020204030204" pitchFamily="49" charset="0"/>
+              </a:rPr>
               <a:t>for</a:t>
             </a:r>
             <a:r>
-              <a:rPr lang="pt-BR" sz="2800" b="0" dirty="0">
+              <a:rPr lang="en-US" b="0" dirty="0">
                 <a:solidFill>
                   <a:srgbClr val="D4D4D4"/>
                 </a:solidFill>
@@ -13094,39 +15045,446 @@
               <a:t> (</a:t>
             </a:r>
             <a:r>
-              <a:rPr lang="pt-BR" sz="2800" b="0" dirty="0">
+              <a:rPr lang="en-US" b="0" dirty="0">
+                <a:solidFill>
+                  <a:srgbClr val="4EC9B0"/>
+                </a:solidFill>
+                <a:effectLst/>
+                <a:latin typeface="Consolas" panose="020B0609020204030204" pitchFamily="49" charset="0"/>
+              </a:rPr>
+              <a:t>uint32fast_t</a:t>
+            </a:r>
+            <a:r>
+              <a:rPr lang="en-US" b="0" dirty="0">
+                <a:solidFill>
+                  <a:srgbClr val="D4D4D4"/>
+                </a:solidFill>
+                <a:effectLst/>
+                <a:latin typeface="Consolas" panose="020B0609020204030204" pitchFamily="49" charset="0"/>
+              </a:rPr>
+              <a:t> </a:t>
+            </a:r>
+            <a:r>
+              <a:rPr lang="en-US" b="0" dirty="0" err="1">
+                <a:solidFill>
+                  <a:srgbClr val="D4D4D4"/>
+                </a:solidFill>
+                <a:effectLst/>
+                <a:latin typeface="Consolas" panose="020B0609020204030204" pitchFamily="49" charset="0"/>
+              </a:rPr>
+              <a:t>i</a:t>
+            </a:r>
+            <a:r>
+              <a:rPr lang="en-US" b="0" dirty="0">
+                <a:solidFill>
+                  <a:srgbClr val="D4D4D4"/>
+                </a:solidFill>
+                <a:effectLst/>
+                <a:latin typeface="Consolas" panose="020B0609020204030204" pitchFamily="49" charset="0"/>
+              </a:rPr>
+              <a:t> = </a:t>
+            </a:r>
+            <a:r>
+              <a:rPr lang="en-US" b="0" dirty="0">
+                <a:solidFill>
+                  <a:srgbClr val="B5CEA8"/>
+                </a:solidFill>
+                <a:effectLst/>
+                <a:latin typeface="Consolas" panose="020B0609020204030204" pitchFamily="49" charset="0"/>
+              </a:rPr>
+              <a:t>0</a:t>
+            </a:r>
+            <a:r>
+              <a:rPr lang="en-US" b="0" dirty="0">
+                <a:solidFill>
+                  <a:srgbClr val="D4D4D4"/>
+                </a:solidFill>
+                <a:effectLst/>
+                <a:latin typeface="Consolas" panose="020B0609020204030204" pitchFamily="49" charset="0"/>
+              </a:rPr>
+              <a:t>; </a:t>
+            </a:r>
+            <a:r>
+              <a:rPr lang="en-US" b="0" dirty="0" err="1">
+                <a:solidFill>
+                  <a:srgbClr val="D4D4D4"/>
+                </a:solidFill>
+                <a:effectLst/>
+                <a:latin typeface="Consolas" panose="020B0609020204030204" pitchFamily="49" charset="0"/>
+              </a:rPr>
+              <a:t>i</a:t>
+            </a:r>
+            <a:r>
+              <a:rPr lang="en-US" b="0" dirty="0">
+                <a:solidFill>
+                  <a:srgbClr val="D4D4D4"/>
+                </a:solidFill>
+                <a:effectLst/>
+                <a:latin typeface="Consolas" panose="020B0609020204030204" pitchFamily="49" charset="0"/>
+              </a:rPr>
+              <a:t> &lt; </a:t>
+            </a:r>
+            <a:r>
+              <a:rPr lang="en-US" b="0" dirty="0" err="1">
+                <a:solidFill>
+                  <a:srgbClr val="D4D4D4"/>
+                </a:solidFill>
+                <a:effectLst/>
+                <a:latin typeface="Consolas" panose="020B0609020204030204" pitchFamily="49" charset="0"/>
+              </a:rPr>
+              <a:t>descriptor.height</a:t>
+            </a:r>
+            <a:r>
+              <a:rPr lang="en-US" b="0" dirty="0">
+                <a:solidFill>
+                  <a:srgbClr val="D4D4D4"/>
+                </a:solidFill>
+                <a:effectLst/>
+                <a:latin typeface="Consolas" panose="020B0609020204030204" pitchFamily="49" charset="0"/>
+              </a:rPr>
+              <a:t>; ++</a:t>
+            </a:r>
+            <a:r>
+              <a:rPr lang="en-US" b="0" dirty="0" err="1">
+                <a:solidFill>
+                  <a:srgbClr val="D4D4D4"/>
+                </a:solidFill>
+                <a:effectLst/>
+                <a:latin typeface="Consolas" panose="020B0609020204030204" pitchFamily="49" charset="0"/>
+              </a:rPr>
+              <a:t>i</a:t>
+            </a:r>
+            <a:r>
+              <a:rPr lang="en-US" b="0" dirty="0">
+                <a:solidFill>
+                  <a:srgbClr val="D4D4D4"/>
+                </a:solidFill>
+                <a:effectLst/>
+                <a:latin typeface="Consolas" panose="020B0609020204030204" pitchFamily="49" charset="0"/>
+              </a:rPr>
+              <a:t>) {</a:t>
+            </a:r>
+          </a:p>
+          <a:p>
+            <a:pPr lvl="1"/>
+            <a:r>
+              <a:rPr lang="en-US" b="0" dirty="0">
+                <a:solidFill>
+                  <a:srgbClr val="C586C0"/>
+                </a:solidFill>
+                <a:effectLst/>
+                <a:latin typeface="Consolas" panose="020B0609020204030204" pitchFamily="49" charset="0"/>
+              </a:rPr>
+              <a:t>for</a:t>
+            </a:r>
+            <a:r>
+              <a:rPr lang="en-US" b="0" dirty="0">
+                <a:solidFill>
+                  <a:srgbClr val="D4D4D4"/>
+                </a:solidFill>
+                <a:effectLst/>
+                <a:latin typeface="Consolas" panose="020B0609020204030204" pitchFamily="49" charset="0"/>
+              </a:rPr>
+              <a:t> (</a:t>
+            </a:r>
+            <a:r>
+              <a:rPr lang="en-US" b="0" dirty="0">
+                <a:solidFill>
+                  <a:srgbClr val="4EC9B0"/>
+                </a:solidFill>
+                <a:effectLst/>
+                <a:latin typeface="Consolas" panose="020B0609020204030204" pitchFamily="49" charset="0"/>
+              </a:rPr>
+              <a:t>uint32fast_t</a:t>
+            </a:r>
+            <a:r>
+              <a:rPr lang="en-US" b="0" dirty="0">
+                <a:solidFill>
+                  <a:srgbClr val="D4D4D4"/>
+                </a:solidFill>
+                <a:effectLst/>
+                <a:latin typeface="Consolas" panose="020B0609020204030204" pitchFamily="49" charset="0"/>
+              </a:rPr>
+              <a:t> j = </a:t>
+            </a:r>
+            <a:r>
+              <a:rPr lang="en-US" b="0" dirty="0">
+                <a:solidFill>
+                  <a:srgbClr val="B5CEA8"/>
+                </a:solidFill>
+                <a:effectLst/>
+                <a:latin typeface="Consolas" panose="020B0609020204030204" pitchFamily="49" charset="0"/>
+              </a:rPr>
+              <a:t>0</a:t>
+            </a:r>
+            <a:r>
+              <a:rPr lang="en-US" b="0" dirty="0">
+                <a:solidFill>
+                  <a:srgbClr val="D4D4D4"/>
+                </a:solidFill>
+                <a:effectLst/>
+                <a:latin typeface="Consolas" panose="020B0609020204030204" pitchFamily="49" charset="0"/>
+              </a:rPr>
+              <a:t>; j &lt; </a:t>
+            </a:r>
+            <a:r>
+              <a:rPr lang="en-US" b="0" dirty="0" err="1">
+                <a:solidFill>
+                  <a:srgbClr val="D4D4D4"/>
+                </a:solidFill>
+                <a:effectLst/>
+                <a:latin typeface="Consolas" panose="020B0609020204030204" pitchFamily="49" charset="0"/>
+              </a:rPr>
+              <a:t>descriptor.</a:t>
+            </a:r>
+            <a:r>
+              <a:rPr lang="en-US" b="0" dirty="0" err="1">
+                <a:solidFill>
+                  <a:srgbClr val="9CDCFE"/>
+                </a:solidFill>
+                <a:effectLst/>
+                <a:latin typeface="Consolas" panose="020B0609020204030204" pitchFamily="49" charset="0"/>
+              </a:rPr>
+              <a:t>width</a:t>
+            </a:r>
+            <a:r>
+              <a:rPr lang="en-US" b="0" dirty="0">
+                <a:solidFill>
+                  <a:srgbClr val="D4D4D4"/>
+                </a:solidFill>
+                <a:effectLst/>
+                <a:latin typeface="Consolas" panose="020B0609020204030204" pitchFamily="49" charset="0"/>
+              </a:rPr>
+              <a:t>; ++j) {</a:t>
+            </a:r>
+          </a:p>
+          <a:p>
+            <a:pPr lvl="2"/>
+            <a:r>
+              <a:rPr lang="en-US" b="0" dirty="0" err="1">
+                <a:solidFill>
+                  <a:srgbClr val="D4D4D4"/>
+                </a:solidFill>
+                <a:effectLst/>
+                <a:latin typeface="Consolas" panose="020B0609020204030204" pitchFamily="49" charset="0"/>
+              </a:rPr>
+              <a:t>img_ptr</a:t>
+            </a:r>
+            <a:r>
+              <a:rPr lang="en-US" b="0" dirty="0">
+                <a:solidFill>
+                  <a:srgbClr val="D4D4D4"/>
+                </a:solidFill>
+                <a:effectLst/>
+                <a:latin typeface="Consolas" panose="020B0609020204030204" pitchFamily="49" charset="0"/>
+              </a:rPr>
+              <a:t> = image[</a:t>
+            </a:r>
+            <a:r>
+              <a:rPr lang="en-US" b="0" dirty="0" err="1">
+                <a:solidFill>
+                  <a:srgbClr val="D4D4D4"/>
+                </a:solidFill>
+                <a:effectLst/>
+                <a:latin typeface="Consolas" panose="020B0609020204030204" pitchFamily="49" charset="0"/>
+              </a:rPr>
+              <a:t>i</a:t>
+            </a:r>
+            <a:r>
+              <a:rPr lang="en-US" b="0" dirty="0">
+                <a:solidFill>
+                  <a:srgbClr val="D4D4D4"/>
+                </a:solidFill>
+                <a:effectLst/>
+                <a:latin typeface="Consolas" panose="020B0609020204030204" pitchFamily="49" charset="0"/>
+              </a:rPr>
+              <a:t>*</a:t>
+            </a:r>
+            <a:r>
+              <a:rPr lang="en-US" b="0" dirty="0" err="1">
+                <a:solidFill>
+                  <a:srgbClr val="D4D4D4"/>
+                </a:solidFill>
+                <a:effectLst/>
+                <a:latin typeface="Consolas" panose="020B0609020204030204" pitchFamily="49" charset="0"/>
+              </a:rPr>
+              <a:t>descriptor.</a:t>
+            </a:r>
+            <a:r>
+              <a:rPr lang="en-US" b="0" dirty="0" err="1">
+                <a:solidFill>
+                  <a:srgbClr val="9CDCFE"/>
+                </a:solidFill>
+                <a:effectLst/>
+                <a:latin typeface="Consolas" panose="020B0609020204030204" pitchFamily="49" charset="0"/>
+              </a:rPr>
+              <a:t>width</a:t>
+            </a:r>
+            <a:r>
+              <a:rPr lang="en-US" b="0" dirty="0" err="1">
+                <a:solidFill>
+                  <a:srgbClr val="D4D4D4"/>
+                </a:solidFill>
+                <a:effectLst/>
+                <a:latin typeface="Consolas" panose="020B0609020204030204" pitchFamily="49" charset="0"/>
+              </a:rPr>
+              <a:t>+j</a:t>
+            </a:r>
+            <a:r>
+              <a:rPr lang="en-US" b="0" dirty="0">
+                <a:solidFill>
+                  <a:srgbClr val="D4D4D4"/>
+                </a:solidFill>
+                <a:effectLst/>
+                <a:latin typeface="Consolas" panose="020B0609020204030204" pitchFamily="49" charset="0"/>
+              </a:rPr>
+              <a:t>] ;</a:t>
+            </a:r>
+          </a:p>
+          <a:p>
+            <a:pPr lvl="2"/>
+            <a:r>
+              <a:rPr lang="en-US" b="0" dirty="0">
                 <a:solidFill>
                   <a:srgbClr val="569CD6"/>
                 </a:solidFill>
                 <a:effectLst/>
                 <a:latin typeface="Consolas" panose="020B0609020204030204" pitchFamily="49" charset="0"/>
               </a:rPr>
-              <a:t>auto</a:t>
-            </a:r>
-            <a:r>
-              <a:rPr lang="pt-BR" sz="2800" b="0" dirty="0">
-                <a:solidFill>
-                  <a:srgbClr val="D4D4D4"/>
-                </a:solidFill>
-                <a:effectLst/>
-                <a:latin typeface="Consolas" panose="020B0609020204030204" pitchFamily="49" charset="0"/>
-              </a:rPr>
-              <a:t>[&amp;r,&amp;g,&amp;b] : image)</a:t>
-            </a:r>
-          </a:p>
-          <a:p>
-            <a:r>
-              <a:rPr lang="pt-BR" sz="2800" b="0" dirty="0">
-                <a:solidFill>
-                  <a:srgbClr val="D4D4D4"/>
-                </a:solidFill>
-                <a:effectLst/>
-                <a:latin typeface="Consolas" panose="020B0609020204030204" pitchFamily="49" charset="0"/>
-              </a:rPr>
-              <a:t>	r = g = b = (r + g + b)/</a:t>
-            </a:r>
-            <a:r>
-              <a:rPr lang="pt-BR" sz="2800" b="0" dirty="0">
+              <a:t>register</a:t>
+            </a:r>
+            <a:r>
+              <a:rPr lang="en-US" b="0" dirty="0">
+                <a:solidFill>
+                  <a:srgbClr val="D4D4D4"/>
+                </a:solidFill>
+                <a:effectLst/>
+                <a:latin typeface="Consolas" panose="020B0609020204030204" pitchFamily="49" charset="0"/>
+              </a:rPr>
+              <a:t> avg = (</a:t>
+            </a:r>
+            <a:r>
+              <a:rPr lang="en-US" b="0" dirty="0" err="1">
+                <a:solidFill>
+                  <a:srgbClr val="D4D4D4"/>
+                </a:solidFill>
+                <a:effectLst/>
+                <a:latin typeface="Consolas" panose="020B0609020204030204" pitchFamily="49" charset="0"/>
+              </a:rPr>
+              <a:t>img_ptr</a:t>
+            </a:r>
+            <a:r>
+              <a:rPr lang="en-US" b="0" dirty="0">
+                <a:solidFill>
+                  <a:srgbClr val="D4D4D4"/>
+                </a:solidFill>
+                <a:effectLst/>
+                <a:latin typeface="Consolas" panose="020B0609020204030204" pitchFamily="49" charset="0"/>
+              </a:rPr>
+              <a:t>-&gt;</a:t>
+            </a:r>
+            <a:r>
+              <a:rPr lang="en-US" b="0" dirty="0">
+                <a:solidFill>
+                  <a:srgbClr val="9CDCFE"/>
+                </a:solidFill>
+                <a:effectLst/>
+                <a:latin typeface="Consolas" panose="020B0609020204030204" pitchFamily="49" charset="0"/>
+              </a:rPr>
+              <a:t>r</a:t>
+            </a:r>
+            <a:r>
+              <a:rPr lang="en-US" b="0" dirty="0">
+                <a:solidFill>
+                  <a:srgbClr val="D4D4D4"/>
+                </a:solidFill>
+                <a:effectLst/>
+                <a:latin typeface="Consolas" panose="020B0609020204030204" pitchFamily="49" charset="0"/>
+              </a:rPr>
+              <a:t> + </a:t>
+            </a:r>
+            <a:r>
+              <a:rPr lang="en-US" b="0" dirty="0" err="1">
+                <a:solidFill>
+                  <a:srgbClr val="D4D4D4"/>
+                </a:solidFill>
+                <a:effectLst/>
+                <a:latin typeface="Consolas" panose="020B0609020204030204" pitchFamily="49" charset="0"/>
+              </a:rPr>
+              <a:t>img_ptr</a:t>
+            </a:r>
+            <a:r>
+              <a:rPr lang="en-US" b="0" dirty="0">
+                <a:solidFill>
+                  <a:srgbClr val="D4D4D4"/>
+                </a:solidFill>
+                <a:effectLst/>
+                <a:latin typeface="Consolas" panose="020B0609020204030204" pitchFamily="49" charset="0"/>
+              </a:rPr>
+              <a:t>-&gt;</a:t>
+            </a:r>
+            <a:r>
+              <a:rPr lang="en-US" b="0" dirty="0">
+                <a:solidFill>
+                  <a:srgbClr val="9CDCFE"/>
+                </a:solidFill>
+                <a:effectLst/>
+                <a:latin typeface="Consolas" panose="020B0609020204030204" pitchFamily="49" charset="0"/>
+              </a:rPr>
+              <a:t>g</a:t>
+            </a:r>
+            <a:r>
+              <a:rPr lang="en-US" b="0" dirty="0">
+                <a:solidFill>
+                  <a:srgbClr val="D4D4D4"/>
+                </a:solidFill>
+                <a:effectLst/>
+                <a:latin typeface="Consolas" panose="020B0609020204030204" pitchFamily="49" charset="0"/>
+              </a:rPr>
+              <a:t> + </a:t>
+            </a:r>
+            <a:r>
+              <a:rPr lang="en-US" b="0" dirty="0" err="1">
+                <a:solidFill>
+                  <a:srgbClr val="D4D4D4"/>
+                </a:solidFill>
+                <a:effectLst/>
+                <a:latin typeface="Consolas" panose="020B0609020204030204" pitchFamily="49" charset="0"/>
+              </a:rPr>
+              <a:t>img_ptr</a:t>
+            </a:r>
+            <a:r>
+              <a:rPr lang="en-US" b="0" dirty="0">
+                <a:solidFill>
+                  <a:srgbClr val="D4D4D4"/>
+                </a:solidFill>
+                <a:effectLst/>
+                <a:latin typeface="Consolas" panose="020B0609020204030204" pitchFamily="49" charset="0"/>
+              </a:rPr>
+              <a:t>-&gt;</a:t>
+            </a:r>
+            <a:r>
+              <a:rPr lang="en-US" b="0" dirty="0">
+                <a:solidFill>
+                  <a:srgbClr val="9CDCFE"/>
+                </a:solidFill>
+                <a:effectLst/>
+                <a:latin typeface="Consolas" panose="020B0609020204030204" pitchFamily="49" charset="0"/>
+              </a:rPr>
+              <a:t>b</a:t>
+            </a:r>
+            <a:r>
+              <a:rPr lang="en-US" b="0" dirty="0">
+                <a:solidFill>
+                  <a:srgbClr val="D4D4D4"/>
+                </a:solidFill>
+                <a:effectLst/>
+                <a:latin typeface="Consolas" panose="020B0609020204030204" pitchFamily="49" charset="0"/>
+              </a:rPr>
+              <a:t>)/</a:t>
+            </a:r>
+            <a:r>
+              <a:rPr lang="en-US" b="0" dirty="0">
                 <a:solidFill>
                   <a:srgbClr val="B5CEA8"/>
                 </a:solidFill>
@@ -13136,7 +15494,7 @@
               <a:t>3</a:t>
             </a:r>
             <a:r>
-              <a:rPr lang="pt-BR" sz="2800" b="0" dirty="0">
+              <a:rPr lang="en-US" b="0" dirty="0">
                 <a:solidFill>
                   <a:srgbClr val="D4D4D4"/>
                 </a:solidFill>
@@ -13144,6 +15502,170 @@
                 <a:latin typeface="Consolas" panose="020B0609020204030204" pitchFamily="49" charset="0"/>
               </a:rPr>
               <a:t>;</a:t>
+            </a:r>
+          </a:p>
+          <a:p>
+            <a:pPr lvl="2"/>
+            <a:endParaRPr lang="en-US" b="0" dirty="0">
+              <a:solidFill>
+                <a:srgbClr val="D4D4D4"/>
+              </a:solidFill>
+              <a:effectLst/>
+              <a:latin typeface="Consolas" panose="020B0609020204030204" pitchFamily="49" charset="0"/>
+            </a:endParaRPr>
+          </a:p>
+          <a:p>
+            <a:pPr lvl="2"/>
+            <a:r>
+              <a:rPr lang="en-US" b="0" dirty="0" err="1">
+                <a:solidFill>
+                  <a:srgbClr val="D4D4D4"/>
+                </a:solidFill>
+                <a:effectLst/>
+                <a:latin typeface="Consolas" panose="020B0609020204030204" pitchFamily="49" charset="0"/>
+              </a:rPr>
+              <a:t>img_ptr</a:t>
+            </a:r>
+            <a:r>
+              <a:rPr lang="en-US" b="0" dirty="0">
+                <a:solidFill>
+                  <a:srgbClr val="D4D4D4"/>
+                </a:solidFill>
+                <a:effectLst/>
+                <a:latin typeface="Consolas" panose="020B0609020204030204" pitchFamily="49" charset="0"/>
+              </a:rPr>
+              <a:t>-&gt;</a:t>
+            </a:r>
+            <a:r>
+              <a:rPr lang="en-US" b="0" dirty="0">
+                <a:solidFill>
+                  <a:srgbClr val="9CDCFE"/>
+                </a:solidFill>
+                <a:effectLst/>
+                <a:latin typeface="Consolas" panose="020B0609020204030204" pitchFamily="49" charset="0"/>
+              </a:rPr>
+              <a:t>r</a:t>
+            </a:r>
+            <a:r>
+              <a:rPr lang="en-US" b="0" dirty="0">
+                <a:solidFill>
+                  <a:srgbClr val="D4D4D4"/>
+                </a:solidFill>
+                <a:effectLst/>
+                <a:latin typeface="Consolas" panose="020B0609020204030204" pitchFamily="49" charset="0"/>
+              </a:rPr>
+              <a:t> = avg;</a:t>
+            </a:r>
+          </a:p>
+          <a:p>
+            <a:pPr lvl="2"/>
+            <a:r>
+              <a:rPr lang="en-US" b="0" dirty="0" err="1">
+                <a:solidFill>
+                  <a:srgbClr val="D4D4D4"/>
+                </a:solidFill>
+                <a:effectLst/>
+                <a:latin typeface="Consolas" panose="020B0609020204030204" pitchFamily="49" charset="0"/>
+              </a:rPr>
+              <a:t>img_ptr</a:t>
+            </a:r>
+            <a:r>
+              <a:rPr lang="en-US" b="0" dirty="0">
+                <a:solidFill>
+                  <a:srgbClr val="D4D4D4"/>
+                </a:solidFill>
+                <a:effectLst/>
+                <a:latin typeface="Consolas" panose="020B0609020204030204" pitchFamily="49" charset="0"/>
+              </a:rPr>
+              <a:t>-&gt;</a:t>
+            </a:r>
+            <a:r>
+              <a:rPr lang="en-US" b="0" dirty="0">
+                <a:solidFill>
+                  <a:srgbClr val="9CDCFE"/>
+                </a:solidFill>
+                <a:effectLst/>
+                <a:latin typeface="Consolas" panose="020B0609020204030204" pitchFamily="49" charset="0"/>
+              </a:rPr>
+              <a:t>g</a:t>
+            </a:r>
+            <a:r>
+              <a:rPr lang="en-US" b="0" dirty="0">
+                <a:solidFill>
+                  <a:srgbClr val="D4D4D4"/>
+                </a:solidFill>
+                <a:effectLst/>
+                <a:latin typeface="Consolas" panose="020B0609020204030204" pitchFamily="49" charset="0"/>
+              </a:rPr>
+              <a:t> = avg;</a:t>
+            </a:r>
+          </a:p>
+          <a:p>
+            <a:pPr lvl="2"/>
+            <a:r>
+              <a:rPr lang="en-US" b="0" dirty="0" err="1">
+                <a:solidFill>
+                  <a:srgbClr val="D4D4D4"/>
+                </a:solidFill>
+                <a:effectLst/>
+                <a:latin typeface="Consolas" panose="020B0609020204030204" pitchFamily="49" charset="0"/>
+              </a:rPr>
+              <a:t>img_ptr</a:t>
+            </a:r>
+            <a:r>
+              <a:rPr lang="en-US" b="0" dirty="0">
+                <a:solidFill>
+                  <a:srgbClr val="D4D4D4"/>
+                </a:solidFill>
+                <a:effectLst/>
+                <a:latin typeface="Consolas" panose="020B0609020204030204" pitchFamily="49" charset="0"/>
+              </a:rPr>
+              <a:t>-&gt;</a:t>
+            </a:r>
+            <a:r>
+              <a:rPr lang="en-US" b="0" dirty="0">
+                <a:solidFill>
+                  <a:srgbClr val="9CDCFE"/>
+                </a:solidFill>
+                <a:effectLst/>
+                <a:latin typeface="Consolas" panose="020B0609020204030204" pitchFamily="49" charset="0"/>
+              </a:rPr>
+              <a:t>b</a:t>
+            </a:r>
+            <a:r>
+              <a:rPr lang="en-US" b="0" dirty="0">
+                <a:solidFill>
+                  <a:srgbClr val="D4D4D4"/>
+                </a:solidFill>
+                <a:effectLst/>
+                <a:latin typeface="Consolas" panose="020B0609020204030204" pitchFamily="49" charset="0"/>
+              </a:rPr>
+              <a:t> = avg;</a:t>
+            </a:r>
+          </a:p>
+          <a:p>
+            <a:pPr lvl="1"/>
+            <a:r>
+              <a:rPr lang="en-US" b="0" dirty="0">
+                <a:solidFill>
+                  <a:srgbClr val="D4D4D4"/>
+                </a:solidFill>
+                <a:effectLst/>
+                <a:latin typeface="Consolas" panose="020B0609020204030204" pitchFamily="49" charset="0"/>
+              </a:rPr>
+              <a:t>}</a:t>
+            </a:r>
+          </a:p>
+          <a:p>
+            <a:r>
+              <a:rPr lang="en-US" b="0" dirty="0">
+                <a:solidFill>
+                  <a:srgbClr val="D4D4D4"/>
+                </a:solidFill>
+                <a:effectLst/>
+                <a:latin typeface="Consolas" panose="020B0609020204030204" pitchFamily="49" charset="0"/>
+              </a:rPr>
+              <a:t>}</a:t>
             </a:r>
           </a:p>
         </p:txBody>
@@ -13151,7 +15673,7 @@
     </p:spTree>
     <p:extLst>
       <p:ext uri="{BB962C8B-B14F-4D97-AF65-F5344CB8AC3E}">
-        <p14:creationId xmlns:p14="http://schemas.microsoft.com/office/powerpoint/2010/main" val="1250076011"/>
+        <p14:creationId xmlns:p14="http://schemas.microsoft.com/office/powerpoint/2010/main" val="1573913475"/>
       </p:ext>
     </p:extLst>
   </p:cSld>
@@ -13196,6 +15718,193 @@
         </p:nvSpPr>
         <p:spPr>
           <a:xfrm>
+            <a:off x="838200" y="365125"/>
+            <a:ext cx="10515600" cy="1325563"/>
+          </a:xfrm>
+        </p:spPr>
+        <p:txBody>
+          <a:bodyPr/>
+          <a:lstStyle/>
+          <a:p>
+            <a:r>
+              <a:rPr lang="en-US" dirty="0"/>
+              <a:t>What is Pythonic?</a:t>
+            </a:r>
+          </a:p>
+        </p:txBody>
+      </p:sp>
+      <p:sp>
+        <p:nvSpPr>
+          <p:cNvPr id="3" name="Rectangle 2">
+            <a:extLst>
+              <a:ext uri="{FF2B5EF4-FFF2-40B4-BE49-F238E27FC236}">
+                <a16:creationId xmlns:a16="http://schemas.microsoft.com/office/drawing/2014/main" id="{A9F20ACF-CC0F-40F8-B87A-9BF20AF2D7E5}"/>
+              </a:ext>
+            </a:extLst>
+          </p:cNvPr>
+          <p:cNvSpPr/>
+          <p:nvPr/>
+        </p:nvSpPr>
+        <p:spPr>
+          <a:xfrm>
+            <a:off x="2362985" y="2736502"/>
+            <a:ext cx="7466029" cy="1384995"/>
+          </a:xfrm>
+          <a:prstGeom prst="rect">
+            <a:avLst/>
+          </a:prstGeom>
+          <a:solidFill>
+            <a:schemeClr val="tx1"/>
+          </a:solidFill>
+        </p:spPr>
+        <p:txBody>
+          <a:bodyPr wrap="square">
+            <a:spAutoFit/>
+          </a:bodyPr>
+          <a:lstStyle/>
+          <a:p>
+            <a:r>
+              <a:rPr lang="pt-BR" sz="2800" b="0" dirty="0">
+                <a:solidFill>
+                  <a:srgbClr val="608B4E"/>
+                </a:solidFill>
+                <a:effectLst/>
+                <a:latin typeface="Consolas" panose="020B0609020204030204" pitchFamily="49" charset="0"/>
+              </a:rPr>
+              <a:t>// C++17</a:t>
+            </a:r>
+            <a:endParaRPr lang="pt-BR" sz="2800" b="0" dirty="0">
+              <a:solidFill>
+                <a:srgbClr val="D4D4D4"/>
+              </a:solidFill>
+              <a:effectLst/>
+              <a:latin typeface="Consolas" panose="020B0609020204030204" pitchFamily="49" charset="0"/>
+            </a:endParaRPr>
+          </a:p>
+          <a:p>
+            <a:r>
+              <a:rPr lang="pt-BR" sz="2800" b="0" dirty="0">
+                <a:solidFill>
+                  <a:srgbClr val="C586C0"/>
+                </a:solidFill>
+                <a:effectLst/>
+                <a:latin typeface="Consolas" panose="020B0609020204030204" pitchFamily="49" charset="0"/>
+              </a:rPr>
+              <a:t>for</a:t>
+            </a:r>
+            <a:r>
+              <a:rPr lang="pt-BR" sz="2800" b="0" dirty="0">
+                <a:solidFill>
+                  <a:srgbClr val="D4D4D4"/>
+                </a:solidFill>
+                <a:effectLst/>
+                <a:latin typeface="Consolas" panose="020B0609020204030204" pitchFamily="49" charset="0"/>
+              </a:rPr>
+              <a:t> (</a:t>
+            </a:r>
+            <a:r>
+              <a:rPr lang="pt-BR" sz="2800" b="0" dirty="0">
+                <a:solidFill>
+                  <a:srgbClr val="569CD6"/>
+                </a:solidFill>
+                <a:effectLst/>
+                <a:latin typeface="Consolas" panose="020B0609020204030204" pitchFamily="49" charset="0"/>
+              </a:rPr>
+              <a:t>auto</a:t>
+            </a:r>
+            <a:r>
+              <a:rPr lang="pt-BR" sz="2800" b="0" dirty="0">
+                <a:solidFill>
+                  <a:srgbClr val="D4D4D4"/>
+                </a:solidFill>
+                <a:effectLst/>
+                <a:latin typeface="Consolas" panose="020B0609020204030204" pitchFamily="49" charset="0"/>
+              </a:rPr>
+              <a:t>[&amp;r,&amp;g,&amp;b] : image)</a:t>
+            </a:r>
+          </a:p>
+          <a:p>
+            <a:r>
+              <a:rPr lang="pt-BR" sz="2800" b="0" dirty="0">
+                <a:solidFill>
+                  <a:srgbClr val="D4D4D4"/>
+                </a:solidFill>
+                <a:effectLst/>
+                <a:latin typeface="Consolas" panose="020B0609020204030204" pitchFamily="49" charset="0"/>
+              </a:rPr>
+              <a:t>	r = g = b = (r + g + b)/</a:t>
+            </a:r>
+            <a:r>
+              <a:rPr lang="pt-BR" sz="2800" b="0" dirty="0">
+                <a:solidFill>
+                  <a:srgbClr val="B5CEA8"/>
+                </a:solidFill>
+                <a:effectLst/>
+                <a:latin typeface="Consolas" panose="020B0609020204030204" pitchFamily="49" charset="0"/>
+              </a:rPr>
+              <a:t>3</a:t>
+            </a:r>
+            <a:r>
+              <a:rPr lang="pt-BR" sz="2800" b="0" dirty="0">
+                <a:solidFill>
+                  <a:srgbClr val="D4D4D4"/>
+                </a:solidFill>
+                <a:effectLst/>
+                <a:latin typeface="Consolas" panose="020B0609020204030204" pitchFamily="49" charset="0"/>
+              </a:rPr>
+              <a:t>;</a:t>
+            </a:r>
+          </a:p>
+        </p:txBody>
+      </p:sp>
+    </p:spTree>
+    <p:extLst>
+      <p:ext uri="{BB962C8B-B14F-4D97-AF65-F5344CB8AC3E}">
+        <p14:creationId xmlns:p14="http://schemas.microsoft.com/office/powerpoint/2010/main" val="1250076011"/>
+      </p:ext>
+    </p:extLst>
+  </p:cSld>
+  <p:clrMapOvr>
+    <a:masterClrMapping/>
+  </p:clrMapOvr>
+</p:sld>
+</file>
+
+<file path=ppt/slides/slide9.xml><?xml version="1.0" encoding="utf-8"?>
+<p:sld xmlns:a="http://schemas.openxmlformats.org/drawingml/2006/main" xmlns:r="http://schemas.openxmlformats.org/officeDocument/2006/relationships" xmlns:p="http://schemas.openxmlformats.org/presentationml/2006/main">
+  <p:cSld>
+    <p:spTree>
+      <p:nvGrpSpPr>
+        <p:cNvPr id="1" name=""/>
+        <p:cNvGrpSpPr/>
+        <p:nvPr/>
+      </p:nvGrpSpPr>
+      <p:grpSpPr>
+        <a:xfrm>
+          <a:off x="0" y="0"/>
+          <a:ext cx="0" cy="0"/>
+          <a:chOff x="0" y="0"/>
+          <a:chExt cx="0" cy="0"/>
+        </a:xfrm>
+      </p:grpSpPr>
+      <p:sp>
+        <p:nvSpPr>
+          <p:cNvPr id="2" name="Title 1">
+            <a:extLst>
+              <a:ext uri="{FF2B5EF4-FFF2-40B4-BE49-F238E27FC236}">
+                <a16:creationId xmlns:a16="http://schemas.microsoft.com/office/drawing/2014/main" id="{773ADA71-BE00-487C-A565-26ADE9D040C6}"/>
+              </a:ext>
+            </a:extLst>
+          </p:cNvPr>
+          <p:cNvSpPr>
+            <a:spLocks noGrp="1"/>
+          </p:cNvSpPr>
+          <p:nvPr>
+            <p:ph type="title"/>
+          </p:nvPr>
+        </p:nvSpPr>
+        <p:spPr>
+          <a:xfrm>
             <a:off x="838200" y="5257170"/>
             <a:ext cx="10515600" cy="1325563"/>
           </a:xfrm>
@@ -13332,1025 +16041,6 @@
     <p:extLst>
       <p:ext uri="{BB962C8B-B14F-4D97-AF65-F5344CB8AC3E}">
         <p14:creationId xmlns:p14="http://schemas.microsoft.com/office/powerpoint/2010/main" val="589346045"/>
-      </p:ext>
-    </p:extLst>
-  </p:cSld>
-  <p:clrMapOvr>
-    <a:masterClrMapping/>
-  </p:clrMapOvr>
-</p:sld>
-</file>
-
-<file path=ppt/slides/slide9.xml><?xml version="1.0" encoding="utf-8"?>
-<p:sld xmlns:a="http://schemas.openxmlformats.org/drawingml/2006/main" xmlns:r="http://schemas.openxmlformats.org/officeDocument/2006/relationships" xmlns:p="http://schemas.openxmlformats.org/presentationml/2006/main">
-  <p:cSld>
-    <p:spTree>
-      <p:nvGrpSpPr>
-        <p:cNvPr id="1" name=""/>
-        <p:cNvGrpSpPr/>
-        <p:nvPr/>
-      </p:nvGrpSpPr>
-      <p:grpSpPr>
-        <a:xfrm>
-          <a:off x="0" y="0"/>
-          <a:ext cx="0" cy="0"/>
-          <a:chOff x="0" y="0"/>
-          <a:chExt cx="0" cy="0"/>
-        </a:xfrm>
-      </p:grpSpPr>
-      <p:sp>
-        <p:nvSpPr>
-          <p:cNvPr id="6" name="Rectangle 5">
-            <a:extLst>
-              <a:ext uri="{FF2B5EF4-FFF2-40B4-BE49-F238E27FC236}">
-                <a16:creationId xmlns:a16="http://schemas.microsoft.com/office/drawing/2014/main" id="{38642486-3E44-4BA5-AAA2-EFF6EF58DEA4}"/>
-              </a:ext>
-            </a:extLst>
-          </p:cNvPr>
-          <p:cNvSpPr/>
-          <p:nvPr/>
-        </p:nvSpPr>
-        <p:spPr>
-          <a:xfrm>
-            <a:off x="1904214" y="1291579"/>
-            <a:ext cx="9379671" cy="5355312"/>
-          </a:xfrm>
-          <a:prstGeom prst="rect">
-            <a:avLst/>
-          </a:prstGeom>
-          <a:solidFill>
-            <a:schemeClr val="tx1"/>
-          </a:solidFill>
-        </p:spPr>
-        <p:txBody>
-          <a:bodyPr wrap="square">
-            <a:spAutoFit/>
-          </a:bodyPr>
-          <a:lstStyle/>
-          <a:p>
-            <a:r>
-              <a:rPr lang="en-US" b="0" dirty="0">
-                <a:solidFill>
-                  <a:srgbClr val="608B4E"/>
-                </a:solidFill>
-                <a:effectLst/>
-                <a:latin typeface="Consolas" panose="020B0609020204030204" pitchFamily="49" charset="0"/>
-              </a:rPr>
-              <a:t>// C++11 &amp; Boost library thread pool</a:t>
-            </a:r>
-            <a:endParaRPr lang="en-US" b="0" dirty="0">
-              <a:solidFill>
-                <a:srgbClr val="D4D4D4"/>
-              </a:solidFill>
-              <a:effectLst/>
-              <a:latin typeface="Consolas" panose="020B0609020204030204" pitchFamily="49" charset="0"/>
-            </a:endParaRPr>
-          </a:p>
-          <a:p>
-            <a:r>
-              <a:rPr lang="en-US" b="0" dirty="0">
-                <a:solidFill>
-                  <a:srgbClr val="C586C0"/>
-                </a:solidFill>
-                <a:effectLst/>
-                <a:latin typeface="Consolas" panose="020B0609020204030204" pitchFamily="49" charset="0"/>
-              </a:rPr>
-              <a:t>#include</a:t>
-            </a:r>
-            <a:r>
-              <a:rPr lang="en-US" b="0" dirty="0">
-                <a:solidFill>
-                  <a:srgbClr val="569CD6"/>
-                </a:solidFill>
-                <a:effectLst/>
-                <a:latin typeface="Consolas" panose="020B0609020204030204" pitchFamily="49" charset="0"/>
-              </a:rPr>
-              <a:t> </a:t>
-            </a:r>
-            <a:r>
-              <a:rPr lang="en-US" b="0" dirty="0">
-                <a:solidFill>
-                  <a:srgbClr val="CE9178"/>
-                </a:solidFill>
-                <a:effectLst/>
-                <a:latin typeface="Consolas" panose="020B0609020204030204" pitchFamily="49" charset="0"/>
-              </a:rPr>
-              <a:t>&lt;</a:t>
-            </a:r>
-            <a:r>
-              <a:rPr lang="en-US" b="0" dirty="0" err="1">
-                <a:solidFill>
-                  <a:srgbClr val="CE9178"/>
-                </a:solidFill>
-                <a:effectLst/>
-                <a:latin typeface="Consolas" panose="020B0609020204030204" pitchFamily="49" charset="0"/>
-              </a:rPr>
-              <a:t>ctpl.h</a:t>
-            </a:r>
-            <a:r>
-              <a:rPr lang="en-US" b="0" dirty="0">
-                <a:solidFill>
-                  <a:srgbClr val="CE9178"/>
-                </a:solidFill>
-                <a:effectLst/>
-                <a:latin typeface="Consolas" panose="020B0609020204030204" pitchFamily="49" charset="0"/>
-              </a:rPr>
-              <a:t>&gt;</a:t>
-            </a:r>
-            <a:r>
-              <a:rPr lang="en-US" b="0" dirty="0">
-                <a:solidFill>
-                  <a:srgbClr val="569CD6"/>
-                </a:solidFill>
-                <a:effectLst/>
-                <a:latin typeface="Consolas" panose="020B0609020204030204" pitchFamily="49" charset="0"/>
-              </a:rPr>
-              <a:t> </a:t>
-            </a:r>
-            <a:endParaRPr lang="en-US" b="0" dirty="0">
-              <a:solidFill>
-                <a:srgbClr val="D4D4D4"/>
-              </a:solidFill>
-              <a:effectLst/>
-              <a:latin typeface="Consolas" panose="020B0609020204030204" pitchFamily="49" charset="0"/>
-            </a:endParaRPr>
-          </a:p>
-          <a:p>
-            <a:r>
-              <a:rPr lang="en-US" b="0" dirty="0">
-                <a:solidFill>
-                  <a:srgbClr val="C586C0"/>
-                </a:solidFill>
-                <a:effectLst/>
-                <a:latin typeface="Consolas" panose="020B0609020204030204" pitchFamily="49" charset="0"/>
-              </a:rPr>
-              <a:t>#define</a:t>
-            </a:r>
-            <a:r>
-              <a:rPr lang="en-US" b="0" dirty="0">
-                <a:solidFill>
-                  <a:srgbClr val="569CD6"/>
-                </a:solidFill>
-                <a:effectLst/>
-                <a:latin typeface="Consolas" panose="020B0609020204030204" pitchFamily="49" charset="0"/>
-              </a:rPr>
-              <a:t> </a:t>
-            </a:r>
-            <a:r>
-              <a:rPr lang="en-US" b="0" dirty="0">
-                <a:solidFill>
-                  <a:srgbClr val="DCDCAA"/>
-                </a:solidFill>
-                <a:effectLst/>
-                <a:latin typeface="Consolas" panose="020B0609020204030204" pitchFamily="49" charset="0"/>
-              </a:rPr>
-              <a:t>N</a:t>
-            </a:r>
-            <a:r>
-              <a:rPr lang="en-US" b="0" dirty="0">
-                <a:solidFill>
-                  <a:srgbClr val="569CD6"/>
-                </a:solidFill>
-                <a:effectLst/>
-                <a:latin typeface="Consolas" panose="020B0609020204030204" pitchFamily="49" charset="0"/>
-              </a:rPr>
-              <a:t> </a:t>
-            </a:r>
-            <a:r>
-              <a:rPr lang="en-US" b="0" dirty="0">
-                <a:solidFill>
-                  <a:srgbClr val="B5CEA8"/>
-                </a:solidFill>
-                <a:effectLst/>
-                <a:latin typeface="Consolas" panose="020B0609020204030204" pitchFamily="49" charset="0"/>
-              </a:rPr>
-              <a:t>64</a:t>
-            </a:r>
-          </a:p>
-          <a:p>
-            <a:endParaRPr lang="en-US" b="0" dirty="0">
-              <a:solidFill>
-                <a:srgbClr val="D4D4D4"/>
-              </a:solidFill>
-              <a:effectLst/>
-              <a:latin typeface="Consolas" panose="020B0609020204030204" pitchFamily="49" charset="0"/>
-            </a:endParaRPr>
-          </a:p>
-          <a:p>
-            <a:r>
-              <a:rPr lang="en-US" b="0" dirty="0" err="1">
-                <a:solidFill>
-                  <a:srgbClr val="D4D4D4"/>
-                </a:solidFill>
-                <a:effectLst/>
-                <a:latin typeface="Consolas" panose="020B0609020204030204" pitchFamily="49" charset="0"/>
-              </a:rPr>
-              <a:t>ctpl</a:t>
-            </a:r>
-            <a:r>
-              <a:rPr lang="en-US" b="0" dirty="0">
-                <a:solidFill>
-                  <a:srgbClr val="D4D4D4"/>
-                </a:solidFill>
-                <a:effectLst/>
-                <a:latin typeface="Consolas" panose="020B0609020204030204" pitchFamily="49" charset="0"/>
-              </a:rPr>
-              <a:t>::</a:t>
-            </a:r>
-            <a:r>
-              <a:rPr lang="en-US" b="0" dirty="0" err="1">
-                <a:solidFill>
-                  <a:srgbClr val="D4D4D4"/>
-                </a:solidFill>
-                <a:effectLst/>
-                <a:latin typeface="Consolas" panose="020B0609020204030204" pitchFamily="49" charset="0"/>
-              </a:rPr>
-              <a:t>thread_pool</a:t>
-            </a:r>
-            <a:r>
-              <a:rPr lang="en-US" b="0" dirty="0">
-                <a:solidFill>
-                  <a:srgbClr val="D4D4D4"/>
-                </a:solidFill>
-                <a:effectLst/>
-                <a:latin typeface="Consolas" panose="020B0609020204030204" pitchFamily="49" charset="0"/>
-              </a:rPr>
-              <a:t> </a:t>
-            </a:r>
-            <a:r>
-              <a:rPr lang="en-US" b="0" dirty="0">
-                <a:solidFill>
-                  <a:srgbClr val="DCDCAA"/>
-                </a:solidFill>
-                <a:effectLst/>
-                <a:latin typeface="Consolas" panose="020B0609020204030204" pitchFamily="49" charset="0"/>
-              </a:rPr>
-              <a:t>p</a:t>
-            </a:r>
-            <a:r>
-              <a:rPr lang="en-US" b="0" dirty="0">
-                <a:solidFill>
-                  <a:srgbClr val="D4D4D4"/>
-                </a:solidFill>
-                <a:effectLst/>
-                <a:latin typeface="Consolas" panose="020B0609020204030204" pitchFamily="49" charset="0"/>
-              </a:rPr>
-              <a:t>(N);</a:t>
-            </a:r>
-          </a:p>
-          <a:p>
-            <a:r>
-              <a:rPr lang="en-US" b="0" dirty="0">
-                <a:solidFill>
-                  <a:srgbClr val="569CD6"/>
-                </a:solidFill>
-                <a:effectLst/>
-                <a:latin typeface="Consolas" panose="020B0609020204030204" pitchFamily="49" charset="0"/>
-              </a:rPr>
-              <a:t>double</a:t>
-            </a:r>
-            <a:r>
-              <a:rPr lang="en-US" b="0" dirty="0">
-                <a:solidFill>
-                  <a:srgbClr val="D4D4D4"/>
-                </a:solidFill>
-                <a:effectLst/>
-                <a:latin typeface="Consolas" panose="020B0609020204030204" pitchFamily="49" charset="0"/>
-              </a:rPr>
-              <a:t> </a:t>
-            </a:r>
-            <a:r>
-              <a:rPr lang="en-US" b="0" dirty="0" err="1">
-                <a:solidFill>
-                  <a:srgbClr val="D4D4D4"/>
-                </a:solidFill>
-                <a:effectLst/>
-                <a:latin typeface="Consolas" panose="020B0609020204030204" pitchFamily="49" charset="0"/>
-              </a:rPr>
-              <a:t>partial_sum</a:t>
-            </a:r>
-            <a:r>
-              <a:rPr lang="en-US" b="0" dirty="0">
-                <a:solidFill>
-                  <a:srgbClr val="D4D4D4"/>
-                </a:solidFill>
-                <a:effectLst/>
-                <a:latin typeface="Consolas" panose="020B0609020204030204" pitchFamily="49" charset="0"/>
-              </a:rPr>
-              <a:t>[N] = {</a:t>
-            </a:r>
-            <a:r>
-              <a:rPr lang="en-US" b="0" dirty="0">
-                <a:solidFill>
-                  <a:srgbClr val="B5CEA8"/>
-                </a:solidFill>
-                <a:effectLst/>
-                <a:latin typeface="Consolas" panose="020B0609020204030204" pitchFamily="49" charset="0"/>
-              </a:rPr>
-              <a:t>0</a:t>
-            </a:r>
-            <a:r>
-              <a:rPr lang="en-US" b="0" dirty="0">
-                <a:solidFill>
-                  <a:srgbClr val="D4D4D4"/>
-                </a:solidFill>
-                <a:effectLst/>
-                <a:latin typeface="Consolas" panose="020B0609020204030204" pitchFamily="49" charset="0"/>
-              </a:rPr>
-              <a:t>};</a:t>
-            </a:r>
-          </a:p>
-          <a:p>
-            <a:r>
-              <a:rPr lang="en-US" b="0" dirty="0">
-                <a:solidFill>
-                  <a:srgbClr val="D4D4D4"/>
-                </a:solidFill>
-                <a:effectLst/>
-                <a:latin typeface="Consolas" panose="020B0609020204030204" pitchFamily="49" charset="0"/>
-              </a:rPr>
-              <a:t>vector&lt;future&lt;</a:t>
-            </a:r>
-            <a:r>
-              <a:rPr lang="en-US" b="0" dirty="0">
-                <a:solidFill>
-                  <a:srgbClr val="569CD6"/>
-                </a:solidFill>
-                <a:effectLst/>
-                <a:latin typeface="Consolas" panose="020B0609020204030204" pitchFamily="49" charset="0"/>
-              </a:rPr>
-              <a:t>void</a:t>
-            </a:r>
-            <a:r>
-              <a:rPr lang="en-US" b="0" dirty="0">
-                <a:solidFill>
-                  <a:srgbClr val="D4D4D4"/>
-                </a:solidFill>
-                <a:effectLst/>
-                <a:latin typeface="Consolas" panose="020B0609020204030204" pitchFamily="49" charset="0"/>
-              </a:rPr>
-              <a:t>&gt;&gt; </a:t>
-            </a:r>
-            <a:r>
-              <a:rPr lang="en-US" b="0" dirty="0">
-                <a:solidFill>
-                  <a:srgbClr val="DCDCAA"/>
-                </a:solidFill>
-                <a:effectLst/>
-                <a:latin typeface="Consolas" panose="020B0609020204030204" pitchFamily="49" charset="0"/>
-              </a:rPr>
-              <a:t>results</a:t>
-            </a:r>
-            <a:r>
-              <a:rPr lang="en-US" b="0" dirty="0">
-                <a:solidFill>
-                  <a:srgbClr val="D4D4D4"/>
-                </a:solidFill>
-                <a:effectLst/>
-                <a:latin typeface="Consolas" panose="020B0609020204030204" pitchFamily="49" charset="0"/>
-              </a:rPr>
-              <a:t>(N);</a:t>
-            </a:r>
-          </a:p>
-          <a:p>
-            <a:br>
-              <a:rPr lang="en-US" b="0" dirty="0">
-                <a:solidFill>
-                  <a:srgbClr val="D4D4D4"/>
-                </a:solidFill>
-                <a:effectLst/>
-                <a:latin typeface="Consolas" panose="020B0609020204030204" pitchFamily="49" charset="0"/>
-              </a:rPr>
-            </a:br>
-            <a:r>
-              <a:rPr lang="en-US" b="0" dirty="0">
-                <a:solidFill>
-                  <a:srgbClr val="608B4E"/>
-                </a:solidFill>
-                <a:effectLst/>
-                <a:latin typeface="Consolas" panose="020B0609020204030204" pitchFamily="49" charset="0"/>
-              </a:rPr>
-              <a:t>/*Launch threads */</a:t>
-            </a:r>
-            <a:endParaRPr lang="en-US" b="0" dirty="0">
-              <a:solidFill>
-                <a:srgbClr val="D4D4D4"/>
-              </a:solidFill>
-              <a:effectLst/>
-              <a:latin typeface="Consolas" panose="020B0609020204030204" pitchFamily="49" charset="0"/>
-            </a:endParaRPr>
-          </a:p>
-          <a:p>
-            <a:r>
-              <a:rPr lang="en-US" b="0" dirty="0">
-                <a:solidFill>
-                  <a:srgbClr val="C586C0"/>
-                </a:solidFill>
-                <a:effectLst/>
-                <a:latin typeface="Consolas" panose="020B0609020204030204" pitchFamily="49" charset="0"/>
-              </a:rPr>
-              <a:t>for</a:t>
-            </a:r>
-            <a:r>
-              <a:rPr lang="en-US" b="0" dirty="0">
-                <a:solidFill>
-                  <a:srgbClr val="D4D4D4"/>
-                </a:solidFill>
-                <a:effectLst/>
-                <a:latin typeface="Consolas" panose="020B0609020204030204" pitchFamily="49" charset="0"/>
-              </a:rPr>
-              <a:t> (</a:t>
-            </a:r>
-            <a:r>
-              <a:rPr lang="en-US" b="0" dirty="0">
-                <a:solidFill>
-                  <a:srgbClr val="569CD6"/>
-                </a:solidFill>
-                <a:effectLst/>
-                <a:latin typeface="Consolas" panose="020B0609020204030204" pitchFamily="49" charset="0"/>
-              </a:rPr>
-              <a:t>int</a:t>
-            </a:r>
-            <a:r>
-              <a:rPr lang="en-US" b="0" dirty="0">
-                <a:solidFill>
-                  <a:srgbClr val="D4D4D4"/>
-                </a:solidFill>
-                <a:effectLst/>
-                <a:latin typeface="Consolas" panose="020B0609020204030204" pitchFamily="49" charset="0"/>
-              </a:rPr>
-              <a:t> j = </a:t>
-            </a:r>
-            <a:r>
-              <a:rPr lang="en-US" b="0" dirty="0">
-                <a:solidFill>
-                  <a:srgbClr val="B5CEA8"/>
-                </a:solidFill>
-                <a:effectLst/>
-                <a:latin typeface="Consolas" panose="020B0609020204030204" pitchFamily="49" charset="0"/>
-              </a:rPr>
-              <a:t>0</a:t>
-            </a:r>
-            <a:r>
-              <a:rPr lang="en-US" b="0" dirty="0">
-                <a:solidFill>
-                  <a:srgbClr val="D4D4D4"/>
-                </a:solidFill>
-                <a:effectLst/>
-                <a:latin typeface="Consolas" panose="020B0609020204030204" pitchFamily="49" charset="0"/>
-              </a:rPr>
-              <a:t>; j &lt; N; ++j)</a:t>
-            </a:r>
-          </a:p>
-          <a:p>
-            <a:r>
-              <a:rPr lang="en-US" b="0" dirty="0">
-                <a:solidFill>
-                  <a:srgbClr val="608B4E"/>
-                </a:solidFill>
-                <a:effectLst/>
-                <a:latin typeface="Consolas" panose="020B0609020204030204" pitchFamily="49" charset="0"/>
-              </a:rPr>
-              <a:t>	/* Partial sum lambda */</a:t>
-            </a:r>
-            <a:endParaRPr lang="en-US" b="0" dirty="0">
-              <a:solidFill>
-                <a:srgbClr val="D4D4D4"/>
-              </a:solidFill>
-              <a:effectLst/>
-              <a:latin typeface="Consolas" panose="020B0609020204030204" pitchFamily="49" charset="0"/>
-            </a:endParaRPr>
-          </a:p>
-          <a:p>
-            <a:r>
-              <a:rPr lang="en-US" b="0" dirty="0">
-                <a:solidFill>
-                  <a:srgbClr val="D4D4D4"/>
-                </a:solidFill>
-                <a:effectLst/>
-                <a:latin typeface="Consolas" panose="020B0609020204030204" pitchFamily="49" charset="0"/>
-              </a:rPr>
-              <a:t>	results[j] = </a:t>
-            </a:r>
-            <a:r>
-              <a:rPr lang="en-US" b="0" dirty="0" err="1">
-                <a:solidFill>
-                  <a:srgbClr val="D4D4D4"/>
-                </a:solidFill>
-                <a:effectLst/>
-                <a:latin typeface="Consolas" panose="020B0609020204030204" pitchFamily="49" charset="0"/>
-              </a:rPr>
-              <a:t>p.</a:t>
-            </a:r>
-            <a:r>
-              <a:rPr lang="en-US" b="0" dirty="0" err="1">
-                <a:solidFill>
-                  <a:srgbClr val="DCDCAA"/>
-                </a:solidFill>
-                <a:effectLst/>
-                <a:latin typeface="Consolas" panose="020B0609020204030204" pitchFamily="49" charset="0"/>
-              </a:rPr>
-              <a:t>push</a:t>
-            </a:r>
-            <a:r>
-              <a:rPr lang="en-US" b="0" dirty="0">
-                <a:solidFill>
-                  <a:srgbClr val="D4D4D4"/>
-                </a:solidFill>
-                <a:effectLst/>
-                <a:latin typeface="Consolas" panose="020B0609020204030204" pitchFamily="49" charset="0"/>
-              </a:rPr>
-              <a:t>([&amp;</a:t>
-            </a:r>
-            <a:r>
-              <a:rPr lang="en-US" b="0" dirty="0" err="1">
-                <a:solidFill>
-                  <a:srgbClr val="D4D4D4"/>
-                </a:solidFill>
-                <a:effectLst/>
-                <a:latin typeface="Consolas" panose="020B0609020204030204" pitchFamily="49" charset="0"/>
-              </a:rPr>
-              <a:t>partial_sum</a:t>
-            </a:r>
-            <a:r>
-              <a:rPr lang="en-US" b="0" dirty="0">
-                <a:solidFill>
-                  <a:srgbClr val="D4D4D4"/>
-                </a:solidFill>
-                <a:effectLst/>
-                <a:latin typeface="Consolas" panose="020B0609020204030204" pitchFamily="49" charset="0"/>
-              </a:rPr>
-              <a:t>, j](</a:t>
-            </a:r>
-            <a:r>
-              <a:rPr lang="en-US" b="0" dirty="0">
-                <a:solidFill>
-                  <a:srgbClr val="569CD6"/>
-                </a:solidFill>
-                <a:effectLst/>
-                <a:latin typeface="Consolas" panose="020B0609020204030204" pitchFamily="49" charset="0"/>
-              </a:rPr>
-              <a:t>int</a:t>
-            </a:r>
-            <a:r>
-              <a:rPr lang="en-US" b="0" dirty="0">
-                <a:solidFill>
-                  <a:srgbClr val="D4D4D4"/>
-                </a:solidFill>
-                <a:effectLst/>
-                <a:latin typeface="Consolas" panose="020B0609020204030204" pitchFamily="49" charset="0"/>
-              </a:rPr>
-              <a:t>){ </a:t>
-            </a:r>
-          </a:p>
-          <a:p>
-            <a:r>
-              <a:rPr lang="en-US" dirty="0">
-                <a:solidFill>
-                  <a:srgbClr val="C586C0"/>
-                </a:solidFill>
-                <a:latin typeface="Consolas" panose="020B0609020204030204" pitchFamily="49" charset="0"/>
-              </a:rPr>
-              <a:t>	</a:t>
-            </a:r>
-            <a:r>
-              <a:rPr lang="en-US" b="0" dirty="0">
-                <a:solidFill>
-                  <a:srgbClr val="C586C0"/>
-                </a:solidFill>
-                <a:effectLst/>
-                <a:latin typeface="Consolas" panose="020B0609020204030204" pitchFamily="49" charset="0"/>
-              </a:rPr>
-              <a:t>for</a:t>
-            </a:r>
-            <a:r>
-              <a:rPr lang="en-US" b="0" dirty="0">
-                <a:solidFill>
-                  <a:srgbClr val="D4D4D4"/>
-                </a:solidFill>
-                <a:effectLst/>
-                <a:latin typeface="Consolas" panose="020B0609020204030204" pitchFamily="49" charset="0"/>
-              </a:rPr>
-              <a:t>(</a:t>
-            </a:r>
-            <a:r>
-              <a:rPr lang="en-US" b="0" dirty="0">
-                <a:solidFill>
-                  <a:srgbClr val="569CD6"/>
-                </a:solidFill>
-                <a:effectLst/>
-                <a:latin typeface="Consolas" panose="020B0609020204030204" pitchFamily="49" charset="0"/>
-              </a:rPr>
-              <a:t>long</a:t>
-            </a:r>
-            <a:r>
-              <a:rPr lang="en-US" b="0" dirty="0">
-                <a:solidFill>
-                  <a:srgbClr val="D4D4D4"/>
-                </a:solidFill>
-                <a:effectLst/>
-                <a:latin typeface="Consolas" panose="020B0609020204030204" pitchFamily="49" charset="0"/>
-              </a:rPr>
-              <a:t> </a:t>
-            </a:r>
-            <a:r>
-              <a:rPr lang="en-US" b="0" dirty="0" err="1">
-                <a:solidFill>
-                  <a:srgbClr val="569CD6"/>
-                </a:solidFill>
-                <a:effectLst/>
-                <a:latin typeface="Consolas" panose="020B0609020204030204" pitchFamily="49" charset="0"/>
-              </a:rPr>
-              <a:t>long</a:t>
-            </a:r>
-            <a:r>
-              <a:rPr lang="en-US" b="0" dirty="0">
-                <a:solidFill>
-                  <a:srgbClr val="D4D4D4"/>
-                </a:solidFill>
-                <a:effectLst/>
-                <a:latin typeface="Consolas" panose="020B0609020204030204" pitchFamily="49" charset="0"/>
-              </a:rPr>
-              <a:t> k=j*WORKLOAD; k&lt;(j+</a:t>
-            </a:r>
-            <a:r>
-              <a:rPr lang="en-US" b="0" dirty="0">
-                <a:solidFill>
-                  <a:srgbClr val="B5CEA8"/>
-                </a:solidFill>
-                <a:effectLst/>
-                <a:latin typeface="Consolas" panose="020B0609020204030204" pitchFamily="49" charset="0"/>
-              </a:rPr>
-              <a:t>1</a:t>
-            </a:r>
-            <a:r>
-              <a:rPr lang="en-US" b="0" dirty="0">
-                <a:solidFill>
-                  <a:srgbClr val="D4D4D4"/>
-                </a:solidFill>
-                <a:effectLst/>
-                <a:latin typeface="Consolas" panose="020B0609020204030204" pitchFamily="49" charset="0"/>
-              </a:rPr>
-              <a:t>)*WORKLOAD*; ++k)</a:t>
-            </a:r>
-          </a:p>
-          <a:p>
-            <a:pPr lvl="2"/>
-            <a:r>
-              <a:rPr lang="en-US" b="0" dirty="0">
-                <a:solidFill>
-                  <a:srgbClr val="D4D4D4"/>
-                </a:solidFill>
-                <a:effectLst/>
-                <a:latin typeface="Consolas" panose="020B0609020204030204" pitchFamily="49" charset="0"/>
-              </a:rPr>
-              <a:t>	</a:t>
-            </a:r>
-            <a:r>
-              <a:rPr lang="en-US" b="0" dirty="0" err="1">
-                <a:solidFill>
-                  <a:srgbClr val="D4D4D4"/>
-                </a:solidFill>
-                <a:effectLst/>
-                <a:latin typeface="Consolas" panose="020B0609020204030204" pitchFamily="49" charset="0"/>
-              </a:rPr>
-              <a:t>partial_sum</a:t>
-            </a:r>
-            <a:r>
-              <a:rPr lang="en-US" b="0" dirty="0">
-                <a:solidFill>
-                  <a:srgbClr val="D4D4D4"/>
-                </a:solidFill>
-                <a:effectLst/>
-                <a:latin typeface="Consolas" panose="020B0609020204030204" pitchFamily="49" charset="0"/>
-              </a:rPr>
-              <a:t>[j]+=(k % </a:t>
-            </a:r>
-            <a:r>
-              <a:rPr lang="en-US" b="0" dirty="0">
-                <a:solidFill>
-                  <a:srgbClr val="B5CEA8"/>
-                </a:solidFill>
-                <a:effectLst/>
-                <a:latin typeface="Consolas" panose="020B0609020204030204" pitchFamily="49" charset="0"/>
-              </a:rPr>
-              <a:t>2</a:t>
-            </a:r>
-            <a:r>
-              <a:rPr lang="en-US" b="0" dirty="0">
-                <a:solidFill>
-                  <a:srgbClr val="D4D4D4"/>
-                </a:solidFill>
-                <a:effectLst/>
-                <a:latin typeface="Consolas" panose="020B0609020204030204" pitchFamily="49" charset="0"/>
-              </a:rPr>
-              <a:t> ? -</a:t>
-            </a:r>
-            <a:r>
-              <a:rPr lang="en-US" b="0" dirty="0">
-                <a:solidFill>
-                  <a:srgbClr val="B5CEA8"/>
-                </a:solidFill>
-                <a:effectLst/>
-                <a:latin typeface="Consolas" panose="020B0609020204030204" pitchFamily="49" charset="0"/>
-              </a:rPr>
-              <a:t>1.0</a:t>
-            </a:r>
-            <a:r>
-              <a:rPr lang="en-US" b="0" dirty="0">
-                <a:solidFill>
-                  <a:srgbClr val="D4D4D4"/>
-                </a:solidFill>
-                <a:effectLst/>
-                <a:latin typeface="Consolas" panose="020B0609020204030204" pitchFamily="49" charset="0"/>
-              </a:rPr>
-              <a:t> : </a:t>
-            </a:r>
-            <a:r>
-              <a:rPr lang="en-US" b="0" dirty="0">
-                <a:solidFill>
-                  <a:srgbClr val="B5CEA8"/>
-                </a:solidFill>
-                <a:effectLst/>
-                <a:latin typeface="Consolas" panose="020B0609020204030204" pitchFamily="49" charset="0"/>
-              </a:rPr>
-              <a:t>1.0</a:t>
-            </a:r>
-            <a:r>
-              <a:rPr lang="en-US" b="0" dirty="0">
-                <a:solidFill>
-                  <a:srgbClr val="D4D4D4"/>
-                </a:solidFill>
-                <a:effectLst/>
-                <a:latin typeface="Consolas" panose="020B0609020204030204" pitchFamily="49" charset="0"/>
-              </a:rPr>
-              <a:t>) / (</a:t>
-            </a:r>
-            <a:r>
-              <a:rPr lang="en-US" b="0" dirty="0">
-                <a:solidFill>
-                  <a:srgbClr val="B5CEA8"/>
-                </a:solidFill>
-                <a:effectLst/>
-                <a:latin typeface="Consolas" panose="020B0609020204030204" pitchFamily="49" charset="0"/>
-              </a:rPr>
-              <a:t>2.0</a:t>
-            </a:r>
-            <a:r>
-              <a:rPr lang="en-US" b="0" dirty="0">
-                <a:solidFill>
-                  <a:srgbClr val="D4D4D4"/>
-                </a:solidFill>
-                <a:effectLst/>
-                <a:latin typeface="Consolas" panose="020B0609020204030204" pitchFamily="49" charset="0"/>
-              </a:rPr>
-              <a:t> * k + </a:t>
-            </a:r>
-            <a:r>
-              <a:rPr lang="en-US" b="0" dirty="0">
-                <a:solidFill>
-                  <a:srgbClr val="B5CEA8"/>
-                </a:solidFill>
-                <a:effectLst/>
-                <a:latin typeface="Consolas" panose="020B0609020204030204" pitchFamily="49" charset="0"/>
-              </a:rPr>
-              <a:t>1.0</a:t>
-            </a:r>
-            <a:r>
-              <a:rPr lang="en-US" b="0" dirty="0">
-                <a:solidFill>
-                  <a:srgbClr val="D4D4D4"/>
-                </a:solidFill>
-                <a:effectLst/>
-                <a:latin typeface="Consolas" panose="020B0609020204030204" pitchFamily="49" charset="0"/>
-              </a:rPr>
-              <a:t>);</a:t>
-            </a:r>
-            <a:endParaRPr lang="en-US" dirty="0">
-              <a:solidFill>
-                <a:srgbClr val="D4D4D4"/>
-              </a:solidFill>
-              <a:latin typeface="Consolas" panose="020B0609020204030204" pitchFamily="49" charset="0"/>
-            </a:endParaRPr>
-          </a:p>
-          <a:p>
-            <a:pPr lvl="2"/>
-            <a:r>
-              <a:rPr lang="en-US" b="0" dirty="0">
-                <a:solidFill>
-                  <a:srgbClr val="D4D4D4"/>
-                </a:solidFill>
-                <a:effectLst/>
-                <a:latin typeface="Consolas" panose="020B0609020204030204" pitchFamily="49" charset="0"/>
-              </a:rPr>
-              <a:t>});</a:t>
-            </a:r>
-          </a:p>
-          <a:p>
-            <a:pPr lvl="2"/>
-            <a:endParaRPr lang="en-US" b="0" dirty="0">
-              <a:solidFill>
-                <a:srgbClr val="D4D4D4"/>
-              </a:solidFill>
-              <a:effectLst/>
-              <a:latin typeface="Consolas" panose="020B0609020204030204" pitchFamily="49" charset="0"/>
-            </a:endParaRPr>
-          </a:p>
-          <a:p>
-            <a:r>
-              <a:rPr lang="en-US" b="0" dirty="0">
-                <a:solidFill>
-                  <a:srgbClr val="569CD6"/>
-                </a:solidFill>
-                <a:effectLst/>
-                <a:latin typeface="Consolas" panose="020B0609020204030204" pitchFamily="49" charset="0"/>
-              </a:rPr>
-              <a:t>double</a:t>
-            </a:r>
-            <a:r>
-              <a:rPr lang="en-US" b="0" dirty="0">
-                <a:solidFill>
-                  <a:srgbClr val="D4D4D4"/>
-                </a:solidFill>
-                <a:effectLst/>
-                <a:latin typeface="Consolas" panose="020B0609020204030204" pitchFamily="49" charset="0"/>
-              </a:rPr>
-              <a:t> </a:t>
-            </a:r>
-            <a:r>
-              <a:rPr lang="en-US" b="0" dirty="0" err="1">
-                <a:solidFill>
-                  <a:srgbClr val="D4D4D4"/>
-                </a:solidFill>
-                <a:effectLst/>
-                <a:latin typeface="Consolas" panose="020B0609020204030204" pitchFamily="49" charset="0"/>
-              </a:rPr>
-              <a:t>final_result</a:t>
-            </a:r>
-            <a:r>
-              <a:rPr lang="en-US" b="0" dirty="0">
-                <a:solidFill>
-                  <a:srgbClr val="D4D4D4"/>
-                </a:solidFill>
-                <a:effectLst/>
-                <a:latin typeface="Consolas" panose="020B0609020204030204" pitchFamily="49" charset="0"/>
-              </a:rPr>
-              <a:t> = 0.0;</a:t>
-            </a:r>
-          </a:p>
-          <a:p>
-            <a:r>
-              <a:rPr lang="en-US" b="0" dirty="0">
-                <a:solidFill>
-                  <a:srgbClr val="C586C0"/>
-                </a:solidFill>
-                <a:effectLst/>
-                <a:latin typeface="Consolas" panose="020B0609020204030204" pitchFamily="49" charset="0"/>
-              </a:rPr>
-              <a:t>for</a:t>
-            </a:r>
-            <a:r>
-              <a:rPr lang="en-US" b="0" dirty="0">
-                <a:solidFill>
-                  <a:srgbClr val="D4D4D4"/>
-                </a:solidFill>
-                <a:effectLst/>
-                <a:latin typeface="Consolas" panose="020B0609020204030204" pitchFamily="49" charset="0"/>
-              </a:rPr>
-              <a:t> (</a:t>
-            </a:r>
-            <a:r>
-              <a:rPr lang="en-US" b="0" dirty="0">
-                <a:solidFill>
-                  <a:srgbClr val="569CD6"/>
-                </a:solidFill>
-                <a:effectLst/>
-                <a:latin typeface="Consolas" panose="020B0609020204030204" pitchFamily="49" charset="0"/>
-              </a:rPr>
-              <a:t>int</a:t>
-            </a:r>
-            <a:r>
-              <a:rPr lang="en-US" b="0" dirty="0">
-                <a:solidFill>
-                  <a:srgbClr val="D4D4D4"/>
-                </a:solidFill>
-                <a:effectLst/>
-                <a:latin typeface="Consolas" panose="020B0609020204030204" pitchFamily="49" charset="0"/>
-              </a:rPr>
-              <a:t> j = </a:t>
-            </a:r>
-            <a:r>
-              <a:rPr lang="en-US" b="0" dirty="0">
-                <a:solidFill>
-                  <a:srgbClr val="B5CEA8"/>
-                </a:solidFill>
-                <a:effectLst/>
-                <a:latin typeface="Consolas" panose="020B0609020204030204" pitchFamily="49" charset="0"/>
-              </a:rPr>
-              <a:t>0</a:t>
-            </a:r>
-            <a:r>
-              <a:rPr lang="en-US" b="0" dirty="0">
-                <a:solidFill>
-                  <a:srgbClr val="D4D4D4"/>
-                </a:solidFill>
-                <a:effectLst/>
-                <a:latin typeface="Consolas" panose="020B0609020204030204" pitchFamily="49" charset="0"/>
-              </a:rPr>
-              <a:t>; j &lt; N; ++j) </a:t>
-            </a:r>
-          </a:p>
-          <a:p>
-            <a:r>
-              <a:rPr lang="en-US" b="0" dirty="0">
-                <a:solidFill>
-                  <a:srgbClr val="D4D4D4"/>
-                </a:solidFill>
-                <a:effectLst/>
-                <a:latin typeface="Consolas" panose="020B0609020204030204" pitchFamily="49" charset="0"/>
-              </a:rPr>
-              <a:t>	</a:t>
-            </a:r>
-            <a:r>
-              <a:rPr lang="en-US" b="0" dirty="0" err="1">
-                <a:solidFill>
-                  <a:srgbClr val="D4D4D4"/>
-                </a:solidFill>
-                <a:effectLst/>
-                <a:latin typeface="Consolas" panose="020B0609020204030204" pitchFamily="49" charset="0"/>
-              </a:rPr>
-              <a:t>final_result</a:t>
-            </a:r>
-            <a:r>
-              <a:rPr lang="en-US" b="0" dirty="0">
-                <a:solidFill>
-                  <a:srgbClr val="D4D4D4"/>
-                </a:solidFill>
-                <a:effectLst/>
-                <a:latin typeface="Consolas" panose="020B0609020204030204" pitchFamily="49" charset="0"/>
-              </a:rPr>
-              <a:t>+=results[j].</a:t>
-            </a:r>
-            <a:r>
-              <a:rPr lang="en-US" b="0" dirty="0">
-                <a:solidFill>
-                  <a:srgbClr val="DCDCAA"/>
-                </a:solidFill>
-                <a:effectLst/>
-                <a:latin typeface="Consolas" panose="020B0609020204030204" pitchFamily="49" charset="0"/>
-              </a:rPr>
-              <a:t>get</a:t>
-            </a:r>
-            <a:r>
-              <a:rPr lang="en-US" b="0" dirty="0">
-                <a:solidFill>
-                  <a:srgbClr val="D4D4D4"/>
-                </a:solidFill>
-                <a:effectLst/>
-                <a:latin typeface="Consolas" panose="020B0609020204030204" pitchFamily="49" charset="0"/>
-              </a:rPr>
-              <a:t>();</a:t>
-            </a:r>
-          </a:p>
-        </p:txBody>
-      </p:sp>
-      <p:sp>
-        <p:nvSpPr>
-          <p:cNvPr id="7" name="Title 1">
-            <a:extLst>
-              <a:ext uri="{FF2B5EF4-FFF2-40B4-BE49-F238E27FC236}">
-                <a16:creationId xmlns:a16="http://schemas.microsoft.com/office/drawing/2014/main" id="{A195129C-FC9A-4418-BD7C-156ADC3CA8D2}"/>
-              </a:ext>
-            </a:extLst>
-          </p:cNvPr>
-          <p:cNvSpPr>
-            <a:spLocks noGrp="1"/>
-          </p:cNvSpPr>
-          <p:nvPr>
-            <p:ph type="title"/>
-          </p:nvPr>
-        </p:nvSpPr>
-        <p:spPr>
-          <a:xfrm>
-            <a:off x="838200" y="365125"/>
-            <a:ext cx="10515600" cy="1325563"/>
-          </a:xfrm>
-        </p:spPr>
-        <p:txBody>
-          <a:bodyPr/>
-          <a:lstStyle/>
-          <a:p>
-            <a:r>
-              <a:rPr lang="en-US" dirty="0"/>
-              <a:t>Pythonic or Magical?</a:t>
-            </a:r>
-          </a:p>
-        </p:txBody>
-      </p:sp>
-    </p:spTree>
-    <p:extLst>
-      <p:ext uri="{BB962C8B-B14F-4D97-AF65-F5344CB8AC3E}">
-        <p14:creationId xmlns:p14="http://schemas.microsoft.com/office/powerpoint/2010/main" val="3388655371"/>
       </p:ext>
     </p:extLst>
   </p:cSld>
